--- a/Presentation/scope-design.pptx
+++ b/Presentation/scope-design.pptx
@@ -10,10 +10,10 @@
     <p:sldId id="262" r:id="rId4"/>
     <p:sldId id="257" r:id="rId5"/>
     <p:sldId id="258" r:id="rId6"/>
-    <p:sldId id="260" r:id="rId7"/>
-    <p:sldId id="263" r:id="rId8"/>
-    <p:sldId id="264" r:id="rId9"/>
-    <p:sldId id="265" r:id="rId10"/>
+    <p:sldId id="263" r:id="rId7"/>
+    <p:sldId id="264" r:id="rId8"/>
+    <p:sldId id="265" r:id="rId9"/>
+    <p:sldId id="266" r:id="rId10"/>
   </p:sldIdLst>
   <p:sldSz cx="12192000" cy="6858000"/>
   <p:notesSz cx="6858000" cy="9144000"/>
@@ -112,6 +112,11 @@
       </a:defRPr>
     </a:lvl9pPr>
   </p:defaultTextStyle>
+  <p:extLst>
+    <p:ext uri="{EFAFB233-063F-42B5-8137-9DF3F51BA10A}">
+      <p15:sldGuideLst xmlns:p15="http://schemas.microsoft.com/office/powerpoint/2012/main"/>
+    </p:ext>
+  </p:extLst>
 </p:presentation>
 </file>
 
@@ -262,9 +267,9 @@
           <a:p>
             <a:fld id="{DD17E58A-98F7-4B5D-951F-B28B3952485A}" type="datetimeFigureOut">
               <a:rPr lang="en-US" smtClean="0"/>
-              <a:t>7/27/2021</a:t>
+              <a:t>7/28/2021</a:t>
             </a:fld>
-            <a:endParaRPr lang="en-US"/>
+            <a:endParaRPr lang="en-US" dirty="0"/>
           </a:p>
         </p:txBody>
       </p:sp>
@@ -289,7 +294,7 @@
           <a:bodyPr/>
           <a:lstStyle/>
           <a:p>
-            <a:endParaRPr lang="en-US"/>
+            <a:endParaRPr lang="en-US" dirty="0"/>
           </a:p>
         </p:txBody>
       </p:sp>
@@ -318,7 +323,7 @@
               <a:rPr lang="en-US" smtClean="0"/>
               <a:t>‹#›</a:t>
             </a:fld>
-            <a:endParaRPr lang="en-US"/>
+            <a:endParaRPr lang="en-US" dirty="0"/>
           </a:p>
         </p:txBody>
       </p:sp>
@@ -460,9 +465,9 @@
           <a:p>
             <a:fld id="{DD17E58A-98F7-4B5D-951F-B28B3952485A}" type="datetimeFigureOut">
               <a:rPr lang="en-US" smtClean="0"/>
-              <a:t>7/27/2021</a:t>
+              <a:t>7/28/2021</a:t>
             </a:fld>
-            <a:endParaRPr lang="en-US"/>
+            <a:endParaRPr lang="en-US" dirty="0"/>
           </a:p>
         </p:txBody>
       </p:sp>
@@ -487,7 +492,7 @@
           <a:bodyPr/>
           <a:lstStyle/>
           <a:p>
-            <a:endParaRPr lang="en-US"/>
+            <a:endParaRPr lang="en-US" dirty="0"/>
           </a:p>
         </p:txBody>
       </p:sp>
@@ -516,7 +521,7 @@
               <a:rPr lang="en-US" smtClean="0"/>
               <a:t>‹#›</a:t>
             </a:fld>
-            <a:endParaRPr lang="en-US"/>
+            <a:endParaRPr lang="en-US" dirty="0"/>
           </a:p>
         </p:txBody>
       </p:sp>
@@ -668,9 +673,9 @@
           <a:p>
             <a:fld id="{DD17E58A-98F7-4B5D-951F-B28B3952485A}" type="datetimeFigureOut">
               <a:rPr lang="en-US" smtClean="0"/>
-              <a:t>7/27/2021</a:t>
+              <a:t>7/28/2021</a:t>
             </a:fld>
-            <a:endParaRPr lang="en-US"/>
+            <a:endParaRPr lang="en-US" dirty="0"/>
           </a:p>
         </p:txBody>
       </p:sp>
@@ -695,7 +700,7 @@
           <a:bodyPr/>
           <a:lstStyle/>
           <a:p>
-            <a:endParaRPr lang="en-US"/>
+            <a:endParaRPr lang="en-US" dirty="0"/>
           </a:p>
         </p:txBody>
       </p:sp>
@@ -724,7 +729,7 @@
               <a:rPr lang="en-US" smtClean="0"/>
               <a:t>‹#›</a:t>
             </a:fld>
-            <a:endParaRPr lang="en-US"/>
+            <a:endParaRPr lang="en-US" dirty="0"/>
           </a:p>
         </p:txBody>
       </p:sp>
@@ -866,9 +871,9 @@
           <a:p>
             <a:fld id="{DD17E58A-98F7-4B5D-951F-B28B3952485A}" type="datetimeFigureOut">
               <a:rPr lang="en-US" smtClean="0"/>
-              <a:t>7/27/2021</a:t>
+              <a:t>7/28/2021</a:t>
             </a:fld>
-            <a:endParaRPr lang="en-US"/>
+            <a:endParaRPr lang="en-US" dirty="0"/>
           </a:p>
         </p:txBody>
       </p:sp>
@@ -893,7 +898,7 @@
           <a:bodyPr/>
           <a:lstStyle/>
           <a:p>
-            <a:endParaRPr lang="en-US"/>
+            <a:endParaRPr lang="en-US" dirty="0"/>
           </a:p>
         </p:txBody>
       </p:sp>
@@ -922,7 +927,7 @@
               <a:rPr lang="en-US" smtClean="0"/>
               <a:t>‹#›</a:t>
             </a:fld>
-            <a:endParaRPr lang="en-US"/>
+            <a:endParaRPr lang="en-US" dirty="0"/>
           </a:p>
         </p:txBody>
       </p:sp>
@@ -1141,9 +1146,9 @@
           <a:p>
             <a:fld id="{DD17E58A-98F7-4B5D-951F-B28B3952485A}" type="datetimeFigureOut">
               <a:rPr lang="en-US" smtClean="0"/>
-              <a:t>7/27/2021</a:t>
+              <a:t>7/28/2021</a:t>
             </a:fld>
-            <a:endParaRPr lang="en-US"/>
+            <a:endParaRPr lang="en-US" dirty="0"/>
           </a:p>
         </p:txBody>
       </p:sp>
@@ -1168,7 +1173,7 @@
           <a:bodyPr/>
           <a:lstStyle/>
           <a:p>
-            <a:endParaRPr lang="en-US"/>
+            <a:endParaRPr lang="en-US" dirty="0"/>
           </a:p>
         </p:txBody>
       </p:sp>
@@ -1197,7 +1202,7 @@
               <a:rPr lang="en-US" smtClean="0"/>
               <a:t>‹#›</a:t>
             </a:fld>
-            <a:endParaRPr lang="en-US"/>
+            <a:endParaRPr lang="en-US" dirty="0"/>
           </a:p>
         </p:txBody>
       </p:sp>
@@ -1406,9 +1411,9 @@
           <a:p>
             <a:fld id="{DD17E58A-98F7-4B5D-951F-B28B3952485A}" type="datetimeFigureOut">
               <a:rPr lang="en-US" smtClean="0"/>
-              <a:t>7/27/2021</a:t>
+              <a:t>7/28/2021</a:t>
             </a:fld>
-            <a:endParaRPr lang="en-US"/>
+            <a:endParaRPr lang="en-US" dirty="0"/>
           </a:p>
         </p:txBody>
       </p:sp>
@@ -1433,7 +1438,7 @@
           <a:bodyPr/>
           <a:lstStyle/>
           <a:p>
-            <a:endParaRPr lang="en-US"/>
+            <a:endParaRPr lang="en-US" dirty="0"/>
           </a:p>
         </p:txBody>
       </p:sp>
@@ -1462,7 +1467,7 @@
               <a:rPr lang="en-US" smtClean="0"/>
               <a:t>‹#›</a:t>
             </a:fld>
-            <a:endParaRPr lang="en-US"/>
+            <a:endParaRPr lang="en-US" dirty="0"/>
           </a:p>
         </p:txBody>
       </p:sp>
@@ -1818,9 +1823,9 @@
           <a:p>
             <a:fld id="{DD17E58A-98F7-4B5D-951F-B28B3952485A}" type="datetimeFigureOut">
               <a:rPr lang="en-US" smtClean="0"/>
-              <a:t>7/27/2021</a:t>
+              <a:t>7/28/2021</a:t>
             </a:fld>
-            <a:endParaRPr lang="en-US"/>
+            <a:endParaRPr lang="en-US" dirty="0"/>
           </a:p>
         </p:txBody>
       </p:sp>
@@ -1845,7 +1850,7 @@
           <a:bodyPr/>
           <a:lstStyle/>
           <a:p>
-            <a:endParaRPr lang="en-US"/>
+            <a:endParaRPr lang="en-US" dirty="0"/>
           </a:p>
         </p:txBody>
       </p:sp>
@@ -1874,7 +1879,7 @@
               <a:rPr lang="en-US" smtClean="0"/>
               <a:t>‹#›</a:t>
             </a:fld>
-            <a:endParaRPr lang="en-US"/>
+            <a:endParaRPr lang="en-US" dirty="0"/>
           </a:p>
         </p:txBody>
       </p:sp>
@@ -1959,9 +1964,9 @@
           <a:p>
             <a:fld id="{DD17E58A-98F7-4B5D-951F-B28B3952485A}" type="datetimeFigureOut">
               <a:rPr lang="en-US" smtClean="0"/>
-              <a:t>7/27/2021</a:t>
+              <a:t>7/28/2021</a:t>
             </a:fld>
-            <a:endParaRPr lang="en-US"/>
+            <a:endParaRPr lang="en-US" dirty="0"/>
           </a:p>
         </p:txBody>
       </p:sp>
@@ -1986,7 +1991,7 @@
           <a:bodyPr/>
           <a:lstStyle/>
           <a:p>
-            <a:endParaRPr lang="en-US"/>
+            <a:endParaRPr lang="en-US" dirty="0"/>
           </a:p>
         </p:txBody>
       </p:sp>
@@ -2015,7 +2020,7 @@
               <a:rPr lang="en-US" smtClean="0"/>
               <a:t>‹#›</a:t>
             </a:fld>
-            <a:endParaRPr lang="en-US"/>
+            <a:endParaRPr lang="en-US" dirty="0"/>
           </a:p>
         </p:txBody>
       </p:sp>
@@ -2072,9 +2077,9 @@
           <a:p>
             <a:fld id="{DD17E58A-98F7-4B5D-951F-B28B3952485A}" type="datetimeFigureOut">
               <a:rPr lang="en-US" smtClean="0"/>
-              <a:t>7/27/2021</a:t>
+              <a:t>7/28/2021</a:t>
             </a:fld>
-            <a:endParaRPr lang="en-US"/>
+            <a:endParaRPr lang="en-US" dirty="0"/>
           </a:p>
         </p:txBody>
       </p:sp>
@@ -2099,7 +2104,7 @@
           <a:bodyPr/>
           <a:lstStyle/>
           <a:p>
-            <a:endParaRPr lang="en-US"/>
+            <a:endParaRPr lang="en-US" dirty="0"/>
           </a:p>
         </p:txBody>
       </p:sp>
@@ -2128,7 +2133,7 @@
               <a:rPr lang="en-US" smtClean="0"/>
               <a:t>‹#›</a:t>
             </a:fld>
-            <a:endParaRPr lang="en-US"/>
+            <a:endParaRPr lang="en-US" dirty="0"/>
           </a:p>
         </p:txBody>
       </p:sp>
@@ -2383,9 +2388,9 @@
           <a:p>
             <a:fld id="{DD17E58A-98F7-4B5D-951F-B28B3952485A}" type="datetimeFigureOut">
               <a:rPr lang="en-US" smtClean="0"/>
-              <a:t>7/27/2021</a:t>
+              <a:t>7/28/2021</a:t>
             </a:fld>
-            <a:endParaRPr lang="en-US"/>
+            <a:endParaRPr lang="en-US" dirty="0"/>
           </a:p>
         </p:txBody>
       </p:sp>
@@ -2410,7 +2415,7 @@
           <a:bodyPr/>
           <a:lstStyle/>
           <a:p>
-            <a:endParaRPr lang="en-US"/>
+            <a:endParaRPr lang="en-US" dirty="0"/>
           </a:p>
         </p:txBody>
       </p:sp>
@@ -2439,7 +2444,7 @@
               <a:rPr lang="en-US" smtClean="0"/>
               <a:t>‹#›</a:t>
             </a:fld>
-            <a:endParaRPr lang="en-US"/>
+            <a:endParaRPr lang="en-US" dirty="0"/>
           </a:p>
         </p:txBody>
       </p:sp>
@@ -2573,7 +2578,7 @@
             </a:lvl9pPr>
           </a:lstStyle>
           <a:p>
-            <a:endParaRPr lang="en-US"/>
+            <a:endParaRPr lang="en-US" dirty="0"/>
           </a:p>
         </p:txBody>
       </p:sp>
@@ -2671,9 +2676,9 @@
           <a:p>
             <a:fld id="{DD17E58A-98F7-4B5D-951F-B28B3952485A}" type="datetimeFigureOut">
               <a:rPr lang="en-US" smtClean="0"/>
-              <a:t>7/27/2021</a:t>
+              <a:t>7/28/2021</a:t>
             </a:fld>
-            <a:endParaRPr lang="en-US"/>
+            <a:endParaRPr lang="en-US" dirty="0"/>
           </a:p>
         </p:txBody>
       </p:sp>
@@ -2698,7 +2703,7 @@
           <a:bodyPr/>
           <a:lstStyle/>
           <a:p>
-            <a:endParaRPr lang="en-US"/>
+            <a:endParaRPr lang="en-US" dirty="0"/>
           </a:p>
         </p:txBody>
       </p:sp>
@@ -2727,7 +2732,7 @@
               <a:rPr lang="en-US" smtClean="0"/>
               <a:t>‹#›</a:t>
             </a:fld>
-            <a:endParaRPr lang="en-US"/>
+            <a:endParaRPr lang="en-US" dirty="0"/>
           </a:p>
         </p:txBody>
       </p:sp>
@@ -2912,9 +2917,9 @@
           <a:p>
             <a:fld id="{DD17E58A-98F7-4B5D-951F-B28B3952485A}" type="datetimeFigureOut">
               <a:rPr lang="en-US" smtClean="0"/>
-              <a:t>7/27/2021</a:t>
+              <a:t>7/28/2021</a:t>
             </a:fld>
-            <a:endParaRPr lang="en-US"/>
+            <a:endParaRPr lang="en-US" dirty="0"/>
           </a:p>
         </p:txBody>
       </p:sp>
@@ -2957,7 +2962,7 @@
             </a:lvl1pPr>
           </a:lstStyle>
           <a:p>
-            <a:endParaRPr lang="en-US"/>
+            <a:endParaRPr lang="en-US" dirty="0"/>
           </a:p>
         </p:txBody>
       </p:sp>
@@ -3004,7 +3009,7 @@
               <a:rPr lang="en-US" smtClean="0"/>
               <a:t>‹#›</a:t>
             </a:fld>
-            <a:endParaRPr lang="en-US"/>
+            <a:endParaRPr lang="en-US" dirty="0"/>
           </a:p>
         </p:txBody>
       </p:sp>
@@ -3752,7 +3757,7 @@
         </p:nvSpPr>
         <p:spPr>
           <a:xfrm>
-            <a:off x="167954" y="998375"/>
+            <a:off x="167954" y="879132"/>
             <a:ext cx="5607698" cy="4861249"/>
           </a:xfrm>
           <a:prstGeom prst="rect">
@@ -3951,7 +3956,7 @@
         </p:nvSpPr>
         <p:spPr>
           <a:xfrm>
-            <a:off x="167954" y="754153"/>
+            <a:off x="167954" y="636707"/>
             <a:ext cx="5607698" cy="234892"/>
           </a:xfrm>
           <a:prstGeom prst="rect">
@@ -4079,8 +4084,8 @@
         </p:nvSpPr>
         <p:spPr>
           <a:xfrm>
-            <a:off x="102635" y="66171"/>
-            <a:ext cx="11599749" cy="234892"/>
+            <a:off x="1058877" y="66171"/>
+            <a:ext cx="8127999" cy="234892"/>
           </a:xfrm>
           <a:prstGeom prst="rect">
             <a:avLst/>
@@ -4114,6 +4119,207 @@
           </a:p>
         </p:txBody>
       </p:sp>
+      <p:graphicFrame>
+        <p:nvGraphicFramePr>
+          <p:cNvPr id="2" name="Table 2">
+            <a:extLst>
+              <a:ext uri="{FF2B5EF4-FFF2-40B4-BE49-F238E27FC236}">
+                <a16:creationId xmlns:a16="http://schemas.microsoft.com/office/drawing/2014/main" id="{755BC304-C7FD-49E4-9629-A03D231552CD}"/>
+              </a:ext>
+            </a:extLst>
+          </p:cNvPr>
+          <p:cNvGraphicFramePr>
+            <a:graphicFrameLocks noGrp="1"/>
+          </p:cNvGraphicFramePr>
+          <p:nvPr>
+            <p:extLst>
+              <p:ext uri="{D42A27DB-BD31-4B8C-83A1-F6EECF244321}">
+                <p14:modId xmlns:p14="http://schemas.microsoft.com/office/powerpoint/2010/main" val="3307798547"/>
+              </p:ext>
+            </p:extLst>
+          </p:nvPr>
+        </p:nvGraphicFramePr>
+        <p:xfrm>
+          <a:off x="1058877" y="853890"/>
+          <a:ext cx="8127999" cy="4119880"/>
+        </p:xfrm>
+        <a:graphic>
+          <a:graphicData uri="http://schemas.openxmlformats.org/drawingml/2006/table">
+            <a:tbl>
+              <a:tblPr firstRow="1" bandRow="1">
+                <a:tableStyleId>{5C22544A-7EE6-4342-B048-85BDC9FD1C3A}</a:tableStyleId>
+              </a:tblPr>
+              <a:tblGrid>
+                <a:gridCol w="3915795">
+                  <a:extLst>
+                    <a:ext uri="{9D8B030D-6E8A-4147-A177-3AD203B41FA5}">
+                      <a16:colId xmlns:a16="http://schemas.microsoft.com/office/drawing/2014/main" val="544783830"/>
+                    </a:ext>
+                  </a:extLst>
+                </a:gridCol>
+                <a:gridCol w="2399251">
+                  <a:extLst>
+                    <a:ext uri="{9D8B030D-6E8A-4147-A177-3AD203B41FA5}">
+                      <a16:colId xmlns:a16="http://schemas.microsoft.com/office/drawing/2014/main" val="2648612982"/>
+                    </a:ext>
+                  </a:extLst>
+                </a:gridCol>
+                <a:gridCol w="1812953">
+                  <a:extLst>
+                    <a:ext uri="{9D8B030D-6E8A-4147-A177-3AD203B41FA5}">
+                      <a16:colId xmlns:a16="http://schemas.microsoft.com/office/drawing/2014/main" val="1329839501"/>
+                    </a:ext>
+                  </a:extLst>
+                </a:gridCol>
+              </a:tblGrid>
+              <a:tr h="370840">
+                <a:tc>
+                  <a:txBody>
+                    <a:bodyPr/>
+                    <a:lstStyle/>
+                    <a:p>
+                      <a:r>
+                        <a:rPr lang="en-US" dirty="0"/>
+                        <a:t>Requirement </a:t>
+                      </a:r>
+                    </a:p>
+                  </a:txBody>
+                  <a:tcPr/>
+                </a:tc>
+                <a:tc>
+                  <a:txBody>
+                    <a:bodyPr/>
+                    <a:lstStyle/>
+                    <a:p>
+                      <a:r>
+                        <a:rPr lang="en-US" dirty="0"/>
+                        <a:t>Types of M/C learning</a:t>
+                      </a:r>
+                    </a:p>
+                  </a:txBody>
+                  <a:tcPr/>
+                </a:tc>
+                <a:tc>
+                  <a:txBody>
+                    <a:bodyPr/>
+                    <a:lstStyle/>
+                    <a:p>
+                      <a:r>
+                        <a:rPr lang="en-US" dirty="0"/>
+                        <a:t>Algorithm</a:t>
+                      </a:r>
+                    </a:p>
+                  </a:txBody>
+                  <a:tcPr/>
+                </a:tc>
+                <a:extLst>
+                  <a:ext uri="{0D108BD9-81ED-4DB2-BD59-A6C34878D82A}">
+                    <a16:rowId xmlns:a16="http://schemas.microsoft.com/office/drawing/2014/main" val="1650938924"/>
+                  </a:ext>
+                </a:extLst>
+              </a:tr>
+              <a:tr h="370840">
+                <a:tc>
+                  <a:txBody>
+                    <a:bodyPr/>
+                    <a:lstStyle/>
+                    <a:p>
+                      <a:r>
+                        <a:rPr lang="en-US" dirty="0"/>
+                        <a:t>There is a new club that wants to build a team and they want to sign up contract with different players. They have a budget of 110 million USD. They want to build a well-balanced team choosing players of different tiers. They want to see players of different tiers so that they can sign up with them.  </a:t>
+                      </a:r>
+                    </a:p>
+                  </a:txBody>
+                  <a:tcPr/>
+                </a:tc>
+                <a:tc>
+                  <a:txBody>
+                    <a:bodyPr/>
+                    <a:lstStyle/>
+                    <a:p>
+                      <a:r>
+                        <a:rPr lang="en-US" dirty="0"/>
+                        <a:t>Un-supervised learning</a:t>
+                      </a:r>
+                    </a:p>
+                  </a:txBody>
+                  <a:tcPr/>
+                </a:tc>
+                <a:tc>
+                  <a:txBody>
+                    <a:bodyPr/>
+                    <a:lstStyle/>
+                    <a:p>
+                      <a:r>
+                        <a:rPr lang="en-US" dirty="0"/>
+                        <a:t>KMeans</a:t>
+                      </a:r>
+                    </a:p>
+                  </a:txBody>
+                  <a:tcPr/>
+                </a:tc>
+                <a:extLst>
+                  <a:ext uri="{0D108BD9-81ED-4DB2-BD59-A6C34878D82A}">
+                    <a16:rowId xmlns:a16="http://schemas.microsoft.com/office/drawing/2014/main" val="2724672147"/>
+                  </a:ext>
+                </a:extLst>
+              </a:tr>
+              <a:tr h="370840">
+                <a:tc>
+                  <a:txBody>
+                    <a:bodyPr/>
+                    <a:lstStyle/>
+                    <a:p>
+                      <a:r>
+                        <a:rPr lang="en-US" dirty="0"/>
+                        <a:t>A relatively new players want to predict </a:t>
+                      </a:r>
+                    </a:p>
+                    <a:p>
+                      <a:r>
+                        <a:rPr lang="en-US" dirty="0"/>
+                        <a:t>Whether his salary is going to increase, decrease or remains similar in next subsequent seasons based on his performance statistics in NBA.</a:t>
+                      </a:r>
+                    </a:p>
+                  </a:txBody>
+                  <a:tcPr/>
+                </a:tc>
+                <a:tc>
+                  <a:txBody>
+                    <a:bodyPr/>
+                    <a:lstStyle/>
+                    <a:p>
+                      <a:r>
+                        <a:rPr lang="en-US" dirty="0"/>
+                        <a:t>Supervised learning</a:t>
+                      </a:r>
+                    </a:p>
+                  </a:txBody>
+                  <a:tcPr/>
+                </a:tc>
+                <a:tc>
+                  <a:txBody>
+                    <a:bodyPr/>
+                    <a:lstStyle/>
+                    <a:p>
+                      <a:r>
+                        <a:rPr lang="en-US" dirty="0"/>
+                        <a:t>Logistic regression</a:t>
+                      </a:r>
+                    </a:p>
+                  </a:txBody>
+                  <a:tcPr/>
+                </a:tc>
+                <a:extLst>
+                  <a:ext uri="{0D108BD9-81ED-4DB2-BD59-A6C34878D82A}">
+                    <a16:rowId xmlns:a16="http://schemas.microsoft.com/office/drawing/2014/main" val="1541797659"/>
+                  </a:ext>
+                </a:extLst>
+              </a:tr>
+            </a:tbl>
+          </a:graphicData>
+        </a:graphic>
+      </p:graphicFrame>
     </p:spTree>
     <p:extLst>
       <p:ext uri="{BB962C8B-B14F-4D97-AF65-F5344CB8AC3E}">
@@ -4192,7 +4398,7 @@
           <a:lstStyle/>
           <a:p>
             <a:pPr algn="ctr"/>
-            <a:endParaRPr lang="en-US"/>
+            <a:endParaRPr lang="en-US" dirty="0"/>
           </a:p>
         </p:txBody>
       </p:sp>
@@ -4607,7 +4813,7 @@
           <a:lstStyle/>
           <a:p>
             <a:pPr algn="ctr"/>
-            <a:endParaRPr lang="en-US"/>
+            <a:endParaRPr lang="en-US" dirty="0"/>
           </a:p>
         </p:txBody>
       </p:sp>
@@ -4653,7 +4859,7 @@
           <a:lstStyle/>
           <a:p>
             <a:pPr algn="ctr"/>
-            <a:endParaRPr lang="en-US"/>
+            <a:endParaRPr lang="en-US" dirty="0"/>
           </a:p>
         </p:txBody>
       </p:sp>
@@ -5575,15 +5781,8000 @@
             <a:pPr algn="ctr"/>
             <a:r>
               <a:rPr lang="en-US" dirty="0"/>
-              <a:t>Team structure and roles to play </a:t>
+              <a:t>Task Allocation – segment-1</a:t>
             </a:r>
           </a:p>
         </p:txBody>
       </p:sp>
+      <p:graphicFrame>
+        <p:nvGraphicFramePr>
+          <p:cNvPr id="2" name="Table 1">
+            <a:extLst>
+              <a:ext uri="{FF2B5EF4-FFF2-40B4-BE49-F238E27FC236}">
+                <a16:creationId xmlns:a16="http://schemas.microsoft.com/office/drawing/2014/main" id="{31811F72-65CB-4A92-A006-B5D84605CCE6}"/>
+              </a:ext>
+            </a:extLst>
+          </p:cNvPr>
+          <p:cNvGraphicFramePr>
+            <a:graphicFrameLocks noGrp="1"/>
+          </p:cNvGraphicFramePr>
+          <p:nvPr>
+            <p:extLst>
+              <p:ext uri="{D42A27DB-BD31-4B8C-83A1-F6EECF244321}">
+                <p14:modId xmlns:p14="http://schemas.microsoft.com/office/powerpoint/2010/main" val="2475552405"/>
+              </p:ext>
+            </p:extLst>
+          </p:nvPr>
+        </p:nvGraphicFramePr>
+        <p:xfrm>
+          <a:off x="838200" y="1247776"/>
+          <a:ext cx="10515600" cy="4283677"/>
+        </p:xfrm>
+        <a:graphic>
+          <a:graphicData uri="http://schemas.openxmlformats.org/drawingml/2006/table">
+            <a:tbl>
+              <a:tblPr/>
+              <a:tblGrid>
+                <a:gridCol w="1998833">
+                  <a:extLst>
+                    <a:ext uri="{9D8B030D-6E8A-4147-A177-3AD203B41FA5}">
+                      <a16:colId xmlns:a16="http://schemas.microsoft.com/office/drawing/2014/main" val="636277136"/>
+                    </a:ext>
+                  </a:extLst>
+                </a:gridCol>
+                <a:gridCol w="1725701">
+                  <a:extLst>
+                    <a:ext uri="{9D8B030D-6E8A-4147-A177-3AD203B41FA5}">
+                      <a16:colId xmlns:a16="http://schemas.microsoft.com/office/drawing/2014/main" val="2578836969"/>
+                    </a:ext>
+                  </a:extLst>
+                </a:gridCol>
+                <a:gridCol w="1998833">
+                  <a:extLst>
+                    <a:ext uri="{9D8B030D-6E8A-4147-A177-3AD203B41FA5}">
+                      <a16:colId xmlns:a16="http://schemas.microsoft.com/office/drawing/2014/main" val="3586855571"/>
+                    </a:ext>
+                  </a:extLst>
+                </a:gridCol>
+                <a:gridCol w="1340832">
+                  <a:extLst>
+                    <a:ext uri="{9D8B030D-6E8A-4147-A177-3AD203B41FA5}">
+                      <a16:colId xmlns:a16="http://schemas.microsoft.com/office/drawing/2014/main" val="2482205117"/>
+                    </a:ext>
+                  </a:extLst>
+                </a:gridCol>
+                <a:gridCol w="893888">
+                  <a:extLst>
+                    <a:ext uri="{9D8B030D-6E8A-4147-A177-3AD203B41FA5}">
+                      <a16:colId xmlns:a16="http://schemas.microsoft.com/office/drawing/2014/main" val="1341186265"/>
+                    </a:ext>
+                  </a:extLst>
+                </a:gridCol>
+                <a:gridCol w="869058">
+                  <a:extLst>
+                    <a:ext uri="{9D8B030D-6E8A-4147-A177-3AD203B41FA5}">
+                      <a16:colId xmlns:a16="http://schemas.microsoft.com/office/drawing/2014/main" val="3343656373"/>
+                    </a:ext>
+                  </a:extLst>
+                </a:gridCol>
+                <a:gridCol w="980794">
+                  <a:extLst>
+                    <a:ext uri="{9D8B030D-6E8A-4147-A177-3AD203B41FA5}">
+                      <a16:colId xmlns:a16="http://schemas.microsoft.com/office/drawing/2014/main" val="3088821695"/>
+                    </a:ext>
+                  </a:extLst>
+                </a:gridCol>
+                <a:gridCol w="707661">
+                  <a:extLst>
+                    <a:ext uri="{9D8B030D-6E8A-4147-A177-3AD203B41FA5}">
+                      <a16:colId xmlns:a16="http://schemas.microsoft.com/office/drawing/2014/main" val="3518870063"/>
+                    </a:ext>
+                  </a:extLst>
+                </a:gridCol>
+              </a:tblGrid>
+              <a:tr h="251981">
+                <a:tc>
+                  <a:txBody>
+                    <a:bodyPr/>
+                    <a:lstStyle/>
+                    <a:p>
+                      <a:pPr algn="ctr" fontAlgn="b"/>
+                      <a:r>
+                        <a:rPr lang="en-US" sz="1100" b="1" i="0" u="none" strike="noStrike" dirty="0">
+                          <a:solidFill>
+                            <a:srgbClr val="000000"/>
+                          </a:solidFill>
+                          <a:effectLst/>
+                          <a:latin typeface="Calibri" panose="020F0502020204030204" pitchFamily="34" charset="0"/>
+                        </a:rPr>
+                        <a:t>Task Name</a:t>
+                      </a:r>
+                    </a:p>
+                  </a:txBody>
+                  <a:tcPr marL="6208" marR="6208" marT="6208" marB="0" anchor="b">
+                    <a:lnL w="6350" cap="flat" cmpd="sng" algn="ctr">
+                      <a:solidFill>
+                        <a:srgbClr val="000000"/>
+                      </a:solidFill>
+                      <a:prstDash val="solid"/>
+                      <a:round/>
+                      <a:headEnd type="none" w="med" len="med"/>
+                      <a:tailEnd type="none" w="med" len="med"/>
+                    </a:lnL>
+                    <a:lnR w="6350" cap="flat" cmpd="sng" algn="ctr">
+                      <a:solidFill>
+                        <a:srgbClr val="000000"/>
+                      </a:solidFill>
+                      <a:prstDash val="solid"/>
+                      <a:round/>
+                      <a:headEnd type="none" w="med" len="med"/>
+                      <a:tailEnd type="none" w="med" len="med"/>
+                    </a:lnR>
+                    <a:lnT w="6350" cap="flat" cmpd="sng" algn="ctr">
+                      <a:solidFill>
+                        <a:srgbClr val="000000"/>
+                      </a:solidFill>
+                      <a:prstDash val="solid"/>
+                      <a:round/>
+                      <a:headEnd type="none" w="med" len="med"/>
+                      <a:tailEnd type="none" w="med" len="med"/>
+                    </a:lnT>
+                    <a:lnB w="6350" cap="flat" cmpd="sng" algn="ctr">
+                      <a:solidFill>
+                        <a:srgbClr val="000000"/>
+                      </a:solidFill>
+                      <a:prstDash val="solid"/>
+                      <a:round/>
+                      <a:headEnd type="none" w="med" len="med"/>
+                      <a:tailEnd type="none" w="med" len="med"/>
+                    </a:lnB>
+                    <a:solidFill>
+                      <a:srgbClr val="00B0F0"/>
+                    </a:solidFill>
+                  </a:tcPr>
+                </a:tc>
+                <a:tc>
+                  <a:txBody>
+                    <a:bodyPr/>
+                    <a:lstStyle/>
+                    <a:p>
+                      <a:pPr algn="ctr" fontAlgn="b"/>
+                      <a:r>
+                        <a:rPr lang="en-US" sz="1100" b="1" i="0" u="none" strike="noStrike" dirty="0">
+                          <a:solidFill>
+                            <a:srgbClr val="000000"/>
+                          </a:solidFill>
+                          <a:effectLst/>
+                          <a:latin typeface="Calibri" panose="020F0502020204030204" pitchFamily="34" charset="0"/>
+                        </a:rPr>
+                        <a:t>Subtasks</a:t>
+                      </a:r>
+                    </a:p>
+                  </a:txBody>
+                  <a:tcPr marL="6208" marR="6208" marT="6208" marB="0" anchor="b">
+                    <a:lnL w="6350" cap="flat" cmpd="sng" algn="ctr">
+                      <a:solidFill>
+                        <a:srgbClr val="000000"/>
+                      </a:solidFill>
+                      <a:prstDash val="solid"/>
+                      <a:round/>
+                      <a:headEnd type="none" w="med" len="med"/>
+                      <a:tailEnd type="none" w="med" len="med"/>
+                    </a:lnL>
+                    <a:lnR w="6350" cap="flat" cmpd="sng" algn="ctr">
+                      <a:solidFill>
+                        <a:srgbClr val="000000"/>
+                      </a:solidFill>
+                      <a:prstDash val="solid"/>
+                      <a:round/>
+                      <a:headEnd type="none" w="med" len="med"/>
+                      <a:tailEnd type="none" w="med" len="med"/>
+                    </a:lnR>
+                    <a:lnT w="6350" cap="flat" cmpd="sng" algn="ctr">
+                      <a:solidFill>
+                        <a:srgbClr val="000000"/>
+                      </a:solidFill>
+                      <a:prstDash val="solid"/>
+                      <a:round/>
+                      <a:headEnd type="none" w="med" len="med"/>
+                      <a:tailEnd type="none" w="med" len="med"/>
+                    </a:lnT>
+                    <a:lnB w="6350" cap="flat" cmpd="sng" algn="ctr">
+                      <a:solidFill>
+                        <a:srgbClr val="000000"/>
+                      </a:solidFill>
+                      <a:prstDash val="solid"/>
+                      <a:round/>
+                      <a:headEnd type="none" w="med" len="med"/>
+                      <a:tailEnd type="none" w="med" len="med"/>
+                    </a:lnB>
+                    <a:solidFill>
+                      <a:srgbClr val="00B0F0"/>
+                    </a:solidFill>
+                  </a:tcPr>
+                </a:tc>
+                <a:tc>
+                  <a:txBody>
+                    <a:bodyPr/>
+                    <a:lstStyle/>
+                    <a:p>
+                      <a:pPr algn="ctr" fontAlgn="b"/>
+                      <a:r>
+                        <a:rPr lang="en-US" sz="1100" b="1" i="0" u="none" strike="noStrike" dirty="0">
+                          <a:solidFill>
+                            <a:srgbClr val="000000"/>
+                          </a:solidFill>
+                          <a:effectLst/>
+                          <a:latin typeface="Calibri" panose="020F0502020204030204" pitchFamily="34" charset="0"/>
+                        </a:rPr>
+                        <a:t>Segment Name</a:t>
+                      </a:r>
+                    </a:p>
+                  </a:txBody>
+                  <a:tcPr marL="6208" marR="6208" marT="6208" marB="0" anchor="b">
+                    <a:lnL w="6350" cap="flat" cmpd="sng" algn="ctr">
+                      <a:solidFill>
+                        <a:srgbClr val="000000"/>
+                      </a:solidFill>
+                      <a:prstDash val="solid"/>
+                      <a:round/>
+                      <a:headEnd type="none" w="med" len="med"/>
+                      <a:tailEnd type="none" w="med" len="med"/>
+                    </a:lnL>
+                    <a:lnR w="6350" cap="flat" cmpd="sng" algn="ctr">
+                      <a:solidFill>
+                        <a:srgbClr val="000000"/>
+                      </a:solidFill>
+                      <a:prstDash val="solid"/>
+                      <a:round/>
+                      <a:headEnd type="none" w="med" len="med"/>
+                      <a:tailEnd type="none" w="med" len="med"/>
+                    </a:lnR>
+                    <a:lnT w="6350" cap="flat" cmpd="sng" algn="ctr">
+                      <a:solidFill>
+                        <a:srgbClr val="000000"/>
+                      </a:solidFill>
+                      <a:prstDash val="solid"/>
+                      <a:round/>
+                      <a:headEnd type="none" w="med" len="med"/>
+                      <a:tailEnd type="none" w="med" len="med"/>
+                    </a:lnT>
+                    <a:lnB w="6350" cap="flat" cmpd="sng" algn="ctr">
+                      <a:solidFill>
+                        <a:srgbClr val="000000"/>
+                      </a:solidFill>
+                      <a:prstDash val="solid"/>
+                      <a:round/>
+                      <a:headEnd type="none" w="med" len="med"/>
+                      <a:tailEnd type="none" w="med" len="med"/>
+                    </a:lnB>
+                    <a:solidFill>
+                      <a:srgbClr val="00B0F0"/>
+                    </a:solidFill>
+                  </a:tcPr>
+                </a:tc>
+                <a:tc>
+                  <a:txBody>
+                    <a:bodyPr/>
+                    <a:lstStyle/>
+                    <a:p>
+                      <a:pPr algn="ctr" fontAlgn="b"/>
+                      <a:r>
+                        <a:rPr lang="en-US" sz="1100" b="1" i="0" u="none" strike="noStrike" dirty="0">
+                          <a:solidFill>
+                            <a:srgbClr val="000000"/>
+                          </a:solidFill>
+                          <a:effectLst/>
+                          <a:latin typeface="Calibri" panose="020F0502020204030204" pitchFamily="34" charset="0"/>
+                        </a:rPr>
+                        <a:t>Assigned to</a:t>
+                      </a:r>
+                    </a:p>
+                  </a:txBody>
+                  <a:tcPr marL="6208" marR="6208" marT="6208" marB="0" anchor="b">
+                    <a:lnL w="6350" cap="flat" cmpd="sng" algn="ctr">
+                      <a:solidFill>
+                        <a:srgbClr val="000000"/>
+                      </a:solidFill>
+                      <a:prstDash val="solid"/>
+                      <a:round/>
+                      <a:headEnd type="none" w="med" len="med"/>
+                      <a:tailEnd type="none" w="med" len="med"/>
+                    </a:lnL>
+                    <a:lnR w="6350" cap="flat" cmpd="sng" algn="ctr">
+                      <a:solidFill>
+                        <a:srgbClr val="000000"/>
+                      </a:solidFill>
+                      <a:prstDash val="solid"/>
+                      <a:round/>
+                      <a:headEnd type="none" w="med" len="med"/>
+                      <a:tailEnd type="none" w="med" len="med"/>
+                    </a:lnR>
+                    <a:lnT w="6350" cap="flat" cmpd="sng" algn="ctr">
+                      <a:solidFill>
+                        <a:srgbClr val="000000"/>
+                      </a:solidFill>
+                      <a:prstDash val="solid"/>
+                      <a:round/>
+                      <a:headEnd type="none" w="med" len="med"/>
+                      <a:tailEnd type="none" w="med" len="med"/>
+                    </a:lnT>
+                    <a:lnB w="6350" cap="flat" cmpd="sng" algn="ctr">
+                      <a:solidFill>
+                        <a:srgbClr val="000000"/>
+                      </a:solidFill>
+                      <a:prstDash val="solid"/>
+                      <a:round/>
+                      <a:headEnd type="none" w="med" len="med"/>
+                      <a:tailEnd type="none" w="med" len="med"/>
+                    </a:lnB>
+                    <a:solidFill>
+                      <a:srgbClr val="00B0F0"/>
+                    </a:solidFill>
+                  </a:tcPr>
+                </a:tc>
+                <a:tc>
+                  <a:txBody>
+                    <a:bodyPr/>
+                    <a:lstStyle/>
+                    <a:p>
+                      <a:pPr algn="ctr" fontAlgn="b"/>
+                      <a:r>
+                        <a:rPr lang="en-US" sz="1100" b="1" i="0" u="none" strike="noStrike" dirty="0">
+                          <a:solidFill>
+                            <a:srgbClr val="000000"/>
+                          </a:solidFill>
+                          <a:effectLst/>
+                          <a:latin typeface="Calibri" panose="020F0502020204030204" pitchFamily="34" charset="0"/>
+                        </a:rPr>
+                        <a:t>Task Start Date</a:t>
+                      </a:r>
+                    </a:p>
+                  </a:txBody>
+                  <a:tcPr marL="6208" marR="6208" marT="6208" marB="0" anchor="b">
+                    <a:lnL w="6350" cap="flat" cmpd="sng" algn="ctr">
+                      <a:solidFill>
+                        <a:srgbClr val="000000"/>
+                      </a:solidFill>
+                      <a:prstDash val="solid"/>
+                      <a:round/>
+                      <a:headEnd type="none" w="med" len="med"/>
+                      <a:tailEnd type="none" w="med" len="med"/>
+                    </a:lnL>
+                    <a:lnR w="6350" cap="flat" cmpd="sng" algn="ctr">
+                      <a:solidFill>
+                        <a:srgbClr val="000000"/>
+                      </a:solidFill>
+                      <a:prstDash val="solid"/>
+                      <a:round/>
+                      <a:headEnd type="none" w="med" len="med"/>
+                      <a:tailEnd type="none" w="med" len="med"/>
+                    </a:lnR>
+                    <a:lnT w="6350" cap="flat" cmpd="sng" algn="ctr">
+                      <a:solidFill>
+                        <a:srgbClr val="000000"/>
+                      </a:solidFill>
+                      <a:prstDash val="solid"/>
+                      <a:round/>
+                      <a:headEnd type="none" w="med" len="med"/>
+                      <a:tailEnd type="none" w="med" len="med"/>
+                    </a:lnT>
+                    <a:lnB w="6350" cap="flat" cmpd="sng" algn="ctr">
+                      <a:solidFill>
+                        <a:srgbClr val="000000"/>
+                      </a:solidFill>
+                      <a:prstDash val="solid"/>
+                      <a:round/>
+                      <a:headEnd type="none" w="med" len="med"/>
+                      <a:tailEnd type="none" w="med" len="med"/>
+                    </a:lnB>
+                    <a:solidFill>
+                      <a:srgbClr val="00B0F0"/>
+                    </a:solidFill>
+                  </a:tcPr>
+                </a:tc>
+                <a:tc>
+                  <a:txBody>
+                    <a:bodyPr/>
+                    <a:lstStyle/>
+                    <a:p>
+                      <a:pPr algn="ctr" fontAlgn="b"/>
+                      <a:r>
+                        <a:rPr lang="en-US" sz="1100" b="1" i="0" u="none" strike="noStrike" dirty="0">
+                          <a:solidFill>
+                            <a:srgbClr val="000000"/>
+                          </a:solidFill>
+                          <a:effectLst/>
+                          <a:latin typeface="Calibri" panose="020F0502020204030204" pitchFamily="34" charset="0"/>
+                        </a:rPr>
+                        <a:t>Task End Date</a:t>
+                      </a:r>
+                    </a:p>
+                  </a:txBody>
+                  <a:tcPr marL="6208" marR="6208" marT="6208" marB="0" anchor="b">
+                    <a:lnL w="6350" cap="flat" cmpd="sng" algn="ctr">
+                      <a:solidFill>
+                        <a:srgbClr val="000000"/>
+                      </a:solidFill>
+                      <a:prstDash val="solid"/>
+                      <a:round/>
+                      <a:headEnd type="none" w="med" len="med"/>
+                      <a:tailEnd type="none" w="med" len="med"/>
+                    </a:lnL>
+                    <a:lnR w="6350" cap="flat" cmpd="sng" algn="ctr">
+                      <a:solidFill>
+                        <a:srgbClr val="000000"/>
+                      </a:solidFill>
+                      <a:prstDash val="solid"/>
+                      <a:round/>
+                      <a:headEnd type="none" w="med" len="med"/>
+                      <a:tailEnd type="none" w="med" len="med"/>
+                    </a:lnR>
+                    <a:lnT w="6350" cap="flat" cmpd="sng" algn="ctr">
+                      <a:solidFill>
+                        <a:srgbClr val="000000"/>
+                      </a:solidFill>
+                      <a:prstDash val="solid"/>
+                      <a:round/>
+                      <a:headEnd type="none" w="med" len="med"/>
+                      <a:tailEnd type="none" w="med" len="med"/>
+                    </a:lnT>
+                    <a:lnB w="6350" cap="flat" cmpd="sng" algn="ctr">
+                      <a:solidFill>
+                        <a:srgbClr val="000000"/>
+                      </a:solidFill>
+                      <a:prstDash val="solid"/>
+                      <a:round/>
+                      <a:headEnd type="none" w="med" len="med"/>
+                      <a:tailEnd type="none" w="med" len="med"/>
+                    </a:lnB>
+                    <a:solidFill>
+                      <a:srgbClr val="00B0F0"/>
+                    </a:solidFill>
+                  </a:tcPr>
+                </a:tc>
+                <a:tc>
+                  <a:txBody>
+                    <a:bodyPr/>
+                    <a:lstStyle/>
+                    <a:p>
+                      <a:pPr algn="ctr" fontAlgn="b"/>
+                      <a:r>
+                        <a:rPr lang="en-US" sz="1100" b="1" i="0" u="none" strike="noStrike" dirty="0">
+                          <a:solidFill>
+                            <a:srgbClr val="000000"/>
+                          </a:solidFill>
+                          <a:effectLst/>
+                          <a:latin typeface="Calibri" panose="020F0502020204030204" pitchFamily="34" charset="0"/>
+                        </a:rPr>
+                        <a:t>Actual End Date</a:t>
+                      </a:r>
+                    </a:p>
+                  </a:txBody>
+                  <a:tcPr marL="6208" marR="6208" marT="6208" marB="0" anchor="b">
+                    <a:lnL w="6350" cap="flat" cmpd="sng" algn="ctr">
+                      <a:solidFill>
+                        <a:srgbClr val="000000"/>
+                      </a:solidFill>
+                      <a:prstDash val="solid"/>
+                      <a:round/>
+                      <a:headEnd type="none" w="med" len="med"/>
+                      <a:tailEnd type="none" w="med" len="med"/>
+                    </a:lnL>
+                    <a:lnR w="6350" cap="flat" cmpd="sng" algn="ctr">
+                      <a:solidFill>
+                        <a:srgbClr val="000000"/>
+                      </a:solidFill>
+                      <a:prstDash val="solid"/>
+                      <a:round/>
+                      <a:headEnd type="none" w="med" len="med"/>
+                      <a:tailEnd type="none" w="med" len="med"/>
+                    </a:lnR>
+                    <a:lnT w="6350" cap="flat" cmpd="sng" algn="ctr">
+                      <a:solidFill>
+                        <a:srgbClr val="000000"/>
+                      </a:solidFill>
+                      <a:prstDash val="solid"/>
+                      <a:round/>
+                      <a:headEnd type="none" w="med" len="med"/>
+                      <a:tailEnd type="none" w="med" len="med"/>
+                    </a:lnT>
+                    <a:lnB w="6350" cap="flat" cmpd="sng" algn="ctr">
+                      <a:solidFill>
+                        <a:srgbClr val="000000"/>
+                      </a:solidFill>
+                      <a:prstDash val="solid"/>
+                      <a:round/>
+                      <a:headEnd type="none" w="med" len="med"/>
+                      <a:tailEnd type="none" w="med" len="med"/>
+                    </a:lnB>
+                    <a:solidFill>
+                      <a:srgbClr val="00B0F0"/>
+                    </a:solidFill>
+                  </a:tcPr>
+                </a:tc>
+                <a:tc>
+                  <a:txBody>
+                    <a:bodyPr/>
+                    <a:lstStyle/>
+                    <a:p>
+                      <a:pPr algn="ctr" fontAlgn="b"/>
+                      <a:r>
+                        <a:rPr lang="en-US" sz="1100" b="1" i="0" u="none" strike="noStrike" dirty="0">
+                          <a:solidFill>
+                            <a:srgbClr val="000000"/>
+                          </a:solidFill>
+                          <a:effectLst/>
+                          <a:latin typeface="Calibri" panose="020F0502020204030204" pitchFamily="34" charset="0"/>
+                        </a:rPr>
+                        <a:t>status</a:t>
+                      </a:r>
+                    </a:p>
+                  </a:txBody>
+                  <a:tcPr marL="6208" marR="6208" marT="6208" marB="0" anchor="b">
+                    <a:lnL w="6350" cap="flat" cmpd="sng" algn="ctr">
+                      <a:solidFill>
+                        <a:srgbClr val="000000"/>
+                      </a:solidFill>
+                      <a:prstDash val="solid"/>
+                      <a:round/>
+                      <a:headEnd type="none" w="med" len="med"/>
+                      <a:tailEnd type="none" w="med" len="med"/>
+                    </a:lnL>
+                    <a:lnR w="6350" cap="flat" cmpd="sng" algn="ctr">
+                      <a:solidFill>
+                        <a:srgbClr val="000000"/>
+                      </a:solidFill>
+                      <a:prstDash val="solid"/>
+                      <a:round/>
+                      <a:headEnd type="none" w="med" len="med"/>
+                      <a:tailEnd type="none" w="med" len="med"/>
+                    </a:lnR>
+                    <a:lnT w="6350" cap="flat" cmpd="sng" algn="ctr">
+                      <a:solidFill>
+                        <a:srgbClr val="000000"/>
+                      </a:solidFill>
+                      <a:prstDash val="solid"/>
+                      <a:round/>
+                      <a:headEnd type="none" w="med" len="med"/>
+                      <a:tailEnd type="none" w="med" len="med"/>
+                    </a:lnT>
+                    <a:lnB w="6350" cap="flat" cmpd="sng" algn="ctr">
+                      <a:solidFill>
+                        <a:srgbClr val="000000"/>
+                      </a:solidFill>
+                      <a:prstDash val="solid"/>
+                      <a:round/>
+                      <a:headEnd type="none" w="med" len="med"/>
+                      <a:tailEnd type="none" w="med" len="med"/>
+                    </a:lnB>
+                    <a:solidFill>
+                      <a:srgbClr val="00B0F0"/>
+                    </a:solidFill>
+                  </a:tcPr>
+                </a:tc>
+                <a:extLst>
+                  <a:ext uri="{0D108BD9-81ED-4DB2-BD59-A6C34878D82A}">
+                    <a16:rowId xmlns:a16="http://schemas.microsoft.com/office/drawing/2014/main" val="3516555565"/>
+                  </a:ext>
+                </a:extLst>
+              </a:tr>
+              <a:tr h="251981">
+                <a:tc>
+                  <a:txBody>
+                    <a:bodyPr/>
+                    <a:lstStyle/>
+                    <a:p>
+                      <a:pPr algn="l" fontAlgn="b"/>
+                      <a:r>
+                        <a:rPr lang="en-US" sz="1100" b="0" i="0" u="none" strike="noStrike" dirty="0">
+                          <a:solidFill>
+                            <a:srgbClr val="000000"/>
+                          </a:solidFill>
+                          <a:effectLst/>
+                          <a:latin typeface="Calibri" panose="020F0502020204030204" pitchFamily="34" charset="0"/>
+                        </a:rPr>
+                        <a:t>Create Github repository</a:t>
+                      </a:r>
+                    </a:p>
+                  </a:txBody>
+                  <a:tcPr marL="6208" marR="6208" marT="6208" marB="0" anchor="b">
+                    <a:lnL w="6350" cap="flat" cmpd="sng" algn="ctr">
+                      <a:solidFill>
+                        <a:srgbClr val="000000"/>
+                      </a:solidFill>
+                      <a:prstDash val="solid"/>
+                      <a:round/>
+                      <a:headEnd type="none" w="med" len="med"/>
+                      <a:tailEnd type="none" w="med" len="med"/>
+                    </a:lnL>
+                    <a:lnR w="6350" cap="flat" cmpd="sng" algn="ctr">
+                      <a:solidFill>
+                        <a:srgbClr val="000000"/>
+                      </a:solidFill>
+                      <a:prstDash val="solid"/>
+                      <a:round/>
+                      <a:headEnd type="none" w="med" len="med"/>
+                      <a:tailEnd type="none" w="med" len="med"/>
+                    </a:lnR>
+                    <a:lnT w="6350" cap="flat" cmpd="sng" algn="ctr">
+                      <a:solidFill>
+                        <a:srgbClr val="000000"/>
+                      </a:solidFill>
+                      <a:prstDash val="solid"/>
+                      <a:round/>
+                      <a:headEnd type="none" w="med" len="med"/>
+                      <a:tailEnd type="none" w="med" len="med"/>
+                    </a:lnT>
+                    <a:lnB w="6350" cap="flat" cmpd="sng" algn="ctr">
+                      <a:solidFill>
+                        <a:srgbClr val="000000"/>
+                      </a:solidFill>
+                      <a:prstDash val="solid"/>
+                      <a:round/>
+                      <a:headEnd type="none" w="med" len="med"/>
+                      <a:tailEnd type="none" w="med" len="med"/>
+                    </a:lnB>
+                  </a:tcPr>
+                </a:tc>
+                <a:tc>
+                  <a:txBody>
+                    <a:bodyPr/>
+                    <a:lstStyle/>
+                    <a:p>
+                      <a:pPr algn="l" fontAlgn="b"/>
+                      <a:r>
+                        <a:rPr lang="en-US" sz="1100" b="0" i="0" u="none" strike="noStrike" dirty="0">
+                          <a:solidFill>
+                            <a:srgbClr val="000000"/>
+                          </a:solidFill>
+                          <a:effectLst/>
+                          <a:latin typeface="Calibri" panose="020F0502020204030204" pitchFamily="34" charset="0"/>
+                        </a:rPr>
+                        <a:t> </a:t>
+                      </a:r>
+                    </a:p>
+                  </a:txBody>
+                  <a:tcPr marL="6208" marR="6208" marT="6208" marB="0" anchor="b">
+                    <a:lnL w="6350" cap="flat" cmpd="sng" algn="ctr">
+                      <a:solidFill>
+                        <a:srgbClr val="000000"/>
+                      </a:solidFill>
+                      <a:prstDash val="solid"/>
+                      <a:round/>
+                      <a:headEnd type="none" w="med" len="med"/>
+                      <a:tailEnd type="none" w="med" len="med"/>
+                    </a:lnL>
+                    <a:lnR w="6350" cap="flat" cmpd="sng" algn="ctr">
+                      <a:solidFill>
+                        <a:srgbClr val="000000"/>
+                      </a:solidFill>
+                      <a:prstDash val="solid"/>
+                      <a:round/>
+                      <a:headEnd type="none" w="med" len="med"/>
+                      <a:tailEnd type="none" w="med" len="med"/>
+                    </a:lnR>
+                    <a:lnT w="6350" cap="flat" cmpd="sng" algn="ctr">
+                      <a:solidFill>
+                        <a:srgbClr val="000000"/>
+                      </a:solidFill>
+                      <a:prstDash val="solid"/>
+                      <a:round/>
+                      <a:headEnd type="none" w="med" len="med"/>
+                      <a:tailEnd type="none" w="med" len="med"/>
+                    </a:lnT>
+                    <a:lnB w="6350" cap="flat" cmpd="sng" algn="ctr">
+                      <a:solidFill>
+                        <a:srgbClr val="000000"/>
+                      </a:solidFill>
+                      <a:prstDash val="solid"/>
+                      <a:round/>
+                      <a:headEnd type="none" w="med" len="med"/>
+                      <a:tailEnd type="none" w="med" len="med"/>
+                    </a:lnB>
+                  </a:tcPr>
+                </a:tc>
+                <a:tc>
+                  <a:txBody>
+                    <a:bodyPr/>
+                    <a:lstStyle/>
+                    <a:p>
+                      <a:pPr algn="l" fontAlgn="b"/>
+                      <a:r>
+                        <a:rPr lang="en-US" sz="1100" b="0" i="0" u="none" strike="noStrike" dirty="0">
+                          <a:solidFill>
+                            <a:srgbClr val="000000"/>
+                          </a:solidFill>
+                          <a:effectLst/>
+                          <a:latin typeface="Calibri" panose="020F0502020204030204" pitchFamily="34" charset="0"/>
+                        </a:rPr>
+                        <a:t>Segment-1</a:t>
+                      </a:r>
+                    </a:p>
+                  </a:txBody>
+                  <a:tcPr marL="6208" marR="6208" marT="6208" marB="0" anchor="b">
+                    <a:lnL w="6350" cap="flat" cmpd="sng" algn="ctr">
+                      <a:solidFill>
+                        <a:srgbClr val="000000"/>
+                      </a:solidFill>
+                      <a:prstDash val="solid"/>
+                      <a:round/>
+                      <a:headEnd type="none" w="med" len="med"/>
+                      <a:tailEnd type="none" w="med" len="med"/>
+                    </a:lnL>
+                    <a:lnR w="6350" cap="flat" cmpd="sng" algn="ctr">
+                      <a:solidFill>
+                        <a:srgbClr val="000000"/>
+                      </a:solidFill>
+                      <a:prstDash val="solid"/>
+                      <a:round/>
+                      <a:headEnd type="none" w="med" len="med"/>
+                      <a:tailEnd type="none" w="med" len="med"/>
+                    </a:lnR>
+                    <a:lnT w="6350" cap="flat" cmpd="sng" algn="ctr">
+                      <a:solidFill>
+                        <a:srgbClr val="000000"/>
+                      </a:solidFill>
+                      <a:prstDash val="solid"/>
+                      <a:round/>
+                      <a:headEnd type="none" w="med" len="med"/>
+                      <a:tailEnd type="none" w="med" len="med"/>
+                    </a:lnT>
+                    <a:lnB w="6350" cap="flat" cmpd="sng" algn="ctr">
+                      <a:solidFill>
+                        <a:srgbClr val="000000"/>
+                      </a:solidFill>
+                      <a:prstDash val="solid"/>
+                      <a:round/>
+                      <a:headEnd type="none" w="med" len="med"/>
+                      <a:tailEnd type="none" w="med" len="med"/>
+                    </a:lnB>
+                  </a:tcPr>
+                </a:tc>
+                <a:tc>
+                  <a:txBody>
+                    <a:bodyPr/>
+                    <a:lstStyle/>
+                    <a:p>
+                      <a:pPr algn="l" fontAlgn="b"/>
+                      <a:r>
+                        <a:rPr lang="en-US" sz="1100" b="0" i="0" u="none" strike="noStrike" dirty="0">
+                          <a:solidFill>
+                            <a:srgbClr val="000000"/>
+                          </a:solidFill>
+                          <a:effectLst/>
+                          <a:latin typeface="Calibri" panose="020F0502020204030204" pitchFamily="34" charset="0"/>
+                        </a:rPr>
+                        <a:t>Asit</a:t>
+                      </a:r>
+                    </a:p>
+                  </a:txBody>
+                  <a:tcPr marL="6208" marR="6208" marT="6208" marB="0" anchor="b">
+                    <a:lnL w="6350" cap="flat" cmpd="sng" algn="ctr">
+                      <a:solidFill>
+                        <a:srgbClr val="000000"/>
+                      </a:solidFill>
+                      <a:prstDash val="solid"/>
+                      <a:round/>
+                      <a:headEnd type="none" w="med" len="med"/>
+                      <a:tailEnd type="none" w="med" len="med"/>
+                    </a:lnL>
+                    <a:lnR w="6350" cap="flat" cmpd="sng" algn="ctr">
+                      <a:solidFill>
+                        <a:srgbClr val="000000"/>
+                      </a:solidFill>
+                      <a:prstDash val="solid"/>
+                      <a:round/>
+                      <a:headEnd type="none" w="med" len="med"/>
+                      <a:tailEnd type="none" w="med" len="med"/>
+                    </a:lnR>
+                    <a:lnT w="6350" cap="flat" cmpd="sng" algn="ctr">
+                      <a:solidFill>
+                        <a:srgbClr val="000000"/>
+                      </a:solidFill>
+                      <a:prstDash val="solid"/>
+                      <a:round/>
+                      <a:headEnd type="none" w="med" len="med"/>
+                      <a:tailEnd type="none" w="med" len="med"/>
+                    </a:lnT>
+                    <a:lnB w="6350" cap="flat" cmpd="sng" algn="ctr">
+                      <a:solidFill>
+                        <a:srgbClr val="000000"/>
+                      </a:solidFill>
+                      <a:prstDash val="solid"/>
+                      <a:round/>
+                      <a:headEnd type="none" w="med" len="med"/>
+                      <a:tailEnd type="none" w="med" len="med"/>
+                    </a:lnB>
+                  </a:tcPr>
+                </a:tc>
+                <a:tc>
+                  <a:txBody>
+                    <a:bodyPr/>
+                    <a:lstStyle/>
+                    <a:p>
+                      <a:pPr algn="r" fontAlgn="b"/>
+                      <a:r>
+                        <a:rPr lang="en-US" sz="1100" b="0" i="0" u="none" strike="noStrike" dirty="0">
+                          <a:solidFill>
+                            <a:srgbClr val="000000"/>
+                          </a:solidFill>
+                          <a:effectLst/>
+                          <a:latin typeface="Calibri" panose="020F0502020204030204" pitchFamily="34" charset="0"/>
+                        </a:rPr>
+                        <a:t>7/26/2021</a:t>
+                      </a:r>
+                    </a:p>
+                  </a:txBody>
+                  <a:tcPr marL="6208" marR="6208" marT="6208" marB="0" anchor="b">
+                    <a:lnL w="6350" cap="flat" cmpd="sng" algn="ctr">
+                      <a:solidFill>
+                        <a:srgbClr val="000000"/>
+                      </a:solidFill>
+                      <a:prstDash val="solid"/>
+                      <a:round/>
+                      <a:headEnd type="none" w="med" len="med"/>
+                      <a:tailEnd type="none" w="med" len="med"/>
+                    </a:lnL>
+                    <a:lnR w="6350" cap="flat" cmpd="sng" algn="ctr">
+                      <a:solidFill>
+                        <a:srgbClr val="000000"/>
+                      </a:solidFill>
+                      <a:prstDash val="solid"/>
+                      <a:round/>
+                      <a:headEnd type="none" w="med" len="med"/>
+                      <a:tailEnd type="none" w="med" len="med"/>
+                    </a:lnR>
+                    <a:lnT w="6350" cap="flat" cmpd="sng" algn="ctr">
+                      <a:solidFill>
+                        <a:srgbClr val="000000"/>
+                      </a:solidFill>
+                      <a:prstDash val="solid"/>
+                      <a:round/>
+                      <a:headEnd type="none" w="med" len="med"/>
+                      <a:tailEnd type="none" w="med" len="med"/>
+                    </a:lnT>
+                    <a:lnB w="6350" cap="flat" cmpd="sng" algn="ctr">
+                      <a:solidFill>
+                        <a:srgbClr val="000000"/>
+                      </a:solidFill>
+                      <a:prstDash val="solid"/>
+                      <a:round/>
+                      <a:headEnd type="none" w="med" len="med"/>
+                      <a:tailEnd type="none" w="med" len="med"/>
+                    </a:lnB>
+                  </a:tcPr>
+                </a:tc>
+                <a:tc>
+                  <a:txBody>
+                    <a:bodyPr/>
+                    <a:lstStyle/>
+                    <a:p>
+                      <a:pPr algn="r" fontAlgn="b"/>
+                      <a:r>
+                        <a:rPr lang="en-US" sz="1100" b="0" i="0" u="none" strike="noStrike" dirty="0">
+                          <a:solidFill>
+                            <a:srgbClr val="000000"/>
+                          </a:solidFill>
+                          <a:effectLst/>
+                          <a:latin typeface="Calibri" panose="020F0502020204030204" pitchFamily="34" charset="0"/>
+                        </a:rPr>
+                        <a:t>7/26/2021</a:t>
+                      </a:r>
+                    </a:p>
+                  </a:txBody>
+                  <a:tcPr marL="6208" marR="6208" marT="6208" marB="0" anchor="b">
+                    <a:lnL w="6350" cap="flat" cmpd="sng" algn="ctr">
+                      <a:solidFill>
+                        <a:srgbClr val="000000"/>
+                      </a:solidFill>
+                      <a:prstDash val="solid"/>
+                      <a:round/>
+                      <a:headEnd type="none" w="med" len="med"/>
+                      <a:tailEnd type="none" w="med" len="med"/>
+                    </a:lnL>
+                    <a:lnR w="6350" cap="flat" cmpd="sng" algn="ctr">
+                      <a:solidFill>
+                        <a:srgbClr val="000000"/>
+                      </a:solidFill>
+                      <a:prstDash val="solid"/>
+                      <a:round/>
+                      <a:headEnd type="none" w="med" len="med"/>
+                      <a:tailEnd type="none" w="med" len="med"/>
+                    </a:lnR>
+                    <a:lnT w="6350" cap="flat" cmpd="sng" algn="ctr">
+                      <a:solidFill>
+                        <a:srgbClr val="000000"/>
+                      </a:solidFill>
+                      <a:prstDash val="solid"/>
+                      <a:round/>
+                      <a:headEnd type="none" w="med" len="med"/>
+                      <a:tailEnd type="none" w="med" len="med"/>
+                    </a:lnT>
+                    <a:lnB w="6350" cap="flat" cmpd="sng" algn="ctr">
+                      <a:solidFill>
+                        <a:srgbClr val="000000"/>
+                      </a:solidFill>
+                      <a:prstDash val="solid"/>
+                      <a:round/>
+                      <a:headEnd type="none" w="med" len="med"/>
+                      <a:tailEnd type="none" w="med" len="med"/>
+                    </a:lnB>
+                  </a:tcPr>
+                </a:tc>
+                <a:tc>
+                  <a:txBody>
+                    <a:bodyPr/>
+                    <a:lstStyle/>
+                    <a:p>
+                      <a:pPr algn="r" fontAlgn="b"/>
+                      <a:r>
+                        <a:rPr lang="en-US" sz="1100" b="0" i="0" u="none" strike="noStrike" dirty="0">
+                          <a:solidFill>
+                            <a:srgbClr val="000000"/>
+                          </a:solidFill>
+                          <a:effectLst/>
+                          <a:latin typeface="Calibri" panose="020F0502020204030204" pitchFamily="34" charset="0"/>
+                        </a:rPr>
+                        <a:t>7/26/2021</a:t>
+                      </a:r>
+                    </a:p>
+                  </a:txBody>
+                  <a:tcPr marL="6208" marR="6208" marT="6208" marB="0" anchor="b">
+                    <a:lnL w="6350" cap="flat" cmpd="sng" algn="ctr">
+                      <a:solidFill>
+                        <a:srgbClr val="000000"/>
+                      </a:solidFill>
+                      <a:prstDash val="solid"/>
+                      <a:round/>
+                      <a:headEnd type="none" w="med" len="med"/>
+                      <a:tailEnd type="none" w="med" len="med"/>
+                    </a:lnL>
+                    <a:lnR w="6350" cap="flat" cmpd="sng" algn="ctr">
+                      <a:solidFill>
+                        <a:srgbClr val="000000"/>
+                      </a:solidFill>
+                      <a:prstDash val="solid"/>
+                      <a:round/>
+                      <a:headEnd type="none" w="med" len="med"/>
+                      <a:tailEnd type="none" w="med" len="med"/>
+                    </a:lnR>
+                    <a:lnT w="6350" cap="flat" cmpd="sng" algn="ctr">
+                      <a:solidFill>
+                        <a:srgbClr val="000000"/>
+                      </a:solidFill>
+                      <a:prstDash val="solid"/>
+                      <a:round/>
+                      <a:headEnd type="none" w="med" len="med"/>
+                      <a:tailEnd type="none" w="med" len="med"/>
+                    </a:lnT>
+                    <a:lnB w="6350" cap="flat" cmpd="sng" algn="ctr">
+                      <a:solidFill>
+                        <a:srgbClr val="000000"/>
+                      </a:solidFill>
+                      <a:prstDash val="solid"/>
+                      <a:round/>
+                      <a:headEnd type="none" w="med" len="med"/>
+                      <a:tailEnd type="none" w="med" len="med"/>
+                    </a:lnB>
+                  </a:tcPr>
+                </a:tc>
+                <a:tc>
+                  <a:txBody>
+                    <a:bodyPr/>
+                    <a:lstStyle/>
+                    <a:p>
+                      <a:pPr algn="l" fontAlgn="b"/>
+                      <a:r>
+                        <a:rPr lang="en-US" sz="1100" b="0" i="0" u="none" strike="noStrike" dirty="0">
+                          <a:solidFill>
+                            <a:srgbClr val="000000"/>
+                          </a:solidFill>
+                          <a:effectLst/>
+                          <a:latin typeface="Calibri" panose="020F0502020204030204" pitchFamily="34" charset="0"/>
+                        </a:rPr>
+                        <a:t>complete</a:t>
+                      </a:r>
+                    </a:p>
+                  </a:txBody>
+                  <a:tcPr marL="6208" marR="6208" marT="6208" marB="0" anchor="b">
+                    <a:lnL w="6350" cap="flat" cmpd="sng" algn="ctr">
+                      <a:solidFill>
+                        <a:srgbClr val="000000"/>
+                      </a:solidFill>
+                      <a:prstDash val="solid"/>
+                      <a:round/>
+                      <a:headEnd type="none" w="med" len="med"/>
+                      <a:tailEnd type="none" w="med" len="med"/>
+                    </a:lnL>
+                    <a:lnR w="6350" cap="flat" cmpd="sng" algn="ctr">
+                      <a:solidFill>
+                        <a:srgbClr val="000000"/>
+                      </a:solidFill>
+                      <a:prstDash val="solid"/>
+                      <a:round/>
+                      <a:headEnd type="none" w="med" len="med"/>
+                      <a:tailEnd type="none" w="med" len="med"/>
+                    </a:lnR>
+                    <a:lnT w="6350" cap="flat" cmpd="sng" algn="ctr">
+                      <a:solidFill>
+                        <a:srgbClr val="000000"/>
+                      </a:solidFill>
+                      <a:prstDash val="solid"/>
+                      <a:round/>
+                      <a:headEnd type="none" w="med" len="med"/>
+                      <a:tailEnd type="none" w="med" len="med"/>
+                    </a:lnT>
+                    <a:lnB w="6350" cap="flat" cmpd="sng" algn="ctr">
+                      <a:solidFill>
+                        <a:srgbClr val="000000"/>
+                      </a:solidFill>
+                      <a:prstDash val="solid"/>
+                      <a:round/>
+                      <a:headEnd type="none" w="med" len="med"/>
+                      <a:tailEnd type="none" w="med" len="med"/>
+                    </a:lnB>
+                  </a:tcPr>
+                </a:tc>
+                <a:extLst>
+                  <a:ext uri="{0D108BD9-81ED-4DB2-BD59-A6C34878D82A}">
+                    <a16:rowId xmlns:a16="http://schemas.microsoft.com/office/drawing/2014/main" val="1814177255"/>
+                  </a:ext>
+                </a:extLst>
+              </a:tr>
+              <a:tr h="251981">
+                <a:tc>
+                  <a:txBody>
+                    <a:bodyPr/>
+                    <a:lstStyle/>
+                    <a:p>
+                      <a:pPr algn="l" fontAlgn="b"/>
+                      <a:r>
+                        <a:rPr lang="en-US" sz="1100" b="0" i="0" u="none" strike="noStrike" dirty="0">
+                          <a:solidFill>
+                            <a:srgbClr val="000000"/>
+                          </a:solidFill>
+                          <a:effectLst/>
+                          <a:latin typeface="Calibri" panose="020F0502020204030204" pitchFamily="34" charset="0"/>
+                        </a:rPr>
+                        <a:t>Technical POC(s)</a:t>
+                      </a:r>
+                    </a:p>
+                  </a:txBody>
+                  <a:tcPr marL="6208" marR="6208" marT="6208" marB="0" anchor="b">
+                    <a:lnL w="6350" cap="flat" cmpd="sng" algn="ctr">
+                      <a:solidFill>
+                        <a:srgbClr val="000000"/>
+                      </a:solidFill>
+                      <a:prstDash val="solid"/>
+                      <a:round/>
+                      <a:headEnd type="none" w="med" len="med"/>
+                      <a:tailEnd type="none" w="med" len="med"/>
+                    </a:lnL>
+                    <a:lnR w="6350" cap="flat" cmpd="sng" algn="ctr">
+                      <a:solidFill>
+                        <a:srgbClr val="000000"/>
+                      </a:solidFill>
+                      <a:prstDash val="solid"/>
+                      <a:round/>
+                      <a:headEnd type="none" w="med" len="med"/>
+                      <a:tailEnd type="none" w="med" len="med"/>
+                    </a:lnR>
+                    <a:lnT w="6350" cap="flat" cmpd="sng" algn="ctr">
+                      <a:solidFill>
+                        <a:srgbClr val="000000"/>
+                      </a:solidFill>
+                      <a:prstDash val="solid"/>
+                      <a:round/>
+                      <a:headEnd type="none" w="med" len="med"/>
+                      <a:tailEnd type="none" w="med" len="med"/>
+                    </a:lnT>
+                    <a:lnB w="6350" cap="flat" cmpd="sng" algn="ctr">
+                      <a:solidFill>
+                        <a:srgbClr val="000000"/>
+                      </a:solidFill>
+                      <a:prstDash val="solid"/>
+                      <a:round/>
+                      <a:headEnd type="none" w="med" len="med"/>
+                      <a:tailEnd type="none" w="med" len="med"/>
+                    </a:lnB>
+                  </a:tcPr>
+                </a:tc>
+                <a:tc>
+                  <a:txBody>
+                    <a:bodyPr/>
+                    <a:lstStyle/>
+                    <a:p>
+                      <a:pPr algn="l" fontAlgn="b"/>
+                      <a:r>
+                        <a:rPr lang="en-US" sz="1100" b="0" i="0" u="none" strike="noStrike" dirty="0">
+                          <a:solidFill>
+                            <a:srgbClr val="000000"/>
+                          </a:solidFill>
+                          <a:effectLst/>
+                          <a:latin typeface="Calibri" panose="020F0502020204030204" pitchFamily="34" charset="0"/>
+                        </a:rPr>
+                        <a:t> </a:t>
+                      </a:r>
+                    </a:p>
+                  </a:txBody>
+                  <a:tcPr marL="6208" marR="6208" marT="6208" marB="0" anchor="b">
+                    <a:lnL w="6350" cap="flat" cmpd="sng" algn="ctr">
+                      <a:solidFill>
+                        <a:srgbClr val="000000"/>
+                      </a:solidFill>
+                      <a:prstDash val="solid"/>
+                      <a:round/>
+                      <a:headEnd type="none" w="med" len="med"/>
+                      <a:tailEnd type="none" w="med" len="med"/>
+                    </a:lnL>
+                    <a:lnR w="6350" cap="flat" cmpd="sng" algn="ctr">
+                      <a:solidFill>
+                        <a:srgbClr val="000000"/>
+                      </a:solidFill>
+                      <a:prstDash val="solid"/>
+                      <a:round/>
+                      <a:headEnd type="none" w="med" len="med"/>
+                      <a:tailEnd type="none" w="med" len="med"/>
+                    </a:lnR>
+                    <a:lnT w="6350" cap="flat" cmpd="sng" algn="ctr">
+                      <a:solidFill>
+                        <a:srgbClr val="000000"/>
+                      </a:solidFill>
+                      <a:prstDash val="solid"/>
+                      <a:round/>
+                      <a:headEnd type="none" w="med" len="med"/>
+                      <a:tailEnd type="none" w="med" len="med"/>
+                    </a:lnT>
+                    <a:lnB w="6350" cap="flat" cmpd="sng" algn="ctr">
+                      <a:solidFill>
+                        <a:srgbClr val="000000"/>
+                      </a:solidFill>
+                      <a:prstDash val="solid"/>
+                      <a:round/>
+                      <a:headEnd type="none" w="med" len="med"/>
+                      <a:tailEnd type="none" w="med" len="med"/>
+                    </a:lnB>
+                  </a:tcPr>
+                </a:tc>
+                <a:tc>
+                  <a:txBody>
+                    <a:bodyPr/>
+                    <a:lstStyle/>
+                    <a:p>
+                      <a:pPr algn="l" fontAlgn="b"/>
+                      <a:r>
+                        <a:rPr lang="en-US" sz="1100" b="0" i="0" u="none" strike="noStrike" dirty="0">
+                          <a:solidFill>
+                            <a:srgbClr val="000000"/>
+                          </a:solidFill>
+                          <a:effectLst/>
+                          <a:latin typeface="Calibri" panose="020F0502020204030204" pitchFamily="34" charset="0"/>
+                        </a:rPr>
+                        <a:t>Segment-1</a:t>
+                      </a:r>
+                    </a:p>
+                  </a:txBody>
+                  <a:tcPr marL="6208" marR="6208" marT="6208" marB="0" anchor="b">
+                    <a:lnL w="6350" cap="flat" cmpd="sng" algn="ctr">
+                      <a:solidFill>
+                        <a:srgbClr val="000000"/>
+                      </a:solidFill>
+                      <a:prstDash val="solid"/>
+                      <a:round/>
+                      <a:headEnd type="none" w="med" len="med"/>
+                      <a:tailEnd type="none" w="med" len="med"/>
+                    </a:lnL>
+                    <a:lnR w="6350" cap="flat" cmpd="sng" algn="ctr">
+                      <a:solidFill>
+                        <a:srgbClr val="000000"/>
+                      </a:solidFill>
+                      <a:prstDash val="solid"/>
+                      <a:round/>
+                      <a:headEnd type="none" w="med" len="med"/>
+                      <a:tailEnd type="none" w="med" len="med"/>
+                    </a:lnR>
+                    <a:lnT w="6350" cap="flat" cmpd="sng" algn="ctr">
+                      <a:solidFill>
+                        <a:srgbClr val="000000"/>
+                      </a:solidFill>
+                      <a:prstDash val="solid"/>
+                      <a:round/>
+                      <a:headEnd type="none" w="med" len="med"/>
+                      <a:tailEnd type="none" w="med" len="med"/>
+                    </a:lnT>
+                    <a:lnB w="6350" cap="flat" cmpd="sng" algn="ctr">
+                      <a:solidFill>
+                        <a:srgbClr val="000000"/>
+                      </a:solidFill>
+                      <a:prstDash val="solid"/>
+                      <a:round/>
+                      <a:headEnd type="none" w="med" len="med"/>
+                      <a:tailEnd type="none" w="med" len="med"/>
+                    </a:lnB>
+                  </a:tcPr>
+                </a:tc>
+                <a:tc>
+                  <a:txBody>
+                    <a:bodyPr/>
+                    <a:lstStyle/>
+                    <a:p>
+                      <a:pPr algn="l" fontAlgn="b"/>
+                      <a:r>
+                        <a:rPr lang="en-US" sz="1100" b="0" i="0" u="none" strike="noStrike" dirty="0">
+                          <a:solidFill>
+                            <a:srgbClr val="000000"/>
+                          </a:solidFill>
+                          <a:effectLst/>
+                          <a:latin typeface="Calibri" panose="020F0502020204030204" pitchFamily="34" charset="0"/>
+                        </a:rPr>
+                        <a:t>Rajesh</a:t>
+                      </a:r>
+                    </a:p>
+                  </a:txBody>
+                  <a:tcPr marL="6208" marR="6208" marT="6208" marB="0" anchor="b">
+                    <a:lnL w="6350" cap="flat" cmpd="sng" algn="ctr">
+                      <a:solidFill>
+                        <a:srgbClr val="000000"/>
+                      </a:solidFill>
+                      <a:prstDash val="solid"/>
+                      <a:round/>
+                      <a:headEnd type="none" w="med" len="med"/>
+                      <a:tailEnd type="none" w="med" len="med"/>
+                    </a:lnL>
+                    <a:lnR w="6350" cap="flat" cmpd="sng" algn="ctr">
+                      <a:solidFill>
+                        <a:srgbClr val="000000"/>
+                      </a:solidFill>
+                      <a:prstDash val="solid"/>
+                      <a:round/>
+                      <a:headEnd type="none" w="med" len="med"/>
+                      <a:tailEnd type="none" w="med" len="med"/>
+                    </a:lnR>
+                    <a:lnT w="6350" cap="flat" cmpd="sng" algn="ctr">
+                      <a:solidFill>
+                        <a:srgbClr val="000000"/>
+                      </a:solidFill>
+                      <a:prstDash val="solid"/>
+                      <a:round/>
+                      <a:headEnd type="none" w="med" len="med"/>
+                      <a:tailEnd type="none" w="med" len="med"/>
+                    </a:lnT>
+                    <a:lnB w="6350" cap="flat" cmpd="sng" algn="ctr">
+                      <a:solidFill>
+                        <a:srgbClr val="000000"/>
+                      </a:solidFill>
+                      <a:prstDash val="solid"/>
+                      <a:round/>
+                      <a:headEnd type="none" w="med" len="med"/>
+                      <a:tailEnd type="none" w="med" len="med"/>
+                    </a:lnB>
+                  </a:tcPr>
+                </a:tc>
+                <a:tc>
+                  <a:txBody>
+                    <a:bodyPr/>
+                    <a:lstStyle/>
+                    <a:p>
+                      <a:pPr algn="r" fontAlgn="b"/>
+                      <a:r>
+                        <a:rPr lang="en-US" sz="1100" b="0" i="0" u="none" strike="noStrike" dirty="0">
+                          <a:solidFill>
+                            <a:srgbClr val="000000"/>
+                          </a:solidFill>
+                          <a:effectLst/>
+                          <a:latin typeface="Calibri" panose="020F0502020204030204" pitchFamily="34" charset="0"/>
+                        </a:rPr>
+                        <a:t>7/26/2021</a:t>
+                      </a:r>
+                    </a:p>
+                  </a:txBody>
+                  <a:tcPr marL="6208" marR="6208" marT="6208" marB="0" anchor="b">
+                    <a:lnL w="6350" cap="flat" cmpd="sng" algn="ctr">
+                      <a:solidFill>
+                        <a:srgbClr val="000000"/>
+                      </a:solidFill>
+                      <a:prstDash val="solid"/>
+                      <a:round/>
+                      <a:headEnd type="none" w="med" len="med"/>
+                      <a:tailEnd type="none" w="med" len="med"/>
+                    </a:lnL>
+                    <a:lnR w="6350" cap="flat" cmpd="sng" algn="ctr">
+                      <a:solidFill>
+                        <a:srgbClr val="000000"/>
+                      </a:solidFill>
+                      <a:prstDash val="solid"/>
+                      <a:round/>
+                      <a:headEnd type="none" w="med" len="med"/>
+                      <a:tailEnd type="none" w="med" len="med"/>
+                    </a:lnR>
+                    <a:lnT w="6350" cap="flat" cmpd="sng" algn="ctr">
+                      <a:solidFill>
+                        <a:srgbClr val="000000"/>
+                      </a:solidFill>
+                      <a:prstDash val="solid"/>
+                      <a:round/>
+                      <a:headEnd type="none" w="med" len="med"/>
+                      <a:tailEnd type="none" w="med" len="med"/>
+                    </a:lnT>
+                    <a:lnB w="6350" cap="flat" cmpd="sng" algn="ctr">
+                      <a:solidFill>
+                        <a:srgbClr val="000000"/>
+                      </a:solidFill>
+                      <a:prstDash val="solid"/>
+                      <a:round/>
+                      <a:headEnd type="none" w="med" len="med"/>
+                      <a:tailEnd type="none" w="med" len="med"/>
+                    </a:lnB>
+                  </a:tcPr>
+                </a:tc>
+                <a:tc>
+                  <a:txBody>
+                    <a:bodyPr/>
+                    <a:lstStyle/>
+                    <a:p>
+                      <a:pPr algn="r" fontAlgn="b"/>
+                      <a:r>
+                        <a:rPr lang="en-US" sz="1100" b="0" i="0" u="none" strike="noStrike" dirty="0">
+                          <a:solidFill>
+                            <a:srgbClr val="000000"/>
+                          </a:solidFill>
+                          <a:effectLst/>
+                          <a:latin typeface="Calibri" panose="020F0502020204030204" pitchFamily="34" charset="0"/>
+                        </a:rPr>
+                        <a:t>7/26/2021</a:t>
+                      </a:r>
+                    </a:p>
+                  </a:txBody>
+                  <a:tcPr marL="6208" marR="6208" marT="6208" marB="0" anchor="b">
+                    <a:lnL w="6350" cap="flat" cmpd="sng" algn="ctr">
+                      <a:solidFill>
+                        <a:srgbClr val="000000"/>
+                      </a:solidFill>
+                      <a:prstDash val="solid"/>
+                      <a:round/>
+                      <a:headEnd type="none" w="med" len="med"/>
+                      <a:tailEnd type="none" w="med" len="med"/>
+                    </a:lnL>
+                    <a:lnR w="6350" cap="flat" cmpd="sng" algn="ctr">
+                      <a:solidFill>
+                        <a:srgbClr val="000000"/>
+                      </a:solidFill>
+                      <a:prstDash val="solid"/>
+                      <a:round/>
+                      <a:headEnd type="none" w="med" len="med"/>
+                      <a:tailEnd type="none" w="med" len="med"/>
+                    </a:lnR>
+                    <a:lnT w="6350" cap="flat" cmpd="sng" algn="ctr">
+                      <a:solidFill>
+                        <a:srgbClr val="000000"/>
+                      </a:solidFill>
+                      <a:prstDash val="solid"/>
+                      <a:round/>
+                      <a:headEnd type="none" w="med" len="med"/>
+                      <a:tailEnd type="none" w="med" len="med"/>
+                    </a:lnT>
+                    <a:lnB w="6350" cap="flat" cmpd="sng" algn="ctr">
+                      <a:solidFill>
+                        <a:srgbClr val="000000"/>
+                      </a:solidFill>
+                      <a:prstDash val="solid"/>
+                      <a:round/>
+                      <a:headEnd type="none" w="med" len="med"/>
+                      <a:tailEnd type="none" w="med" len="med"/>
+                    </a:lnB>
+                  </a:tcPr>
+                </a:tc>
+                <a:tc>
+                  <a:txBody>
+                    <a:bodyPr/>
+                    <a:lstStyle/>
+                    <a:p>
+                      <a:pPr algn="r" fontAlgn="b"/>
+                      <a:r>
+                        <a:rPr lang="en-US" sz="1100" b="0" i="0" u="none" strike="noStrike" dirty="0">
+                          <a:solidFill>
+                            <a:srgbClr val="000000"/>
+                          </a:solidFill>
+                          <a:effectLst/>
+                          <a:latin typeface="Calibri" panose="020F0502020204030204" pitchFamily="34" charset="0"/>
+                        </a:rPr>
+                        <a:t>7/26/2021</a:t>
+                      </a:r>
+                    </a:p>
+                  </a:txBody>
+                  <a:tcPr marL="6208" marR="6208" marT="6208" marB="0" anchor="b">
+                    <a:lnL w="6350" cap="flat" cmpd="sng" algn="ctr">
+                      <a:solidFill>
+                        <a:srgbClr val="000000"/>
+                      </a:solidFill>
+                      <a:prstDash val="solid"/>
+                      <a:round/>
+                      <a:headEnd type="none" w="med" len="med"/>
+                      <a:tailEnd type="none" w="med" len="med"/>
+                    </a:lnL>
+                    <a:lnR w="6350" cap="flat" cmpd="sng" algn="ctr">
+                      <a:solidFill>
+                        <a:srgbClr val="000000"/>
+                      </a:solidFill>
+                      <a:prstDash val="solid"/>
+                      <a:round/>
+                      <a:headEnd type="none" w="med" len="med"/>
+                      <a:tailEnd type="none" w="med" len="med"/>
+                    </a:lnR>
+                    <a:lnT w="6350" cap="flat" cmpd="sng" algn="ctr">
+                      <a:solidFill>
+                        <a:srgbClr val="000000"/>
+                      </a:solidFill>
+                      <a:prstDash val="solid"/>
+                      <a:round/>
+                      <a:headEnd type="none" w="med" len="med"/>
+                      <a:tailEnd type="none" w="med" len="med"/>
+                    </a:lnT>
+                    <a:lnB w="6350" cap="flat" cmpd="sng" algn="ctr">
+                      <a:solidFill>
+                        <a:srgbClr val="000000"/>
+                      </a:solidFill>
+                      <a:prstDash val="solid"/>
+                      <a:round/>
+                      <a:headEnd type="none" w="med" len="med"/>
+                      <a:tailEnd type="none" w="med" len="med"/>
+                    </a:lnB>
+                  </a:tcPr>
+                </a:tc>
+                <a:tc>
+                  <a:txBody>
+                    <a:bodyPr/>
+                    <a:lstStyle/>
+                    <a:p>
+                      <a:pPr algn="l" fontAlgn="b"/>
+                      <a:r>
+                        <a:rPr lang="en-US" sz="1100" b="0" i="0" u="none" strike="noStrike" dirty="0">
+                          <a:solidFill>
+                            <a:srgbClr val="000000"/>
+                          </a:solidFill>
+                          <a:effectLst/>
+                          <a:latin typeface="Calibri" panose="020F0502020204030204" pitchFamily="34" charset="0"/>
+                        </a:rPr>
+                        <a:t>complete</a:t>
+                      </a:r>
+                    </a:p>
+                  </a:txBody>
+                  <a:tcPr marL="6208" marR="6208" marT="6208" marB="0" anchor="b">
+                    <a:lnL w="6350" cap="flat" cmpd="sng" algn="ctr">
+                      <a:solidFill>
+                        <a:srgbClr val="000000"/>
+                      </a:solidFill>
+                      <a:prstDash val="solid"/>
+                      <a:round/>
+                      <a:headEnd type="none" w="med" len="med"/>
+                      <a:tailEnd type="none" w="med" len="med"/>
+                    </a:lnL>
+                    <a:lnR w="6350" cap="flat" cmpd="sng" algn="ctr">
+                      <a:solidFill>
+                        <a:srgbClr val="000000"/>
+                      </a:solidFill>
+                      <a:prstDash val="solid"/>
+                      <a:round/>
+                      <a:headEnd type="none" w="med" len="med"/>
+                      <a:tailEnd type="none" w="med" len="med"/>
+                    </a:lnR>
+                    <a:lnT w="6350" cap="flat" cmpd="sng" algn="ctr">
+                      <a:solidFill>
+                        <a:srgbClr val="000000"/>
+                      </a:solidFill>
+                      <a:prstDash val="solid"/>
+                      <a:round/>
+                      <a:headEnd type="none" w="med" len="med"/>
+                      <a:tailEnd type="none" w="med" len="med"/>
+                    </a:lnT>
+                    <a:lnB w="6350" cap="flat" cmpd="sng" algn="ctr">
+                      <a:solidFill>
+                        <a:srgbClr val="000000"/>
+                      </a:solidFill>
+                      <a:prstDash val="solid"/>
+                      <a:round/>
+                      <a:headEnd type="none" w="med" len="med"/>
+                      <a:tailEnd type="none" w="med" len="med"/>
+                    </a:lnB>
+                  </a:tcPr>
+                </a:tc>
+                <a:extLst>
+                  <a:ext uri="{0D108BD9-81ED-4DB2-BD59-A6C34878D82A}">
+                    <a16:rowId xmlns:a16="http://schemas.microsoft.com/office/drawing/2014/main" val="2557200663"/>
+                  </a:ext>
+                </a:extLst>
+              </a:tr>
+              <a:tr h="251981">
+                <a:tc>
+                  <a:txBody>
+                    <a:bodyPr/>
+                    <a:lstStyle/>
+                    <a:p>
+                      <a:pPr algn="l" fontAlgn="b"/>
+                      <a:r>
+                        <a:rPr lang="en-US" sz="1100" b="0" i="0" u="none" strike="noStrike" dirty="0">
+                          <a:solidFill>
+                            <a:srgbClr val="000000"/>
+                          </a:solidFill>
+                          <a:effectLst/>
+                          <a:latin typeface="Calibri" panose="020F0502020204030204" pitchFamily="34" charset="0"/>
+                        </a:rPr>
+                        <a:t>Project plan creation</a:t>
+                      </a:r>
+                    </a:p>
+                  </a:txBody>
+                  <a:tcPr marL="6208" marR="6208" marT="6208" marB="0" anchor="b">
+                    <a:lnL w="6350" cap="flat" cmpd="sng" algn="ctr">
+                      <a:solidFill>
+                        <a:srgbClr val="000000"/>
+                      </a:solidFill>
+                      <a:prstDash val="solid"/>
+                      <a:round/>
+                      <a:headEnd type="none" w="med" len="med"/>
+                      <a:tailEnd type="none" w="med" len="med"/>
+                    </a:lnL>
+                    <a:lnR w="6350" cap="flat" cmpd="sng" algn="ctr">
+                      <a:solidFill>
+                        <a:srgbClr val="000000"/>
+                      </a:solidFill>
+                      <a:prstDash val="solid"/>
+                      <a:round/>
+                      <a:headEnd type="none" w="med" len="med"/>
+                      <a:tailEnd type="none" w="med" len="med"/>
+                    </a:lnR>
+                    <a:lnT w="6350" cap="flat" cmpd="sng" algn="ctr">
+                      <a:solidFill>
+                        <a:srgbClr val="000000"/>
+                      </a:solidFill>
+                      <a:prstDash val="solid"/>
+                      <a:round/>
+                      <a:headEnd type="none" w="med" len="med"/>
+                      <a:tailEnd type="none" w="med" len="med"/>
+                    </a:lnT>
+                    <a:lnB w="6350" cap="flat" cmpd="sng" algn="ctr">
+                      <a:solidFill>
+                        <a:srgbClr val="000000"/>
+                      </a:solidFill>
+                      <a:prstDash val="solid"/>
+                      <a:round/>
+                      <a:headEnd type="none" w="med" len="med"/>
+                      <a:tailEnd type="none" w="med" len="med"/>
+                    </a:lnB>
+                  </a:tcPr>
+                </a:tc>
+                <a:tc>
+                  <a:txBody>
+                    <a:bodyPr/>
+                    <a:lstStyle/>
+                    <a:p>
+                      <a:pPr algn="l" fontAlgn="b"/>
+                      <a:r>
+                        <a:rPr lang="en-US" sz="1100" b="0" i="0" u="none" strike="noStrike" dirty="0">
+                          <a:solidFill>
+                            <a:srgbClr val="000000"/>
+                          </a:solidFill>
+                          <a:effectLst/>
+                          <a:latin typeface="Calibri" panose="020F0502020204030204" pitchFamily="34" charset="0"/>
+                        </a:rPr>
+                        <a:t> </a:t>
+                      </a:r>
+                    </a:p>
+                  </a:txBody>
+                  <a:tcPr marL="6208" marR="6208" marT="6208" marB="0" anchor="b">
+                    <a:lnL w="6350" cap="flat" cmpd="sng" algn="ctr">
+                      <a:solidFill>
+                        <a:srgbClr val="000000"/>
+                      </a:solidFill>
+                      <a:prstDash val="solid"/>
+                      <a:round/>
+                      <a:headEnd type="none" w="med" len="med"/>
+                      <a:tailEnd type="none" w="med" len="med"/>
+                    </a:lnL>
+                    <a:lnR w="6350" cap="flat" cmpd="sng" algn="ctr">
+                      <a:solidFill>
+                        <a:srgbClr val="000000"/>
+                      </a:solidFill>
+                      <a:prstDash val="solid"/>
+                      <a:round/>
+                      <a:headEnd type="none" w="med" len="med"/>
+                      <a:tailEnd type="none" w="med" len="med"/>
+                    </a:lnR>
+                    <a:lnT w="6350" cap="flat" cmpd="sng" algn="ctr">
+                      <a:solidFill>
+                        <a:srgbClr val="000000"/>
+                      </a:solidFill>
+                      <a:prstDash val="solid"/>
+                      <a:round/>
+                      <a:headEnd type="none" w="med" len="med"/>
+                      <a:tailEnd type="none" w="med" len="med"/>
+                    </a:lnT>
+                    <a:lnB w="6350" cap="flat" cmpd="sng" algn="ctr">
+                      <a:solidFill>
+                        <a:srgbClr val="000000"/>
+                      </a:solidFill>
+                      <a:prstDash val="solid"/>
+                      <a:round/>
+                      <a:headEnd type="none" w="med" len="med"/>
+                      <a:tailEnd type="none" w="med" len="med"/>
+                    </a:lnB>
+                  </a:tcPr>
+                </a:tc>
+                <a:tc>
+                  <a:txBody>
+                    <a:bodyPr/>
+                    <a:lstStyle/>
+                    <a:p>
+                      <a:pPr algn="l" fontAlgn="b"/>
+                      <a:r>
+                        <a:rPr lang="en-US" sz="1100" b="0" i="0" u="none" strike="noStrike" dirty="0">
+                          <a:solidFill>
+                            <a:srgbClr val="000000"/>
+                          </a:solidFill>
+                          <a:effectLst/>
+                          <a:latin typeface="Calibri" panose="020F0502020204030204" pitchFamily="34" charset="0"/>
+                        </a:rPr>
+                        <a:t>Segment-1</a:t>
+                      </a:r>
+                    </a:p>
+                  </a:txBody>
+                  <a:tcPr marL="6208" marR="6208" marT="6208" marB="0" anchor="b">
+                    <a:lnL w="6350" cap="flat" cmpd="sng" algn="ctr">
+                      <a:solidFill>
+                        <a:srgbClr val="000000"/>
+                      </a:solidFill>
+                      <a:prstDash val="solid"/>
+                      <a:round/>
+                      <a:headEnd type="none" w="med" len="med"/>
+                      <a:tailEnd type="none" w="med" len="med"/>
+                    </a:lnL>
+                    <a:lnR w="6350" cap="flat" cmpd="sng" algn="ctr">
+                      <a:solidFill>
+                        <a:srgbClr val="000000"/>
+                      </a:solidFill>
+                      <a:prstDash val="solid"/>
+                      <a:round/>
+                      <a:headEnd type="none" w="med" len="med"/>
+                      <a:tailEnd type="none" w="med" len="med"/>
+                    </a:lnR>
+                    <a:lnT w="6350" cap="flat" cmpd="sng" algn="ctr">
+                      <a:solidFill>
+                        <a:srgbClr val="000000"/>
+                      </a:solidFill>
+                      <a:prstDash val="solid"/>
+                      <a:round/>
+                      <a:headEnd type="none" w="med" len="med"/>
+                      <a:tailEnd type="none" w="med" len="med"/>
+                    </a:lnT>
+                    <a:lnB w="6350" cap="flat" cmpd="sng" algn="ctr">
+                      <a:solidFill>
+                        <a:srgbClr val="000000"/>
+                      </a:solidFill>
+                      <a:prstDash val="solid"/>
+                      <a:round/>
+                      <a:headEnd type="none" w="med" len="med"/>
+                      <a:tailEnd type="none" w="med" len="med"/>
+                    </a:lnB>
+                  </a:tcPr>
+                </a:tc>
+                <a:tc>
+                  <a:txBody>
+                    <a:bodyPr/>
+                    <a:lstStyle/>
+                    <a:p>
+                      <a:pPr algn="l" fontAlgn="b"/>
+                      <a:r>
+                        <a:rPr lang="en-US" sz="1100" b="0" i="0" u="none" strike="noStrike" dirty="0">
+                          <a:solidFill>
+                            <a:srgbClr val="000000"/>
+                          </a:solidFill>
+                          <a:effectLst/>
+                          <a:latin typeface="Calibri" panose="020F0502020204030204" pitchFamily="34" charset="0"/>
+                        </a:rPr>
+                        <a:t>Asit</a:t>
+                      </a:r>
+                    </a:p>
+                  </a:txBody>
+                  <a:tcPr marL="6208" marR="6208" marT="6208" marB="0" anchor="b">
+                    <a:lnL w="6350" cap="flat" cmpd="sng" algn="ctr">
+                      <a:solidFill>
+                        <a:srgbClr val="000000"/>
+                      </a:solidFill>
+                      <a:prstDash val="solid"/>
+                      <a:round/>
+                      <a:headEnd type="none" w="med" len="med"/>
+                      <a:tailEnd type="none" w="med" len="med"/>
+                    </a:lnL>
+                    <a:lnR w="6350" cap="flat" cmpd="sng" algn="ctr">
+                      <a:solidFill>
+                        <a:srgbClr val="000000"/>
+                      </a:solidFill>
+                      <a:prstDash val="solid"/>
+                      <a:round/>
+                      <a:headEnd type="none" w="med" len="med"/>
+                      <a:tailEnd type="none" w="med" len="med"/>
+                    </a:lnR>
+                    <a:lnT w="6350" cap="flat" cmpd="sng" algn="ctr">
+                      <a:solidFill>
+                        <a:srgbClr val="000000"/>
+                      </a:solidFill>
+                      <a:prstDash val="solid"/>
+                      <a:round/>
+                      <a:headEnd type="none" w="med" len="med"/>
+                      <a:tailEnd type="none" w="med" len="med"/>
+                    </a:lnT>
+                    <a:lnB w="6350" cap="flat" cmpd="sng" algn="ctr">
+                      <a:solidFill>
+                        <a:srgbClr val="000000"/>
+                      </a:solidFill>
+                      <a:prstDash val="solid"/>
+                      <a:round/>
+                      <a:headEnd type="none" w="med" len="med"/>
+                      <a:tailEnd type="none" w="med" len="med"/>
+                    </a:lnB>
+                  </a:tcPr>
+                </a:tc>
+                <a:tc>
+                  <a:txBody>
+                    <a:bodyPr/>
+                    <a:lstStyle/>
+                    <a:p>
+                      <a:pPr algn="r" fontAlgn="b"/>
+                      <a:r>
+                        <a:rPr lang="en-US" sz="1100" b="0" i="0" u="none" strike="noStrike" dirty="0">
+                          <a:solidFill>
+                            <a:srgbClr val="000000"/>
+                          </a:solidFill>
+                          <a:effectLst/>
+                          <a:latin typeface="Calibri" panose="020F0502020204030204" pitchFamily="34" charset="0"/>
+                        </a:rPr>
+                        <a:t>7/26/2021</a:t>
+                      </a:r>
+                    </a:p>
+                  </a:txBody>
+                  <a:tcPr marL="6208" marR="6208" marT="6208" marB="0" anchor="b">
+                    <a:lnL w="6350" cap="flat" cmpd="sng" algn="ctr">
+                      <a:solidFill>
+                        <a:srgbClr val="000000"/>
+                      </a:solidFill>
+                      <a:prstDash val="solid"/>
+                      <a:round/>
+                      <a:headEnd type="none" w="med" len="med"/>
+                      <a:tailEnd type="none" w="med" len="med"/>
+                    </a:lnL>
+                    <a:lnR w="6350" cap="flat" cmpd="sng" algn="ctr">
+                      <a:solidFill>
+                        <a:srgbClr val="000000"/>
+                      </a:solidFill>
+                      <a:prstDash val="solid"/>
+                      <a:round/>
+                      <a:headEnd type="none" w="med" len="med"/>
+                      <a:tailEnd type="none" w="med" len="med"/>
+                    </a:lnR>
+                    <a:lnT w="6350" cap="flat" cmpd="sng" algn="ctr">
+                      <a:solidFill>
+                        <a:srgbClr val="000000"/>
+                      </a:solidFill>
+                      <a:prstDash val="solid"/>
+                      <a:round/>
+                      <a:headEnd type="none" w="med" len="med"/>
+                      <a:tailEnd type="none" w="med" len="med"/>
+                    </a:lnT>
+                    <a:lnB w="6350" cap="flat" cmpd="sng" algn="ctr">
+                      <a:solidFill>
+                        <a:srgbClr val="000000"/>
+                      </a:solidFill>
+                      <a:prstDash val="solid"/>
+                      <a:round/>
+                      <a:headEnd type="none" w="med" len="med"/>
+                      <a:tailEnd type="none" w="med" len="med"/>
+                    </a:lnB>
+                  </a:tcPr>
+                </a:tc>
+                <a:tc>
+                  <a:txBody>
+                    <a:bodyPr/>
+                    <a:lstStyle/>
+                    <a:p>
+                      <a:pPr algn="r" fontAlgn="b"/>
+                      <a:r>
+                        <a:rPr lang="en-US" sz="1100" b="0" i="0" u="none" strike="noStrike" dirty="0">
+                          <a:solidFill>
+                            <a:srgbClr val="000000"/>
+                          </a:solidFill>
+                          <a:effectLst/>
+                          <a:latin typeface="Calibri" panose="020F0502020204030204" pitchFamily="34" charset="0"/>
+                        </a:rPr>
+                        <a:t>7/26/2021</a:t>
+                      </a:r>
+                    </a:p>
+                  </a:txBody>
+                  <a:tcPr marL="6208" marR="6208" marT="6208" marB="0" anchor="b">
+                    <a:lnL w="6350" cap="flat" cmpd="sng" algn="ctr">
+                      <a:solidFill>
+                        <a:srgbClr val="000000"/>
+                      </a:solidFill>
+                      <a:prstDash val="solid"/>
+                      <a:round/>
+                      <a:headEnd type="none" w="med" len="med"/>
+                      <a:tailEnd type="none" w="med" len="med"/>
+                    </a:lnL>
+                    <a:lnR w="6350" cap="flat" cmpd="sng" algn="ctr">
+                      <a:solidFill>
+                        <a:srgbClr val="000000"/>
+                      </a:solidFill>
+                      <a:prstDash val="solid"/>
+                      <a:round/>
+                      <a:headEnd type="none" w="med" len="med"/>
+                      <a:tailEnd type="none" w="med" len="med"/>
+                    </a:lnR>
+                    <a:lnT w="6350" cap="flat" cmpd="sng" algn="ctr">
+                      <a:solidFill>
+                        <a:srgbClr val="000000"/>
+                      </a:solidFill>
+                      <a:prstDash val="solid"/>
+                      <a:round/>
+                      <a:headEnd type="none" w="med" len="med"/>
+                      <a:tailEnd type="none" w="med" len="med"/>
+                    </a:lnT>
+                    <a:lnB w="6350" cap="flat" cmpd="sng" algn="ctr">
+                      <a:solidFill>
+                        <a:srgbClr val="000000"/>
+                      </a:solidFill>
+                      <a:prstDash val="solid"/>
+                      <a:round/>
+                      <a:headEnd type="none" w="med" len="med"/>
+                      <a:tailEnd type="none" w="med" len="med"/>
+                    </a:lnB>
+                  </a:tcPr>
+                </a:tc>
+                <a:tc>
+                  <a:txBody>
+                    <a:bodyPr/>
+                    <a:lstStyle/>
+                    <a:p>
+                      <a:pPr algn="r" fontAlgn="b"/>
+                      <a:r>
+                        <a:rPr lang="en-US" sz="1100" b="0" i="0" u="none" strike="noStrike" dirty="0">
+                          <a:solidFill>
+                            <a:srgbClr val="000000"/>
+                          </a:solidFill>
+                          <a:effectLst/>
+                          <a:latin typeface="Calibri" panose="020F0502020204030204" pitchFamily="34" charset="0"/>
+                        </a:rPr>
+                        <a:t>7/26/2021</a:t>
+                      </a:r>
+                    </a:p>
+                  </a:txBody>
+                  <a:tcPr marL="6208" marR="6208" marT="6208" marB="0" anchor="b">
+                    <a:lnL w="6350" cap="flat" cmpd="sng" algn="ctr">
+                      <a:solidFill>
+                        <a:srgbClr val="000000"/>
+                      </a:solidFill>
+                      <a:prstDash val="solid"/>
+                      <a:round/>
+                      <a:headEnd type="none" w="med" len="med"/>
+                      <a:tailEnd type="none" w="med" len="med"/>
+                    </a:lnL>
+                    <a:lnR w="6350" cap="flat" cmpd="sng" algn="ctr">
+                      <a:solidFill>
+                        <a:srgbClr val="000000"/>
+                      </a:solidFill>
+                      <a:prstDash val="solid"/>
+                      <a:round/>
+                      <a:headEnd type="none" w="med" len="med"/>
+                      <a:tailEnd type="none" w="med" len="med"/>
+                    </a:lnR>
+                    <a:lnT w="6350" cap="flat" cmpd="sng" algn="ctr">
+                      <a:solidFill>
+                        <a:srgbClr val="000000"/>
+                      </a:solidFill>
+                      <a:prstDash val="solid"/>
+                      <a:round/>
+                      <a:headEnd type="none" w="med" len="med"/>
+                      <a:tailEnd type="none" w="med" len="med"/>
+                    </a:lnT>
+                    <a:lnB w="6350" cap="flat" cmpd="sng" algn="ctr">
+                      <a:solidFill>
+                        <a:srgbClr val="000000"/>
+                      </a:solidFill>
+                      <a:prstDash val="solid"/>
+                      <a:round/>
+                      <a:headEnd type="none" w="med" len="med"/>
+                      <a:tailEnd type="none" w="med" len="med"/>
+                    </a:lnB>
+                  </a:tcPr>
+                </a:tc>
+                <a:tc>
+                  <a:txBody>
+                    <a:bodyPr/>
+                    <a:lstStyle/>
+                    <a:p>
+                      <a:pPr algn="l" fontAlgn="b"/>
+                      <a:r>
+                        <a:rPr lang="en-US" sz="1100" b="0" i="0" u="none" strike="noStrike" dirty="0">
+                          <a:solidFill>
+                            <a:srgbClr val="000000"/>
+                          </a:solidFill>
+                          <a:effectLst/>
+                          <a:latin typeface="Calibri" panose="020F0502020204030204" pitchFamily="34" charset="0"/>
+                        </a:rPr>
+                        <a:t>complete</a:t>
+                      </a:r>
+                    </a:p>
+                  </a:txBody>
+                  <a:tcPr marL="6208" marR="6208" marT="6208" marB="0" anchor="b">
+                    <a:lnL w="6350" cap="flat" cmpd="sng" algn="ctr">
+                      <a:solidFill>
+                        <a:srgbClr val="000000"/>
+                      </a:solidFill>
+                      <a:prstDash val="solid"/>
+                      <a:round/>
+                      <a:headEnd type="none" w="med" len="med"/>
+                      <a:tailEnd type="none" w="med" len="med"/>
+                    </a:lnL>
+                    <a:lnR w="6350" cap="flat" cmpd="sng" algn="ctr">
+                      <a:solidFill>
+                        <a:srgbClr val="000000"/>
+                      </a:solidFill>
+                      <a:prstDash val="solid"/>
+                      <a:round/>
+                      <a:headEnd type="none" w="med" len="med"/>
+                      <a:tailEnd type="none" w="med" len="med"/>
+                    </a:lnR>
+                    <a:lnT w="6350" cap="flat" cmpd="sng" algn="ctr">
+                      <a:solidFill>
+                        <a:srgbClr val="000000"/>
+                      </a:solidFill>
+                      <a:prstDash val="solid"/>
+                      <a:round/>
+                      <a:headEnd type="none" w="med" len="med"/>
+                      <a:tailEnd type="none" w="med" len="med"/>
+                    </a:lnT>
+                    <a:lnB w="6350" cap="flat" cmpd="sng" algn="ctr">
+                      <a:solidFill>
+                        <a:srgbClr val="000000"/>
+                      </a:solidFill>
+                      <a:prstDash val="solid"/>
+                      <a:round/>
+                      <a:headEnd type="none" w="med" len="med"/>
+                      <a:tailEnd type="none" w="med" len="med"/>
+                    </a:lnB>
+                  </a:tcPr>
+                </a:tc>
+                <a:extLst>
+                  <a:ext uri="{0D108BD9-81ED-4DB2-BD59-A6C34878D82A}">
+                    <a16:rowId xmlns:a16="http://schemas.microsoft.com/office/drawing/2014/main" val="2473288527"/>
+                  </a:ext>
+                </a:extLst>
+              </a:tr>
+              <a:tr h="251981">
+                <a:tc>
+                  <a:txBody>
+                    <a:bodyPr/>
+                    <a:lstStyle/>
+                    <a:p>
+                      <a:pPr algn="l" fontAlgn="b"/>
+                      <a:r>
+                        <a:rPr lang="en-US" sz="1100" b="0" i="0" u="none" strike="noStrike" dirty="0">
+                          <a:solidFill>
+                            <a:srgbClr val="000000"/>
+                          </a:solidFill>
+                          <a:effectLst/>
+                          <a:latin typeface="Calibri" panose="020F0502020204030204" pitchFamily="34" charset="0"/>
+                        </a:rPr>
+                        <a:t>Discover datasets</a:t>
+                      </a:r>
+                    </a:p>
+                  </a:txBody>
+                  <a:tcPr marL="6208" marR="6208" marT="6208" marB="0" anchor="b">
+                    <a:lnL w="6350" cap="flat" cmpd="sng" algn="ctr">
+                      <a:solidFill>
+                        <a:srgbClr val="000000"/>
+                      </a:solidFill>
+                      <a:prstDash val="solid"/>
+                      <a:round/>
+                      <a:headEnd type="none" w="med" len="med"/>
+                      <a:tailEnd type="none" w="med" len="med"/>
+                    </a:lnL>
+                    <a:lnR w="6350" cap="flat" cmpd="sng" algn="ctr">
+                      <a:solidFill>
+                        <a:srgbClr val="000000"/>
+                      </a:solidFill>
+                      <a:prstDash val="solid"/>
+                      <a:round/>
+                      <a:headEnd type="none" w="med" len="med"/>
+                      <a:tailEnd type="none" w="med" len="med"/>
+                    </a:lnR>
+                    <a:lnT w="6350" cap="flat" cmpd="sng" algn="ctr">
+                      <a:solidFill>
+                        <a:srgbClr val="000000"/>
+                      </a:solidFill>
+                      <a:prstDash val="solid"/>
+                      <a:round/>
+                      <a:headEnd type="none" w="med" len="med"/>
+                      <a:tailEnd type="none" w="med" len="med"/>
+                    </a:lnT>
+                    <a:lnB w="6350" cap="flat" cmpd="sng" algn="ctr">
+                      <a:solidFill>
+                        <a:srgbClr val="000000"/>
+                      </a:solidFill>
+                      <a:prstDash val="solid"/>
+                      <a:round/>
+                      <a:headEnd type="none" w="med" len="med"/>
+                      <a:tailEnd type="none" w="med" len="med"/>
+                    </a:lnB>
+                  </a:tcPr>
+                </a:tc>
+                <a:tc>
+                  <a:txBody>
+                    <a:bodyPr/>
+                    <a:lstStyle/>
+                    <a:p>
+                      <a:pPr algn="l" fontAlgn="b"/>
+                      <a:r>
+                        <a:rPr lang="en-US" sz="1100" b="0" i="0" u="none" strike="noStrike" dirty="0">
+                          <a:solidFill>
+                            <a:srgbClr val="000000"/>
+                          </a:solidFill>
+                          <a:effectLst/>
+                          <a:latin typeface="Calibri" panose="020F0502020204030204" pitchFamily="34" charset="0"/>
+                        </a:rPr>
+                        <a:t> </a:t>
+                      </a:r>
+                    </a:p>
+                  </a:txBody>
+                  <a:tcPr marL="6208" marR="6208" marT="6208" marB="0" anchor="b">
+                    <a:lnL w="6350" cap="flat" cmpd="sng" algn="ctr">
+                      <a:solidFill>
+                        <a:srgbClr val="000000"/>
+                      </a:solidFill>
+                      <a:prstDash val="solid"/>
+                      <a:round/>
+                      <a:headEnd type="none" w="med" len="med"/>
+                      <a:tailEnd type="none" w="med" len="med"/>
+                    </a:lnL>
+                    <a:lnR w="6350" cap="flat" cmpd="sng" algn="ctr">
+                      <a:solidFill>
+                        <a:srgbClr val="000000"/>
+                      </a:solidFill>
+                      <a:prstDash val="solid"/>
+                      <a:round/>
+                      <a:headEnd type="none" w="med" len="med"/>
+                      <a:tailEnd type="none" w="med" len="med"/>
+                    </a:lnR>
+                    <a:lnT w="6350" cap="flat" cmpd="sng" algn="ctr">
+                      <a:solidFill>
+                        <a:srgbClr val="000000"/>
+                      </a:solidFill>
+                      <a:prstDash val="solid"/>
+                      <a:round/>
+                      <a:headEnd type="none" w="med" len="med"/>
+                      <a:tailEnd type="none" w="med" len="med"/>
+                    </a:lnT>
+                    <a:lnB w="6350" cap="flat" cmpd="sng" algn="ctr">
+                      <a:solidFill>
+                        <a:srgbClr val="000000"/>
+                      </a:solidFill>
+                      <a:prstDash val="solid"/>
+                      <a:round/>
+                      <a:headEnd type="none" w="med" len="med"/>
+                      <a:tailEnd type="none" w="med" len="med"/>
+                    </a:lnB>
+                  </a:tcPr>
+                </a:tc>
+                <a:tc>
+                  <a:txBody>
+                    <a:bodyPr/>
+                    <a:lstStyle/>
+                    <a:p>
+                      <a:pPr algn="l" fontAlgn="b"/>
+                      <a:r>
+                        <a:rPr lang="en-US" sz="1100" b="0" i="0" u="none" strike="noStrike" dirty="0">
+                          <a:solidFill>
+                            <a:srgbClr val="000000"/>
+                          </a:solidFill>
+                          <a:effectLst/>
+                          <a:latin typeface="Calibri" panose="020F0502020204030204" pitchFamily="34" charset="0"/>
+                        </a:rPr>
+                        <a:t>Segment-1</a:t>
+                      </a:r>
+                    </a:p>
+                  </a:txBody>
+                  <a:tcPr marL="6208" marR="6208" marT="6208" marB="0" anchor="b">
+                    <a:lnL w="6350" cap="flat" cmpd="sng" algn="ctr">
+                      <a:solidFill>
+                        <a:srgbClr val="000000"/>
+                      </a:solidFill>
+                      <a:prstDash val="solid"/>
+                      <a:round/>
+                      <a:headEnd type="none" w="med" len="med"/>
+                      <a:tailEnd type="none" w="med" len="med"/>
+                    </a:lnL>
+                    <a:lnR w="6350" cap="flat" cmpd="sng" algn="ctr">
+                      <a:solidFill>
+                        <a:srgbClr val="000000"/>
+                      </a:solidFill>
+                      <a:prstDash val="solid"/>
+                      <a:round/>
+                      <a:headEnd type="none" w="med" len="med"/>
+                      <a:tailEnd type="none" w="med" len="med"/>
+                    </a:lnR>
+                    <a:lnT w="6350" cap="flat" cmpd="sng" algn="ctr">
+                      <a:solidFill>
+                        <a:srgbClr val="000000"/>
+                      </a:solidFill>
+                      <a:prstDash val="solid"/>
+                      <a:round/>
+                      <a:headEnd type="none" w="med" len="med"/>
+                      <a:tailEnd type="none" w="med" len="med"/>
+                    </a:lnT>
+                    <a:lnB w="6350" cap="flat" cmpd="sng" algn="ctr">
+                      <a:solidFill>
+                        <a:srgbClr val="000000"/>
+                      </a:solidFill>
+                      <a:prstDash val="solid"/>
+                      <a:round/>
+                      <a:headEnd type="none" w="med" len="med"/>
+                      <a:tailEnd type="none" w="med" len="med"/>
+                    </a:lnB>
+                  </a:tcPr>
+                </a:tc>
+                <a:tc>
+                  <a:txBody>
+                    <a:bodyPr/>
+                    <a:lstStyle/>
+                    <a:p>
+                      <a:pPr algn="l" fontAlgn="b"/>
+                      <a:r>
+                        <a:rPr lang="en-US" sz="1100" b="0" i="0" u="none" strike="noStrike" dirty="0">
+                          <a:solidFill>
+                            <a:srgbClr val="000000"/>
+                          </a:solidFill>
+                          <a:effectLst/>
+                          <a:latin typeface="Calibri" panose="020F0502020204030204" pitchFamily="34" charset="0"/>
+                        </a:rPr>
+                        <a:t>Dave &amp; Dhanaprakash</a:t>
+                      </a:r>
+                    </a:p>
+                  </a:txBody>
+                  <a:tcPr marL="6208" marR="6208" marT="6208" marB="0" anchor="b">
+                    <a:lnL w="6350" cap="flat" cmpd="sng" algn="ctr">
+                      <a:solidFill>
+                        <a:srgbClr val="000000"/>
+                      </a:solidFill>
+                      <a:prstDash val="solid"/>
+                      <a:round/>
+                      <a:headEnd type="none" w="med" len="med"/>
+                      <a:tailEnd type="none" w="med" len="med"/>
+                    </a:lnL>
+                    <a:lnR w="6350" cap="flat" cmpd="sng" algn="ctr">
+                      <a:solidFill>
+                        <a:srgbClr val="000000"/>
+                      </a:solidFill>
+                      <a:prstDash val="solid"/>
+                      <a:round/>
+                      <a:headEnd type="none" w="med" len="med"/>
+                      <a:tailEnd type="none" w="med" len="med"/>
+                    </a:lnR>
+                    <a:lnT w="6350" cap="flat" cmpd="sng" algn="ctr">
+                      <a:solidFill>
+                        <a:srgbClr val="000000"/>
+                      </a:solidFill>
+                      <a:prstDash val="solid"/>
+                      <a:round/>
+                      <a:headEnd type="none" w="med" len="med"/>
+                      <a:tailEnd type="none" w="med" len="med"/>
+                    </a:lnT>
+                    <a:lnB w="6350" cap="flat" cmpd="sng" algn="ctr">
+                      <a:solidFill>
+                        <a:srgbClr val="000000"/>
+                      </a:solidFill>
+                      <a:prstDash val="solid"/>
+                      <a:round/>
+                      <a:headEnd type="none" w="med" len="med"/>
+                      <a:tailEnd type="none" w="med" len="med"/>
+                    </a:lnB>
+                  </a:tcPr>
+                </a:tc>
+                <a:tc>
+                  <a:txBody>
+                    <a:bodyPr/>
+                    <a:lstStyle/>
+                    <a:p>
+                      <a:pPr algn="r" fontAlgn="b"/>
+                      <a:r>
+                        <a:rPr lang="en-US" sz="1100" b="0" i="0" u="none" strike="noStrike" dirty="0">
+                          <a:solidFill>
+                            <a:srgbClr val="000000"/>
+                          </a:solidFill>
+                          <a:effectLst/>
+                          <a:latin typeface="Calibri" panose="020F0502020204030204" pitchFamily="34" charset="0"/>
+                        </a:rPr>
+                        <a:t>7/20/2021</a:t>
+                      </a:r>
+                    </a:p>
+                  </a:txBody>
+                  <a:tcPr marL="6208" marR="6208" marT="6208" marB="0" anchor="b">
+                    <a:lnL w="6350" cap="flat" cmpd="sng" algn="ctr">
+                      <a:solidFill>
+                        <a:srgbClr val="000000"/>
+                      </a:solidFill>
+                      <a:prstDash val="solid"/>
+                      <a:round/>
+                      <a:headEnd type="none" w="med" len="med"/>
+                      <a:tailEnd type="none" w="med" len="med"/>
+                    </a:lnL>
+                    <a:lnR w="6350" cap="flat" cmpd="sng" algn="ctr">
+                      <a:solidFill>
+                        <a:srgbClr val="000000"/>
+                      </a:solidFill>
+                      <a:prstDash val="solid"/>
+                      <a:round/>
+                      <a:headEnd type="none" w="med" len="med"/>
+                      <a:tailEnd type="none" w="med" len="med"/>
+                    </a:lnR>
+                    <a:lnT w="6350" cap="flat" cmpd="sng" algn="ctr">
+                      <a:solidFill>
+                        <a:srgbClr val="000000"/>
+                      </a:solidFill>
+                      <a:prstDash val="solid"/>
+                      <a:round/>
+                      <a:headEnd type="none" w="med" len="med"/>
+                      <a:tailEnd type="none" w="med" len="med"/>
+                    </a:lnT>
+                    <a:lnB w="6350" cap="flat" cmpd="sng" algn="ctr">
+                      <a:solidFill>
+                        <a:srgbClr val="000000"/>
+                      </a:solidFill>
+                      <a:prstDash val="solid"/>
+                      <a:round/>
+                      <a:headEnd type="none" w="med" len="med"/>
+                      <a:tailEnd type="none" w="med" len="med"/>
+                    </a:lnB>
+                  </a:tcPr>
+                </a:tc>
+                <a:tc>
+                  <a:txBody>
+                    <a:bodyPr/>
+                    <a:lstStyle/>
+                    <a:p>
+                      <a:pPr algn="r" fontAlgn="b"/>
+                      <a:r>
+                        <a:rPr lang="en-US" sz="1100" b="0" i="0" u="none" strike="noStrike" dirty="0">
+                          <a:solidFill>
+                            <a:srgbClr val="000000"/>
+                          </a:solidFill>
+                          <a:effectLst/>
+                          <a:latin typeface="Calibri" panose="020F0502020204030204" pitchFamily="34" charset="0"/>
+                        </a:rPr>
+                        <a:t>7/26/2021</a:t>
+                      </a:r>
+                    </a:p>
+                  </a:txBody>
+                  <a:tcPr marL="6208" marR="6208" marT="6208" marB="0" anchor="b">
+                    <a:lnL w="6350" cap="flat" cmpd="sng" algn="ctr">
+                      <a:solidFill>
+                        <a:srgbClr val="000000"/>
+                      </a:solidFill>
+                      <a:prstDash val="solid"/>
+                      <a:round/>
+                      <a:headEnd type="none" w="med" len="med"/>
+                      <a:tailEnd type="none" w="med" len="med"/>
+                    </a:lnL>
+                    <a:lnR w="6350" cap="flat" cmpd="sng" algn="ctr">
+                      <a:solidFill>
+                        <a:srgbClr val="000000"/>
+                      </a:solidFill>
+                      <a:prstDash val="solid"/>
+                      <a:round/>
+                      <a:headEnd type="none" w="med" len="med"/>
+                      <a:tailEnd type="none" w="med" len="med"/>
+                    </a:lnR>
+                    <a:lnT w="6350" cap="flat" cmpd="sng" algn="ctr">
+                      <a:solidFill>
+                        <a:srgbClr val="000000"/>
+                      </a:solidFill>
+                      <a:prstDash val="solid"/>
+                      <a:round/>
+                      <a:headEnd type="none" w="med" len="med"/>
+                      <a:tailEnd type="none" w="med" len="med"/>
+                    </a:lnT>
+                    <a:lnB w="6350" cap="flat" cmpd="sng" algn="ctr">
+                      <a:solidFill>
+                        <a:srgbClr val="000000"/>
+                      </a:solidFill>
+                      <a:prstDash val="solid"/>
+                      <a:round/>
+                      <a:headEnd type="none" w="med" len="med"/>
+                      <a:tailEnd type="none" w="med" len="med"/>
+                    </a:lnB>
+                  </a:tcPr>
+                </a:tc>
+                <a:tc>
+                  <a:txBody>
+                    <a:bodyPr/>
+                    <a:lstStyle/>
+                    <a:p>
+                      <a:pPr algn="r" fontAlgn="b"/>
+                      <a:r>
+                        <a:rPr lang="en-US" sz="1100" b="0" i="0" u="none" strike="noStrike" dirty="0">
+                          <a:solidFill>
+                            <a:srgbClr val="000000"/>
+                          </a:solidFill>
+                          <a:effectLst/>
+                          <a:latin typeface="Calibri" panose="020F0502020204030204" pitchFamily="34" charset="0"/>
+                        </a:rPr>
+                        <a:t>7/27/2021</a:t>
+                      </a:r>
+                    </a:p>
+                  </a:txBody>
+                  <a:tcPr marL="6208" marR="6208" marT="6208" marB="0" anchor="b">
+                    <a:lnL w="6350" cap="flat" cmpd="sng" algn="ctr">
+                      <a:solidFill>
+                        <a:srgbClr val="000000"/>
+                      </a:solidFill>
+                      <a:prstDash val="solid"/>
+                      <a:round/>
+                      <a:headEnd type="none" w="med" len="med"/>
+                      <a:tailEnd type="none" w="med" len="med"/>
+                    </a:lnL>
+                    <a:lnR w="6350" cap="flat" cmpd="sng" algn="ctr">
+                      <a:solidFill>
+                        <a:srgbClr val="000000"/>
+                      </a:solidFill>
+                      <a:prstDash val="solid"/>
+                      <a:round/>
+                      <a:headEnd type="none" w="med" len="med"/>
+                      <a:tailEnd type="none" w="med" len="med"/>
+                    </a:lnR>
+                    <a:lnT w="6350" cap="flat" cmpd="sng" algn="ctr">
+                      <a:solidFill>
+                        <a:srgbClr val="000000"/>
+                      </a:solidFill>
+                      <a:prstDash val="solid"/>
+                      <a:round/>
+                      <a:headEnd type="none" w="med" len="med"/>
+                      <a:tailEnd type="none" w="med" len="med"/>
+                    </a:lnT>
+                    <a:lnB w="6350" cap="flat" cmpd="sng" algn="ctr">
+                      <a:solidFill>
+                        <a:srgbClr val="000000"/>
+                      </a:solidFill>
+                      <a:prstDash val="solid"/>
+                      <a:round/>
+                      <a:headEnd type="none" w="med" len="med"/>
+                      <a:tailEnd type="none" w="med" len="med"/>
+                    </a:lnB>
+                  </a:tcPr>
+                </a:tc>
+                <a:tc>
+                  <a:txBody>
+                    <a:bodyPr/>
+                    <a:lstStyle/>
+                    <a:p>
+                      <a:pPr algn="l" fontAlgn="b"/>
+                      <a:r>
+                        <a:rPr lang="en-US" sz="1100" b="0" i="0" u="none" strike="noStrike" dirty="0">
+                          <a:solidFill>
+                            <a:srgbClr val="000000"/>
+                          </a:solidFill>
+                          <a:effectLst/>
+                          <a:latin typeface="Calibri" panose="020F0502020204030204" pitchFamily="34" charset="0"/>
+                        </a:rPr>
+                        <a:t>complete</a:t>
+                      </a:r>
+                    </a:p>
+                  </a:txBody>
+                  <a:tcPr marL="6208" marR="6208" marT="6208" marB="0" anchor="b">
+                    <a:lnL w="6350" cap="flat" cmpd="sng" algn="ctr">
+                      <a:solidFill>
+                        <a:srgbClr val="000000"/>
+                      </a:solidFill>
+                      <a:prstDash val="solid"/>
+                      <a:round/>
+                      <a:headEnd type="none" w="med" len="med"/>
+                      <a:tailEnd type="none" w="med" len="med"/>
+                    </a:lnL>
+                    <a:lnR w="6350" cap="flat" cmpd="sng" algn="ctr">
+                      <a:solidFill>
+                        <a:srgbClr val="000000"/>
+                      </a:solidFill>
+                      <a:prstDash val="solid"/>
+                      <a:round/>
+                      <a:headEnd type="none" w="med" len="med"/>
+                      <a:tailEnd type="none" w="med" len="med"/>
+                    </a:lnR>
+                    <a:lnT w="6350" cap="flat" cmpd="sng" algn="ctr">
+                      <a:solidFill>
+                        <a:srgbClr val="000000"/>
+                      </a:solidFill>
+                      <a:prstDash val="solid"/>
+                      <a:round/>
+                      <a:headEnd type="none" w="med" len="med"/>
+                      <a:tailEnd type="none" w="med" len="med"/>
+                    </a:lnT>
+                    <a:lnB w="6350" cap="flat" cmpd="sng" algn="ctr">
+                      <a:solidFill>
+                        <a:srgbClr val="000000"/>
+                      </a:solidFill>
+                      <a:prstDash val="solid"/>
+                      <a:round/>
+                      <a:headEnd type="none" w="med" len="med"/>
+                      <a:tailEnd type="none" w="med" len="med"/>
+                    </a:lnB>
+                  </a:tcPr>
+                </a:tc>
+                <a:extLst>
+                  <a:ext uri="{0D108BD9-81ED-4DB2-BD59-A6C34878D82A}">
+                    <a16:rowId xmlns:a16="http://schemas.microsoft.com/office/drawing/2014/main" val="818396388"/>
+                  </a:ext>
+                </a:extLst>
+              </a:tr>
+              <a:tr h="251981">
+                <a:tc>
+                  <a:txBody>
+                    <a:bodyPr/>
+                    <a:lstStyle/>
+                    <a:p>
+                      <a:pPr algn="l" fontAlgn="b"/>
+                      <a:r>
+                        <a:rPr lang="en-US" sz="1100" b="0" i="0" u="none" strike="noStrike" dirty="0">
+                          <a:solidFill>
+                            <a:srgbClr val="000000"/>
+                          </a:solidFill>
+                          <a:effectLst/>
+                          <a:latin typeface="Calibri" panose="020F0502020204030204" pitchFamily="34" charset="0"/>
+                        </a:rPr>
+                        <a:t>Finalize datasets</a:t>
+                      </a:r>
+                    </a:p>
+                  </a:txBody>
+                  <a:tcPr marL="6208" marR="6208" marT="6208" marB="0" anchor="b">
+                    <a:lnL w="6350" cap="flat" cmpd="sng" algn="ctr">
+                      <a:solidFill>
+                        <a:srgbClr val="000000"/>
+                      </a:solidFill>
+                      <a:prstDash val="solid"/>
+                      <a:round/>
+                      <a:headEnd type="none" w="med" len="med"/>
+                      <a:tailEnd type="none" w="med" len="med"/>
+                    </a:lnL>
+                    <a:lnR w="6350" cap="flat" cmpd="sng" algn="ctr">
+                      <a:solidFill>
+                        <a:srgbClr val="000000"/>
+                      </a:solidFill>
+                      <a:prstDash val="solid"/>
+                      <a:round/>
+                      <a:headEnd type="none" w="med" len="med"/>
+                      <a:tailEnd type="none" w="med" len="med"/>
+                    </a:lnR>
+                    <a:lnT w="6350" cap="flat" cmpd="sng" algn="ctr">
+                      <a:solidFill>
+                        <a:srgbClr val="000000"/>
+                      </a:solidFill>
+                      <a:prstDash val="solid"/>
+                      <a:round/>
+                      <a:headEnd type="none" w="med" len="med"/>
+                      <a:tailEnd type="none" w="med" len="med"/>
+                    </a:lnT>
+                    <a:lnB w="6350" cap="flat" cmpd="sng" algn="ctr">
+                      <a:solidFill>
+                        <a:srgbClr val="000000"/>
+                      </a:solidFill>
+                      <a:prstDash val="solid"/>
+                      <a:round/>
+                      <a:headEnd type="none" w="med" len="med"/>
+                      <a:tailEnd type="none" w="med" len="med"/>
+                    </a:lnB>
+                  </a:tcPr>
+                </a:tc>
+                <a:tc>
+                  <a:txBody>
+                    <a:bodyPr/>
+                    <a:lstStyle/>
+                    <a:p>
+                      <a:pPr algn="l" fontAlgn="b"/>
+                      <a:r>
+                        <a:rPr lang="en-US" sz="1100" b="0" i="0" u="none" strike="noStrike" dirty="0">
+                          <a:solidFill>
+                            <a:srgbClr val="000000"/>
+                          </a:solidFill>
+                          <a:effectLst/>
+                          <a:latin typeface="Calibri" panose="020F0502020204030204" pitchFamily="34" charset="0"/>
+                        </a:rPr>
+                        <a:t> </a:t>
+                      </a:r>
+                    </a:p>
+                  </a:txBody>
+                  <a:tcPr marL="6208" marR="6208" marT="6208" marB="0" anchor="b">
+                    <a:lnL w="6350" cap="flat" cmpd="sng" algn="ctr">
+                      <a:solidFill>
+                        <a:srgbClr val="000000"/>
+                      </a:solidFill>
+                      <a:prstDash val="solid"/>
+                      <a:round/>
+                      <a:headEnd type="none" w="med" len="med"/>
+                      <a:tailEnd type="none" w="med" len="med"/>
+                    </a:lnL>
+                    <a:lnR w="6350" cap="flat" cmpd="sng" algn="ctr">
+                      <a:solidFill>
+                        <a:srgbClr val="000000"/>
+                      </a:solidFill>
+                      <a:prstDash val="solid"/>
+                      <a:round/>
+                      <a:headEnd type="none" w="med" len="med"/>
+                      <a:tailEnd type="none" w="med" len="med"/>
+                    </a:lnR>
+                    <a:lnT w="6350" cap="flat" cmpd="sng" algn="ctr">
+                      <a:solidFill>
+                        <a:srgbClr val="000000"/>
+                      </a:solidFill>
+                      <a:prstDash val="solid"/>
+                      <a:round/>
+                      <a:headEnd type="none" w="med" len="med"/>
+                      <a:tailEnd type="none" w="med" len="med"/>
+                    </a:lnT>
+                    <a:lnB w="6350" cap="flat" cmpd="sng" algn="ctr">
+                      <a:solidFill>
+                        <a:srgbClr val="000000"/>
+                      </a:solidFill>
+                      <a:prstDash val="solid"/>
+                      <a:round/>
+                      <a:headEnd type="none" w="med" len="med"/>
+                      <a:tailEnd type="none" w="med" len="med"/>
+                    </a:lnB>
+                  </a:tcPr>
+                </a:tc>
+                <a:tc>
+                  <a:txBody>
+                    <a:bodyPr/>
+                    <a:lstStyle/>
+                    <a:p>
+                      <a:pPr algn="l" fontAlgn="b"/>
+                      <a:r>
+                        <a:rPr lang="en-US" sz="1100" b="0" i="0" u="none" strike="noStrike" dirty="0">
+                          <a:solidFill>
+                            <a:srgbClr val="000000"/>
+                          </a:solidFill>
+                          <a:effectLst/>
+                          <a:latin typeface="Calibri" panose="020F0502020204030204" pitchFamily="34" charset="0"/>
+                        </a:rPr>
+                        <a:t>Segment-1</a:t>
+                      </a:r>
+                    </a:p>
+                  </a:txBody>
+                  <a:tcPr marL="6208" marR="6208" marT="6208" marB="0" anchor="b">
+                    <a:lnL w="6350" cap="flat" cmpd="sng" algn="ctr">
+                      <a:solidFill>
+                        <a:srgbClr val="000000"/>
+                      </a:solidFill>
+                      <a:prstDash val="solid"/>
+                      <a:round/>
+                      <a:headEnd type="none" w="med" len="med"/>
+                      <a:tailEnd type="none" w="med" len="med"/>
+                    </a:lnL>
+                    <a:lnR w="6350" cap="flat" cmpd="sng" algn="ctr">
+                      <a:solidFill>
+                        <a:srgbClr val="000000"/>
+                      </a:solidFill>
+                      <a:prstDash val="solid"/>
+                      <a:round/>
+                      <a:headEnd type="none" w="med" len="med"/>
+                      <a:tailEnd type="none" w="med" len="med"/>
+                    </a:lnR>
+                    <a:lnT w="6350" cap="flat" cmpd="sng" algn="ctr">
+                      <a:solidFill>
+                        <a:srgbClr val="000000"/>
+                      </a:solidFill>
+                      <a:prstDash val="solid"/>
+                      <a:round/>
+                      <a:headEnd type="none" w="med" len="med"/>
+                      <a:tailEnd type="none" w="med" len="med"/>
+                    </a:lnT>
+                    <a:lnB w="6350" cap="flat" cmpd="sng" algn="ctr">
+                      <a:solidFill>
+                        <a:srgbClr val="000000"/>
+                      </a:solidFill>
+                      <a:prstDash val="solid"/>
+                      <a:round/>
+                      <a:headEnd type="none" w="med" len="med"/>
+                      <a:tailEnd type="none" w="med" len="med"/>
+                    </a:lnB>
+                  </a:tcPr>
+                </a:tc>
+                <a:tc>
+                  <a:txBody>
+                    <a:bodyPr/>
+                    <a:lstStyle/>
+                    <a:p>
+                      <a:pPr algn="l" fontAlgn="b"/>
+                      <a:r>
+                        <a:rPr lang="en-US" sz="1100" b="0" i="0" u="none" strike="noStrike" dirty="0">
+                          <a:solidFill>
+                            <a:srgbClr val="000000"/>
+                          </a:solidFill>
+                          <a:effectLst/>
+                          <a:latin typeface="Calibri" panose="020F0502020204030204" pitchFamily="34" charset="0"/>
+                        </a:rPr>
+                        <a:t>All</a:t>
+                      </a:r>
+                    </a:p>
+                  </a:txBody>
+                  <a:tcPr marL="6208" marR="6208" marT="6208" marB="0" anchor="b">
+                    <a:lnL w="6350" cap="flat" cmpd="sng" algn="ctr">
+                      <a:solidFill>
+                        <a:srgbClr val="000000"/>
+                      </a:solidFill>
+                      <a:prstDash val="solid"/>
+                      <a:round/>
+                      <a:headEnd type="none" w="med" len="med"/>
+                      <a:tailEnd type="none" w="med" len="med"/>
+                    </a:lnL>
+                    <a:lnR w="6350" cap="flat" cmpd="sng" algn="ctr">
+                      <a:solidFill>
+                        <a:srgbClr val="000000"/>
+                      </a:solidFill>
+                      <a:prstDash val="solid"/>
+                      <a:round/>
+                      <a:headEnd type="none" w="med" len="med"/>
+                      <a:tailEnd type="none" w="med" len="med"/>
+                    </a:lnR>
+                    <a:lnT w="6350" cap="flat" cmpd="sng" algn="ctr">
+                      <a:solidFill>
+                        <a:srgbClr val="000000"/>
+                      </a:solidFill>
+                      <a:prstDash val="solid"/>
+                      <a:round/>
+                      <a:headEnd type="none" w="med" len="med"/>
+                      <a:tailEnd type="none" w="med" len="med"/>
+                    </a:lnT>
+                    <a:lnB w="6350" cap="flat" cmpd="sng" algn="ctr">
+                      <a:solidFill>
+                        <a:srgbClr val="000000"/>
+                      </a:solidFill>
+                      <a:prstDash val="solid"/>
+                      <a:round/>
+                      <a:headEnd type="none" w="med" len="med"/>
+                      <a:tailEnd type="none" w="med" len="med"/>
+                    </a:lnB>
+                  </a:tcPr>
+                </a:tc>
+                <a:tc>
+                  <a:txBody>
+                    <a:bodyPr/>
+                    <a:lstStyle/>
+                    <a:p>
+                      <a:pPr algn="r" fontAlgn="b"/>
+                      <a:r>
+                        <a:rPr lang="en-US" sz="1100" b="0" i="0" u="none" strike="noStrike" dirty="0">
+                          <a:solidFill>
+                            <a:srgbClr val="000000"/>
+                          </a:solidFill>
+                          <a:effectLst/>
+                          <a:latin typeface="Calibri" panose="020F0502020204030204" pitchFamily="34" charset="0"/>
+                        </a:rPr>
+                        <a:t>7/26/2021</a:t>
+                      </a:r>
+                    </a:p>
+                  </a:txBody>
+                  <a:tcPr marL="6208" marR="6208" marT="6208" marB="0" anchor="b">
+                    <a:lnL w="6350" cap="flat" cmpd="sng" algn="ctr">
+                      <a:solidFill>
+                        <a:srgbClr val="000000"/>
+                      </a:solidFill>
+                      <a:prstDash val="solid"/>
+                      <a:round/>
+                      <a:headEnd type="none" w="med" len="med"/>
+                      <a:tailEnd type="none" w="med" len="med"/>
+                    </a:lnL>
+                    <a:lnR w="6350" cap="flat" cmpd="sng" algn="ctr">
+                      <a:solidFill>
+                        <a:srgbClr val="000000"/>
+                      </a:solidFill>
+                      <a:prstDash val="solid"/>
+                      <a:round/>
+                      <a:headEnd type="none" w="med" len="med"/>
+                      <a:tailEnd type="none" w="med" len="med"/>
+                    </a:lnR>
+                    <a:lnT w="6350" cap="flat" cmpd="sng" algn="ctr">
+                      <a:solidFill>
+                        <a:srgbClr val="000000"/>
+                      </a:solidFill>
+                      <a:prstDash val="solid"/>
+                      <a:round/>
+                      <a:headEnd type="none" w="med" len="med"/>
+                      <a:tailEnd type="none" w="med" len="med"/>
+                    </a:lnT>
+                    <a:lnB w="6350" cap="flat" cmpd="sng" algn="ctr">
+                      <a:solidFill>
+                        <a:srgbClr val="000000"/>
+                      </a:solidFill>
+                      <a:prstDash val="solid"/>
+                      <a:round/>
+                      <a:headEnd type="none" w="med" len="med"/>
+                      <a:tailEnd type="none" w="med" len="med"/>
+                    </a:lnB>
+                  </a:tcPr>
+                </a:tc>
+                <a:tc>
+                  <a:txBody>
+                    <a:bodyPr/>
+                    <a:lstStyle/>
+                    <a:p>
+                      <a:pPr algn="r" fontAlgn="b"/>
+                      <a:r>
+                        <a:rPr lang="en-US" sz="1100" b="0" i="0" u="none" strike="noStrike" dirty="0">
+                          <a:solidFill>
+                            <a:srgbClr val="000000"/>
+                          </a:solidFill>
+                          <a:effectLst/>
+                          <a:latin typeface="Calibri" panose="020F0502020204030204" pitchFamily="34" charset="0"/>
+                        </a:rPr>
+                        <a:t>7/28/2021</a:t>
+                      </a:r>
+                    </a:p>
+                  </a:txBody>
+                  <a:tcPr marL="6208" marR="6208" marT="6208" marB="0" anchor="b">
+                    <a:lnL w="6350" cap="flat" cmpd="sng" algn="ctr">
+                      <a:solidFill>
+                        <a:srgbClr val="000000"/>
+                      </a:solidFill>
+                      <a:prstDash val="solid"/>
+                      <a:round/>
+                      <a:headEnd type="none" w="med" len="med"/>
+                      <a:tailEnd type="none" w="med" len="med"/>
+                    </a:lnL>
+                    <a:lnR w="6350" cap="flat" cmpd="sng" algn="ctr">
+                      <a:solidFill>
+                        <a:srgbClr val="000000"/>
+                      </a:solidFill>
+                      <a:prstDash val="solid"/>
+                      <a:round/>
+                      <a:headEnd type="none" w="med" len="med"/>
+                      <a:tailEnd type="none" w="med" len="med"/>
+                    </a:lnR>
+                    <a:lnT w="6350" cap="flat" cmpd="sng" algn="ctr">
+                      <a:solidFill>
+                        <a:srgbClr val="000000"/>
+                      </a:solidFill>
+                      <a:prstDash val="solid"/>
+                      <a:round/>
+                      <a:headEnd type="none" w="med" len="med"/>
+                      <a:tailEnd type="none" w="med" len="med"/>
+                    </a:lnT>
+                    <a:lnB w="6350" cap="flat" cmpd="sng" algn="ctr">
+                      <a:solidFill>
+                        <a:srgbClr val="000000"/>
+                      </a:solidFill>
+                      <a:prstDash val="solid"/>
+                      <a:round/>
+                      <a:headEnd type="none" w="med" len="med"/>
+                      <a:tailEnd type="none" w="med" len="med"/>
+                    </a:lnB>
+                  </a:tcPr>
+                </a:tc>
+                <a:tc>
+                  <a:txBody>
+                    <a:bodyPr/>
+                    <a:lstStyle/>
+                    <a:p>
+                      <a:pPr algn="l" fontAlgn="b"/>
+                      <a:r>
+                        <a:rPr lang="en-US" sz="1100" b="0" i="0" u="none" strike="noStrike" dirty="0">
+                          <a:solidFill>
+                            <a:srgbClr val="000000"/>
+                          </a:solidFill>
+                          <a:effectLst/>
+                          <a:latin typeface="Calibri" panose="020F0502020204030204" pitchFamily="34" charset="0"/>
+                        </a:rPr>
+                        <a:t> </a:t>
+                      </a:r>
+                    </a:p>
+                  </a:txBody>
+                  <a:tcPr marL="6208" marR="6208" marT="6208" marB="0" anchor="b">
+                    <a:lnL w="6350" cap="flat" cmpd="sng" algn="ctr">
+                      <a:solidFill>
+                        <a:srgbClr val="000000"/>
+                      </a:solidFill>
+                      <a:prstDash val="solid"/>
+                      <a:round/>
+                      <a:headEnd type="none" w="med" len="med"/>
+                      <a:tailEnd type="none" w="med" len="med"/>
+                    </a:lnL>
+                    <a:lnR w="6350" cap="flat" cmpd="sng" algn="ctr">
+                      <a:solidFill>
+                        <a:srgbClr val="000000"/>
+                      </a:solidFill>
+                      <a:prstDash val="solid"/>
+                      <a:round/>
+                      <a:headEnd type="none" w="med" len="med"/>
+                      <a:tailEnd type="none" w="med" len="med"/>
+                    </a:lnR>
+                    <a:lnT w="6350" cap="flat" cmpd="sng" algn="ctr">
+                      <a:solidFill>
+                        <a:srgbClr val="000000"/>
+                      </a:solidFill>
+                      <a:prstDash val="solid"/>
+                      <a:round/>
+                      <a:headEnd type="none" w="med" len="med"/>
+                      <a:tailEnd type="none" w="med" len="med"/>
+                    </a:lnT>
+                    <a:lnB w="6350" cap="flat" cmpd="sng" algn="ctr">
+                      <a:solidFill>
+                        <a:srgbClr val="000000"/>
+                      </a:solidFill>
+                      <a:prstDash val="solid"/>
+                      <a:round/>
+                      <a:headEnd type="none" w="med" len="med"/>
+                      <a:tailEnd type="none" w="med" len="med"/>
+                    </a:lnB>
+                  </a:tcPr>
+                </a:tc>
+                <a:tc>
+                  <a:txBody>
+                    <a:bodyPr/>
+                    <a:lstStyle/>
+                    <a:p>
+                      <a:pPr algn="l" fontAlgn="b"/>
+                      <a:r>
+                        <a:rPr lang="en-US" sz="1100" b="0" i="0" u="none" strike="noStrike" dirty="0">
+                          <a:solidFill>
+                            <a:srgbClr val="000000"/>
+                          </a:solidFill>
+                          <a:effectLst/>
+                          <a:latin typeface="Calibri" panose="020F0502020204030204" pitchFamily="34" charset="0"/>
+                        </a:rPr>
+                        <a:t>In-progress</a:t>
+                      </a:r>
+                    </a:p>
+                  </a:txBody>
+                  <a:tcPr marL="6208" marR="6208" marT="6208" marB="0" anchor="b">
+                    <a:lnL w="6350" cap="flat" cmpd="sng" algn="ctr">
+                      <a:solidFill>
+                        <a:srgbClr val="000000"/>
+                      </a:solidFill>
+                      <a:prstDash val="solid"/>
+                      <a:round/>
+                      <a:headEnd type="none" w="med" len="med"/>
+                      <a:tailEnd type="none" w="med" len="med"/>
+                    </a:lnL>
+                    <a:lnR w="6350" cap="flat" cmpd="sng" algn="ctr">
+                      <a:solidFill>
+                        <a:srgbClr val="000000"/>
+                      </a:solidFill>
+                      <a:prstDash val="solid"/>
+                      <a:round/>
+                      <a:headEnd type="none" w="med" len="med"/>
+                      <a:tailEnd type="none" w="med" len="med"/>
+                    </a:lnR>
+                    <a:lnT w="6350" cap="flat" cmpd="sng" algn="ctr">
+                      <a:solidFill>
+                        <a:srgbClr val="000000"/>
+                      </a:solidFill>
+                      <a:prstDash val="solid"/>
+                      <a:round/>
+                      <a:headEnd type="none" w="med" len="med"/>
+                      <a:tailEnd type="none" w="med" len="med"/>
+                    </a:lnT>
+                    <a:lnB w="6350" cap="flat" cmpd="sng" algn="ctr">
+                      <a:solidFill>
+                        <a:srgbClr val="000000"/>
+                      </a:solidFill>
+                      <a:prstDash val="solid"/>
+                      <a:round/>
+                      <a:headEnd type="none" w="med" len="med"/>
+                      <a:tailEnd type="none" w="med" len="med"/>
+                    </a:lnB>
+                  </a:tcPr>
+                </a:tc>
+                <a:extLst>
+                  <a:ext uri="{0D108BD9-81ED-4DB2-BD59-A6C34878D82A}">
+                    <a16:rowId xmlns:a16="http://schemas.microsoft.com/office/drawing/2014/main" val="720338907"/>
+                  </a:ext>
+                </a:extLst>
+              </a:tr>
+              <a:tr h="251981">
+                <a:tc>
+                  <a:txBody>
+                    <a:bodyPr/>
+                    <a:lstStyle/>
+                    <a:p>
+                      <a:pPr algn="l" fontAlgn="b"/>
+                      <a:r>
+                        <a:rPr lang="en-US" sz="1100" b="0" i="0" u="none" strike="noStrike" dirty="0">
+                          <a:solidFill>
+                            <a:srgbClr val="000000"/>
+                          </a:solidFill>
+                          <a:effectLst/>
+                          <a:latin typeface="Calibri" panose="020F0502020204030204" pitchFamily="34" charset="0"/>
+                        </a:rPr>
+                        <a:t>Check granularity and quality</a:t>
+                      </a:r>
+                    </a:p>
+                  </a:txBody>
+                  <a:tcPr marL="6208" marR="6208" marT="6208" marB="0" anchor="b">
+                    <a:lnL w="6350" cap="flat" cmpd="sng" algn="ctr">
+                      <a:solidFill>
+                        <a:srgbClr val="000000"/>
+                      </a:solidFill>
+                      <a:prstDash val="solid"/>
+                      <a:round/>
+                      <a:headEnd type="none" w="med" len="med"/>
+                      <a:tailEnd type="none" w="med" len="med"/>
+                    </a:lnL>
+                    <a:lnR w="6350" cap="flat" cmpd="sng" algn="ctr">
+                      <a:solidFill>
+                        <a:srgbClr val="000000"/>
+                      </a:solidFill>
+                      <a:prstDash val="solid"/>
+                      <a:round/>
+                      <a:headEnd type="none" w="med" len="med"/>
+                      <a:tailEnd type="none" w="med" len="med"/>
+                    </a:lnR>
+                    <a:lnT w="6350" cap="flat" cmpd="sng" algn="ctr">
+                      <a:solidFill>
+                        <a:srgbClr val="000000"/>
+                      </a:solidFill>
+                      <a:prstDash val="solid"/>
+                      <a:round/>
+                      <a:headEnd type="none" w="med" len="med"/>
+                      <a:tailEnd type="none" w="med" len="med"/>
+                    </a:lnT>
+                    <a:lnB w="6350" cap="flat" cmpd="sng" algn="ctr">
+                      <a:solidFill>
+                        <a:srgbClr val="000000"/>
+                      </a:solidFill>
+                      <a:prstDash val="solid"/>
+                      <a:round/>
+                      <a:headEnd type="none" w="med" len="med"/>
+                      <a:tailEnd type="none" w="med" len="med"/>
+                    </a:lnB>
+                  </a:tcPr>
+                </a:tc>
+                <a:tc>
+                  <a:txBody>
+                    <a:bodyPr/>
+                    <a:lstStyle/>
+                    <a:p>
+                      <a:pPr algn="l" fontAlgn="b"/>
+                      <a:r>
+                        <a:rPr lang="en-US" sz="1100" b="0" i="0" u="none" strike="noStrike" dirty="0">
+                          <a:solidFill>
+                            <a:srgbClr val="000000"/>
+                          </a:solidFill>
+                          <a:effectLst/>
+                          <a:latin typeface="Calibri" panose="020F0502020204030204" pitchFamily="34" charset="0"/>
+                        </a:rPr>
+                        <a:t>Check the quality of data</a:t>
+                      </a:r>
+                    </a:p>
+                  </a:txBody>
+                  <a:tcPr marL="6208" marR="6208" marT="6208" marB="0" anchor="b">
+                    <a:lnL w="6350" cap="flat" cmpd="sng" algn="ctr">
+                      <a:solidFill>
+                        <a:srgbClr val="000000"/>
+                      </a:solidFill>
+                      <a:prstDash val="solid"/>
+                      <a:round/>
+                      <a:headEnd type="none" w="med" len="med"/>
+                      <a:tailEnd type="none" w="med" len="med"/>
+                    </a:lnL>
+                    <a:lnR w="6350" cap="flat" cmpd="sng" algn="ctr">
+                      <a:solidFill>
+                        <a:srgbClr val="000000"/>
+                      </a:solidFill>
+                      <a:prstDash val="solid"/>
+                      <a:round/>
+                      <a:headEnd type="none" w="med" len="med"/>
+                      <a:tailEnd type="none" w="med" len="med"/>
+                    </a:lnR>
+                    <a:lnT w="6350" cap="flat" cmpd="sng" algn="ctr">
+                      <a:solidFill>
+                        <a:srgbClr val="000000"/>
+                      </a:solidFill>
+                      <a:prstDash val="solid"/>
+                      <a:round/>
+                      <a:headEnd type="none" w="med" len="med"/>
+                      <a:tailEnd type="none" w="med" len="med"/>
+                    </a:lnT>
+                    <a:lnB w="6350" cap="flat" cmpd="sng" algn="ctr">
+                      <a:solidFill>
+                        <a:srgbClr val="000000"/>
+                      </a:solidFill>
+                      <a:prstDash val="solid"/>
+                      <a:round/>
+                      <a:headEnd type="none" w="med" len="med"/>
+                      <a:tailEnd type="none" w="med" len="med"/>
+                    </a:lnB>
+                  </a:tcPr>
+                </a:tc>
+                <a:tc>
+                  <a:txBody>
+                    <a:bodyPr/>
+                    <a:lstStyle/>
+                    <a:p>
+                      <a:pPr algn="l" fontAlgn="b"/>
+                      <a:r>
+                        <a:rPr lang="en-US" sz="1100" b="0" i="0" u="none" strike="noStrike" dirty="0">
+                          <a:solidFill>
+                            <a:srgbClr val="000000"/>
+                          </a:solidFill>
+                          <a:effectLst/>
+                          <a:latin typeface="Calibri" panose="020F0502020204030204" pitchFamily="34" charset="0"/>
+                        </a:rPr>
+                        <a:t>Segment-1</a:t>
+                      </a:r>
+                    </a:p>
+                  </a:txBody>
+                  <a:tcPr marL="6208" marR="6208" marT="6208" marB="0" anchor="b">
+                    <a:lnL w="6350" cap="flat" cmpd="sng" algn="ctr">
+                      <a:solidFill>
+                        <a:srgbClr val="000000"/>
+                      </a:solidFill>
+                      <a:prstDash val="solid"/>
+                      <a:round/>
+                      <a:headEnd type="none" w="med" len="med"/>
+                      <a:tailEnd type="none" w="med" len="med"/>
+                    </a:lnL>
+                    <a:lnR w="6350" cap="flat" cmpd="sng" algn="ctr">
+                      <a:solidFill>
+                        <a:srgbClr val="000000"/>
+                      </a:solidFill>
+                      <a:prstDash val="solid"/>
+                      <a:round/>
+                      <a:headEnd type="none" w="med" len="med"/>
+                      <a:tailEnd type="none" w="med" len="med"/>
+                    </a:lnR>
+                    <a:lnT w="6350" cap="flat" cmpd="sng" algn="ctr">
+                      <a:solidFill>
+                        <a:srgbClr val="000000"/>
+                      </a:solidFill>
+                      <a:prstDash val="solid"/>
+                      <a:round/>
+                      <a:headEnd type="none" w="med" len="med"/>
+                      <a:tailEnd type="none" w="med" len="med"/>
+                    </a:lnT>
+                    <a:lnB w="6350" cap="flat" cmpd="sng" algn="ctr">
+                      <a:solidFill>
+                        <a:srgbClr val="000000"/>
+                      </a:solidFill>
+                      <a:prstDash val="solid"/>
+                      <a:round/>
+                      <a:headEnd type="none" w="med" len="med"/>
+                      <a:tailEnd type="none" w="med" len="med"/>
+                    </a:lnB>
+                  </a:tcPr>
+                </a:tc>
+                <a:tc>
+                  <a:txBody>
+                    <a:bodyPr/>
+                    <a:lstStyle/>
+                    <a:p>
+                      <a:pPr algn="l" fontAlgn="b"/>
+                      <a:r>
+                        <a:rPr lang="en-US" sz="1100" b="0" i="0" u="none" strike="noStrike" dirty="0">
+                          <a:solidFill>
+                            <a:srgbClr val="000000"/>
+                          </a:solidFill>
+                          <a:effectLst/>
+                          <a:latin typeface="Calibri" panose="020F0502020204030204" pitchFamily="34" charset="0"/>
+                        </a:rPr>
+                        <a:t>Dhanaprakash</a:t>
+                      </a:r>
+                    </a:p>
+                  </a:txBody>
+                  <a:tcPr marL="6208" marR="6208" marT="6208" marB="0" anchor="b">
+                    <a:lnL w="6350" cap="flat" cmpd="sng" algn="ctr">
+                      <a:solidFill>
+                        <a:srgbClr val="000000"/>
+                      </a:solidFill>
+                      <a:prstDash val="solid"/>
+                      <a:round/>
+                      <a:headEnd type="none" w="med" len="med"/>
+                      <a:tailEnd type="none" w="med" len="med"/>
+                    </a:lnL>
+                    <a:lnR w="6350" cap="flat" cmpd="sng" algn="ctr">
+                      <a:solidFill>
+                        <a:srgbClr val="000000"/>
+                      </a:solidFill>
+                      <a:prstDash val="solid"/>
+                      <a:round/>
+                      <a:headEnd type="none" w="med" len="med"/>
+                      <a:tailEnd type="none" w="med" len="med"/>
+                    </a:lnR>
+                    <a:lnT w="6350" cap="flat" cmpd="sng" algn="ctr">
+                      <a:solidFill>
+                        <a:srgbClr val="000000"/>
+                      </a:solidFill>
+                      <a:prstDash val="solid"/>
+                      <a:round/>
+                      <a:headEnd type="none" w="med" len="med"/>
+                      <a:tailEnd type="none" w="med" len="med"/>
+                    </a:lnT>
+                    <a:lnB w="6350" cap="flat" cmpd="sng" algn="ctr">
+                      <a:solidFill>
+                        <a:srgbClr val="000000"/>
+                      </a:solidFill>
+                      <a:prstDash val="solid"/>
+                      <a:round/>
+                      <a:headEnd type="none" w="med" len="med"/>
+                      <a:tailEnd type="none" w="med" len="med"/>
+                    </a:lnB>
+                  </a:tcPr>
+                </a:tc>
+                <a:tc>
+                  <a:txBody>
+                    <a:bodyPr/>
+                    <a:lstStyle/>
+                    <a:p>
+                      <a:pPr algn="r" fontAlgn="b"/>
+                      <a:r>
+                        <a:rPr lang="en-US" sz="1100" b="0" i="0" u="none" strike="noStrike" dirty="0">
+                          <a:solidFill>
+                            <a:srgbClr val="000000"/>
+                          </a:solidFill>
+                          <a:effectLst/>
+                          <a:latin typeface="Calibri" panose="020F0502020204030204" pitchFamily="34" charset="0"/>
+                        </a:rPr>
+                        <a:t>7/27/2021</a:t>
+                      </a:r>
+                    </a:p>
+                  </a:txBody>
+                  <a:tcPr marL="6208" marR="6208" marT="6208" marB="0" anchor="b">
+                    <a:lnL w="6350" cap="flat" cmpd="sng" algn="ctr">
+                      <a:solidFill>
+                        <a:srgbClr val="000000"/>
+                      </a:solidFill>
+                      <a:prstDash val="solid"/>
+                      <a:round/>
+                      <a:headEnd type="none" w="med" len="med"/>
+                      <a:tailEnd type="none" w="med" len="med"/>
+                    </a:lnL>
+                    <a:lnR w="6350" cap="flat" cmpd="sng" algn="ctr">
+                      <a:solidFill>
+                        <a:srgbClr val="000000"/>
+                      </a:solidFill>
+                      <a:prstDash val="solid"/>
+                      <a:round/>
+                      <a:headEnd type="none" w="med" len="med"/>
+                      <a:tailEnd type="none" w="med" len="med"/>
+                    </a:lnR>
+                    <a:lnT w="6350" cap="flat" cmpd="sng" algn="ctr">
+                      <a:solidFill>
+                        <a:srgbClr val="000000"/>
+                      </a:solidFill>
+                      <a:prstDash val="solid"/>
+                      <a:round/>
+                      <a:headEnd type="none" w="med" len="med"/>
+                      <a:tailEnd type="none" w="med" len="med"/>
+                    </a:lnT>
+                    <a:lnB w="6350" cap="flat" cmpd="sng" algn="ctr">
+                      <a:solidFill>
+                        <a:srgbClr val="000000"/>
+                      </a:solidFill>
+                      <a:prstDash val="solid"/>
+                      <a:round/>
+                      <a:headEnd type="none" w="med" len="med"/>
+                      <a:tailEnd type="none" w="med" len="med"/>
+                    </a:lnB>
+                  </a:tcPr>
+                </a:tc>
+                <a:tc>
+                  <a:txBody>
+                    <a:bodyPr/>
+                    <a:lstStyle/>
+                    <a:p>
+                      <a:pPr algn="r" fontAlgn="b"/>
+                      <a:r>
+                        <a:rPr lang="en-US" sz="1100" b="0" i="0" u="none" strike="noStrike" dirty="0">
+                          <a:solidFill>
+                            <a:srgbClr val="000000"/>
+                          </a:solidFill>
+                          <a:effectLst/>
+                          <a:latin typeface="Calibri" panose="020F0502020204030204" pitchFamily="34" charset="0"/>
+                        </a:rPr>
+                        <a:t>7/28/2021</a:t>
+                      </a:r>
+                    </a:p>
+                  </a:txBody>
+                  <a:tcPr marL="6208" marR="6208" marT="6208" marB="0" anchor="b">
+                    <a:lnL w="6350" cap="flat" cmpd="sng" algn="ctr">
+                      <a:solidFill>
+                        <a:srgbClr val="000000"/>
+                      </a:solidFill>
+                      <a:prstDash val="solid"/>
+                      <a:round/>
+                      <a:headEnd type="none" w="med" len="med"/>
+                      <a:tailEnd type="none" w="med" len="med"/>
+                    </a:lnL>
+                    <a:lnR w="6350" cap="flat" cmpd="sng" algn="ctr">
+                      <a:solidFill>
+                        <a:srgbClr val="000000"/>
+                      </a:solidFill>
+                      <a:prstDash val="solid"/>
+                      <a:round/>
+                      <a:headEnd type="none" w="med" len="med"/>
+                      <a:tailEnd type="none" w="med" len="med"/>
+                    </a:lnR>
+                    <a:lnT w="6350" cap="flat" cmpd="sng" algn="ctr">
+                      <a:solidFill>
+                        <a:srgbClr val="000000"/>
+                      </a:solidFill>
+                      <a:prstDash val="solid"/>
+                      <a:round/>
+                      <a:headEnd type="none" w="med" len="med"/>
+                      <a:tailEnd type="none" w="med" len="med"/>
+                    </a:lnT>
+                    <a:lnB w="6350" cap="flat" cmpd="sng" algn="ctr">
+                      <a:solidFill>
+                        <a:srgbClr val="000000"/>
+                      </a:solidFill>
+                      <a:prstDash val="solid"/>
+                      <a:round/>
+                      <a:headEnd type="none" w="med" len="med"/>
+                      <a:tailEnd type="none" w="med" len="med"/>
+                    </a:lnB>
+                  </a:tcPr>
+                </a:tc>
+                <a:tc>
+                  <a:txBody>
+                    <a:bodyPr/>
+                    <a:lstStyle/>
+                    <a:p>
+                      <a:pPr algn="l" fontAlgn="b"/>
+                      <a:r>
+                        <a:rPr lang="en-US" sz="1100" b="0" i="0" u="none" strike="noStrike" dirty="0">
+                          <a:solidFill>
+                            <a:srgbClr val="000000"/>
+                          </a:solidFill>
+                          <a:effectLst/>
+                          <a:latin typeface="Calibri" panose="020F0502020204030204" pitchFamily="34" charset="0"/>
+                        </a:rPr>
+                        <a:t> </a:t>
+                      </a:r>
+                    </a:p>
+                  </a:txBody>
+                  <a:tcPr marL="6208" marR="6208" marT="6208" marB="0" anchor="b">
+                    <a:lnL w="6350" cap="flat" cmpd="sng" algn="ctr">
+                      <a:solidFill>
+                        <a:srgbClr val="000000"/>
+                      </a:solidFill>
+                      <a:prstDash val="solid"/>
+                      <a:round/>
+                      <a:headEnd type="none" w="med" len="med"/>
+                      <a:tailEnd type="none" w="med" len="med"/>
+                    </a:lnL>
+                    <a:lnR w="6350" cap="flat" cmpd="sng" algn="ctr">
+                      <a:solidFill>
+                        <a:srgbClr val="000000"/>
+                      </a:solidFill>
+                      <a:prstDash val="solid"/>
+                      <a:round/>
+                      <a:headEnd type="none" w="med" len="med"/>
+                      <a:tailEnd type="none" w="med" len="med"/>
+                    </a:lnR>
+                    <a:lnT w="6350" cap="flat" cmpd="sng" algn="ctr">
+                      <a:solidFill>
+                        <a:srgbClr val="000000"/>
+                      </a:solidFill>
+                      <a:prstDash val="solid"/>
+                      <a:round/>
+                      <a:headEnd type="none" w="med" len="med"/>
+                      <a:tailEnd type="none" w="med" len="med"/>
+                    </a:lnT>
+                    <a:lnB w="6350" cap="flat" cmpd="sng" algn="ctr">
+                      <a:solidFill>
+                        <a:srgbClr val="000000"/>
+                      </a:solidFill>
+                      <a:prstDash val="solid"/>
+                      <a:round/>
+                      <a:headEnd type="none" w="med" len="med"/>
+                      <a:tailEnd type="none" w="med" len="med"/>
+                    </a:lnB>
+                  </a:tcPr>
+                </a:tc>
+                <a:tc>
+                  <a:txBody>
+                    <a:bodyPr/>
+                    <a:lstStyle/>
+                    <a:p>
+                      <a:pPr algn="l" fontAlgn="b"/>
+                      <a:r>
+                        <a:rPr lang="en-US" sz="1100" b="0" i="0" u="none" strike="noStrike" dirty="0">
+                          <a:solidFill>
+                            <a:srgbClr val="000000"/>
+                          </a:solidFill>
+                          <a:effectLst/>
+                          <a:latin typeface="Calibri" panose="020F0502020204030204" pitchFamily="34" charset="0"/>
+                        </a:rPr>
+                        <a:t>In-progress</a:t>
+                      </a:r>
+                    </a:p>
+                  </a:txBody>
+                  <a:tcPr marL="6208" marR="6208" marT="6208" marB="0" anchor="b">
+                    <a:lnL w="6350" cap="flat" cmpd="sng" algn="ctr">
+                      <a:solidFill>
+                        <a:srgbClr val="000000"/>
+                      </a:solidFill>
+                      <a:prstDash val="solid"/>
+                      <a:round/>
+                      <a:headEnd type="none" w="med" len="med"/>
+                      <a:tailEnd type="none" w="med" len="med"/>
+                    </a:lnL>
+                    <a:lnR w="6350" cap="flat" cmpd="sng" algn="ctr">
+                      <a:solidFill>
+                        <a:srgbClr val="000000"/>
+                      </a:solidFill>
+                      <a:prstDash val="solid"/>
+                      <a:round/>
+                      <a:headEnd type="none" w="med" len="med"/>
+                      <a:tailEnd type="none" w="med" len="med"/>
+                    </a:lnR>
+                    <a:lnT w="6350" cap="flat" cmpd="sng" algn="ctr">
+                      <a:solidFill>
+                        <a:srgbClr val="000000"/>
+                      </a:solidFill>
+                      <a:prstDash val="solid"/>
+                      <a:round/>
+                      <a:headEnd type="none" w="med" len="med"/>
+                      <a:tailEnd type="none" w="med" len="med"/>
+                    </a:lnT>
+                    <a:lnB w="6350" cap="flat" cmpd="sng" algn="ctr">
+                      <a:solidFill>
+                        <a:srgbClr val="000000"/>
+                      </a:solidFill>
+                      <a:prstDash val="solid"/>
+                      <a:round/>
+                      <a:headEnd type="none" w="med" len="med"/>
+                      <a:tailEnd type="none" w="med" len="med"/>
+                    </a:lnB>
+                  </a:tcPr>
+                </a:tc>
+                <a:extLst>
+                  <a:ext uri="{0D108BD9-81ED-4DB2-BD59-A6C34878D82A}">
+                    <a16:rowId xmlns:a16="http://schemas.microsoft.com/office/drawing/2014/main" val="1264811220"/>
+                  </a:ext>
+                </a:extLst>
+              </a:tr>
+              <a:tr h="251981">
+                <a:tc>
+                  <a:txBody>
+                    <a:bodyPr/>
+                    <a:lstStyle/>
+                    <a:p>
+                      <a:pPr algn="l" fontAlgn="b"/>
+                      <a:r>
+                        <a:rPr lang="en-US" sz="1100" b="0" i="0" u="none" strike="noStrike" dirty="0">
+                          <a:solidFill>
+                            <a:srgbClr val="000000"/>
+                          </a:solidFill>
+                          <a:effectLst/>
+                          <a:latin typeface="Calibri" panose="020F0502020204030204" pitchFamily="34" charset="0"/>
+                        </a:rPr>
+                        <a:t> </a:t>
+                      </a:r>
+                    </a:p>
+                  </a:txBody>
+                  <a:tcPr marL="6208" marR="6208" marT="6208" marB="0" anchor="b">
+                    <a:lnL w="6350" cap="flat" cmpd="sng" algn="ctr">
+                      <a:solidFill>
+                        <a:srgbClr val="000000"/>
+                      </a:solidFill>
+                      <a:prstDash val="solid"/>
+                      <a:round/>
+                      <a:headEnd type="none" w="med" len="med"/>
+                      <a:tailEnd type="none" w="med" len="med"/>
+                    </a:lnL>
+                    <a:lnR w="6350" cap="flat" cmpd="sng" algn="ctr">
+                      <a:solidFill>
+                        <a:srgbClr val="000000"/>
+                      </a:solidFill>
+                      <a:prstDash val="solid"/>
+                      <a:round/>
+                      <a:headEnd type="none" w="med" len="med"/>
+                      <a:tailEnd type="none" w="med" len="med"/>
+                    </a:lnR>
+                    <a:lnT w="6350" cap="flat" cmpd="sng" algn="ctr">
+                      <a:solidFill>
+                        <a:srgbClr val="000000"/>
+                      </a:solidFill>
+                      <a:prstDash val="solid"/>
+                      <a:round/>
+                      <a:headEnd type="none" w="med" len="med"/>
+                      <a:tailEnd type="none" w="med" len="med"/>
+                    </a:lnT>
+                    <a:lnB w="6350" cap="flat" cmpd="sng" algn="ctr">
+                      <a:solidFill>
+                        <a:srgbClr val="000000"/>
+                      </a:solidFill>
+                      <a:prstDash val="solid"/>
+                      <a:round/>
+                      <a:headEnd type="none" w="med" len="med"/>
+                      <a:tailEnd type="none" w="med" len="med"/>
+                    </a:lnB>
+                  </a:tcPr>
+                </a:tc>
+                <a:tc>
+                  <a:txBody>
+                    <a:bodyPr/>
+                    <a:lstStyle/>
+                    <a:p>
+                      <a:pPr algn="l" fontAlgn="b"/>
+                      <a:r>
+                        <a:rPr lang="en-US" sz="1100" b="0" i="0" u="none" strike="noStrike" dirty="0">
+                          <a:solidFill>
+                            <a:srgbClr val="000000"/>
+                          </a:solidFill>
+                          <a:effectLst/>
+                          <a:latin typeface="Calibri" panose="020F0502020204030204" pitchFamily="34" charset="0"/>
+                        </a:rPr>
+                        <a:t>Record any ETL steps needed</a:t>
+                      </a:r>
+                    </a:p>
+                  </a:txBody>
+                  <a:tcPr marL="6208" marR="6208" marT="6208" marB="0" anchor="b">
+                    <a:lnL w="6350" cap="flat" cmpd="sng" algn="ctr">
+                      <a:solidFill>
+                        <a:srgbClr val="000000"/>
+                      </a:solidFill>
+                      <a:prstDash val="solid"/>
+                      <a:round/>
+                      <a:headEnd type="none" w="med" len="med"/>
+                      <a:tailEnd type="none" w="med" len="med"/>
+                    </a:lnL>
+                    <a:lnR w="6350" cap="flat" cmpd="sng" algn="ctr">
+                      <a:solidFill>
+                        <a:srgbClr val="000000"/>
+                      </a:solidFill>
+                      <a:prstDash val="solid"/>
+                      <a:round/>
+                      <a:headEnd type="none" w="med" len="med"/>
+                      <a:tailEnd type="none" w="med" len="med"/>
+                    </a:lnR>
+                    <a:lnT w="6350" cap="flat" cmpd="sng" algn="ctr">
+                      <a:solidFill>
+                        <a:srgbClr val="000000"/>
+                      </a:solidFill>
+                      <a:prstDash val="solid"/>
+                      <a:round/>
+                      <a:headEnd type="none" w="med" len="med"/>
+                      <a:tailEnd type="none" w="med" len="med"/>
+                    </a:lnT>
+                    <a:lnB w="6350" cap="flat" cmpd="sng" algn="ctr">
+                      <a:solidFill>
+                        <a:srgbClr val="000000"/>
+                      </a:solidFill>
+                      <a:prstDash val="solid"/>
+                      <a:round/>
+                      <a:headEnd type="none" w="med" len="med"/>
+                      <a:tailEnd type="none" w="med" len="med"/>
+                    </a:lnB>
+                  </a:tcPr>
+                </a:tc>
+                <a:tc>
+                  <a:txBody>
+                    <a:bodyPr/>
+                    <a:lstStyle/>
+                    <a:p>
+                      <a:pPr algn="l" fontAlgn="b"/>
+                      <a:r>
+                        <a:rPr lang="en-US" sz="1100" b="0" i="0" u="none" strike="noStrike" dirty="0">
+                          <a:solidFill>
+                            <a:srgbClr val="000000"/>
+                          </a:solidFill>
+                          <a:effectLst/>
+                          <a:latin typeface="Calibri" panose="020F0502020204030204" pitchFamily="34" charset="0"/>
+                        </a:rPr>
+                        <a:t>Segment-1</a:t>
+                      </a:r>
+                    </a:p>
+                  </a:txBody>
+                  <a:tcPr marL="6208" marR="6208" marT="6208" marB="0" anchor="b">
+                    <a:lnL w="6350" cap="flat" cmpd="sng" algn="ctr">
+                      <a:solidFill>
+                        <a:srgbClr val="000000"/>
+                      </a:solidFill>
+                      <a:prstDash val="solid"/>
+                      <a:round/>
+                      <a:headEnd type="none" w="med" len="med"/>
+                      <a:tailEnd type="none" w="med" len="med"/>
+                    </a:lnL>
+                    <a:lnR w="6350" cap="flat" cmpd="sng" algn="ctr">
+                      <a:solidFill>
+                        <a:srgbClr val="000000"/>
+                      </a:solidFill>
+                      <a:prstDash val="solid"/>
+                      <a:round/>
+                      <a:headEnd type="none" w="med" len="med"/>
+                      <a:tailEnd type="none" w="med" len="med"/>
+                    </a:lnR>
+                    <a:lnT w="6350" cap="flat" cmpd="sng" algn="ctr">
+                      <a:solidFill>
+                        <a:srgbClr val="000000"/>
+                      </a:solidFill>
+                      <a:prstDash val="solid"/>
+                      <a:round/>
+                      <a:headEnd type="none" w="med" len="med"/>
+                      <a:tailEnd type="none" w="med" len="med"/>
+                    </a:lnT>
+                    <a:lnB w="6350" cap="flat" cmpd="sng" algn="ctr">
+                      <a:solidFill>
+                        <a:srgbClr val="000000"/>
+                      </a:solidFill>
+                      <a:prstDash val="solid"/>
+                      <a:round/>
+                      <a:headEnd type="none" w="med" len="med"/>
+                      <a:tailEnd type="none" w="med" len="med"/>
+                    </a:lnB>
+                  </a:tcPr>
+                </a:tc>
+                <a:tc>
+                  <a:txBody>
+                    <a:bodyPr/>
+                    <a:lstStyle/>
+                    <a:p>
+                      <a:pPr algn="l" fontAlgn="b"/>
+                      <a:r>
+                        <a:rPr lang="en-US" sz="1100" b="0" i="0" u="none" strike="noStrike" dirty="0">
+                          <a:solidFill>
+                            <a:srgbClr val="000000"/>
+                          </a:solidFill>
+                          <a:effectLst/>
+                          <a:latin typeface="Calibri" panose="020F0502020204030204" pitchFamily="34" charset="0"/>
+                        </a:rPr>
+                        <a:t>Dhanaprakash</a:t>
+                      </a:r>
+                    </a:p>
+                  </a:txBody>
+                  <a:tcPr marL="6208" marR="6208" marT="6208" marB="0" anchor="b">
+                    <a:lnL w="6350" cap="flat" cmpd="sng" algn="ctr">
+                      <a:solidFill>
+                        <a:srgbClr val="000000"/>
+                      </a:solidFill>
+                      <a:prstDash val="solid"/>
+                      <a:round/>
+                      <a:headEnd type="none" w="med" len="med"/>
+                      <a:tailEnd type="none" w="med" len="med"/>
+                    </a:lnL>
+                    <a:lnR w="6350" cap="flat" cmpd="sng" algn="ctr">
+                      <a:solidFill>
+                        <a:srgbClr val="000000"/>
+                      </a:solidFill>
+                      <a:prstDash val="solid"/>
+                      <a:round/>
+                      <a:headEnd type="none" w="med" len="med"/>
+                      <a:tailEnd type="none" w="med" len="med"/>
+                    </a:lnR>
+                    <a:lnT w="6350" cap="flat" cmpd="sng" algn="ctr">
+                      <a:solidFill>
+                        <a:srgbClr val="000000"/>
+                      </a:solidFill>
+                      <a:prstDash val="solid"/>
+                      <a:round/>
+                      <a:headEnd type="none" w="med" len="med"/>
+                      <a:tailEnd type="none" w="med" len="med"/>
+                    </a:lnT>
+                    <a:lnB w="6350" cap="flat" cmpd="sng" algn="ctr">
+                      <a:solidFill>
+                        <a:srgbClr val="000000"/>
+                      </a:solidFill>
+                      <a:prstDash val="solid"/>
+                      <a:round/>
+                      <a:headEnd type="none" w="med" len="med"/>
+                      <a:tailEnd type="none" w="med" len="med"/>
+                    </a:lnB>
+                  </a:tcPr>
+                </a:tc>
+                <a:tc>
+                  <a:txBody>
+                    <a:bodyPr/>
+                    <a:lstStyle/>
+                    <a:p>
+                      <a:pPr algn="l" fontAlgn="b"/>
+                      <a:r>
+                        <a:rPr lang="en-US" sz="1100" b="0" i="0" u="none" strike="noStrike" dirty="0">
+                          <a:solidFill>
+                            <a:srgbClr val="000000"/>
+                          </a:solidFill>
+                          <a:effectLst/>
+                          <a:latin typeface="Calibri" panose="020F0502020204030204" pitchFamily="34" charset="0"/>
+                        </a:rPr>
+                        <a:t> </a:t>
+                      </a:r>
+                    </a:p>
+                  </a:txBody>
+                  <a:tcPr marL="6208" marR="6208" marT="6208" marB="0" anchor="b">
+                    <a:lnL w="6350" cap="flat" cmpd="sng" algn="ctr">
+                      <a:solidFill>
+                        <a:srgbClr val="000000"/>
+                      </a:solidFill>
+                      <a:prstDash val="solid"/>
+                      <a:round/>
+                      <a:headEnd type="none" w="med" len="med"/>
+                      <a:tailEnd type="none" w="med" len="med"/>
+                    </a:lnL>
+                    <a:lnR w="6350" cap="flat" cmpd="sng" algn="ctr">
+                      <a:solidFill>
+                        <a:srgbClr val="000000"/>
+                      </a:solidFill>
+                      <a:prstDash val="solid"/>
+                      <a:round/>
+                      <a:headEnd type="none" w="med" len="med"/>
+                      <a:tailEnd type="none" w="med" len="med"/>
+                    </a:lnR>
+                    <a:lnT w="6350" cap="flat" cmpd="sng" algn="ctr">
+                      <a:solidFill>
+                        <a:srgbClr val="000000"/>
+                      </a:solidFill>
+                      <a:prstDash val="solid"/>
+                      <a:round/>
+                      <a:headEnd type="none" w="med" len="med"/>
+                      <a:tailEnd type="none" w="med" len="med"/>
+                    </a:lnT>
+                    <a:lnB w="6350" cap="flat" cmpd="sng" algn="ctr">
+                      <a:solidFill>
+                        <a:srgbClr val="000000"/>
+                      </a:solidFill>
+                      <a:prstDash val="solid"/>
+                      <a:round/>
+                      <a:headEnd type="none" w="med" len="med"/>
+                      <a:tailEnd type="none" w="med" len="med"/>
+                    </a:lnB>
+                  </a:tcPr>
+                </a:tc>
+                <a:tc>
+                  <a:txBody>
+                    <a:bodyPr/>
+                    <a:lstStyle/>
+                    <a:p>
+                      <a:pPr algn="l" fontAlgn="b"/>
+                      <a:r>
+                        <a:rPr lang="en-US" sz="1100" b="0" i="0" u="none" strike="noStrike" dirty="0">
+                          <a:solidFill>
+                            <a:srgbClr val="000000"/>
+                          </a:solidFill>
+                          <a:effectLst/>
+                          <a:latin typeface="Calibri" panose="020F0502020204030204" pitchFamily="34" charset="0"/>
+                        </a:rPr>
+                        <a:t> </a:t>
+                      </a:r>
+                    </a:p>
+                  </a:txBody>
+                  <a:tcPr marL="6208" marR="6208" marT="6208" marB="0" anchor="b">
+                    <a:lnL w="6350" cap="flat" cmpd="sng" algn="ctr">
+                      <a:solidFill>
+                        <a:srgbClr val="000000"/>
+                      </a:solidFill>
+                      <a:prstDash val="solid"/>
+                      <a:round/>
+                      <a:headEnd type="none" w="med" len="med"/>
+                      <a:tailEnd type="none" w="med" len="med"/>
+                    </a:lnL>
+                    <a:lnR w="6350" cap="flat" cmpd="sng" algn="ctr">
+                      <a:solidFill>
+                        <a:srgbClr val="000000"/>
+                      </a:solidFill>
+                      <a:prstDash val="solid"/>
+                      <a:round/>
+                      <a:headEnd type="none" w="med" len="med"/>
+                      <a:tailEnd type="none" w="med" len="med"/>
+                    </a:lnR>
+                    <a:lnT w="6350" cap="flat" cmpd="sng" algn="ctr">
+                      <a:solidFill>
+                        <a:srgbClr val="000000"/>
+                      </a:solidFill>
+                      <a:prstDash val="solid"/>
+                      <a:round/>
+                      <a:headEnd type="none" w="med" len="med"/>
+                      <a:tailEnd type="none" w="med" len="med"/>
+                    </a:lnT>
+                    <a:lnB w="6350" cap="flat" cmpd="sng" algn="ctr">
+                      <a:solidFill>
+                        <a:srgbClr val="000000"/>
+                      </a:solidFill>
+                      <a:prstDash val="solid"/>
+                      <a:round/>
+                      <a:headEnd type="none" w="med" len="med"/>
+                      <a:tailEnd type="none" w="med" len="med"/>
+                    </a:lnB>
+                  </a:tcPr>
+                </a:tc>
+                <a:tc>
+                  <a:txBody>
+                    <a:bodyPr/>
+                    <a:lstStyle/>
+                    <a:p>
+                      <a:pPr algn="l" fontAlgn="b"/>
+                      <a:r>
+                        <a:rPr lang="en-US" sz="1100" b="0" i="0" u="none" strike="noStrike" dirty="0">
+                          <a:solidFill>
+                            <a:srgbClr val="000000"/>
+                          </a:solidFill>
+                          <a:effectLst/>
+                          <a:latin typeface="Calibri" panose="020F0502020204030204" pitchFamily="34" charset="0"/>
+                        </a:rPr>
+                        <a:t> </a:t>
+                      </a:r>
+                    </a:p>
+                  </a:txBody>
+                  <a:tcPr marL="6208" marR="6208" marT="6208" marB="0" anchor="b">
+                    <a:lnL w="6350" cap="flat" cmpd="sng" algn="ctr">
+                      <a:solidFill>
+                        <a:srgbClr val="000000"/>
+                      </a:solidFill>
+                      <a:prstDash val="solid"/>
+                      <a:round/>
+                      <a:headEnd type="none" w="med" len="med"/>
+                      <a:tailEnd type="none" w="med" len="med"/>
+                    </a:lnL>
+                    <a:lnR w="6350" cap="flat" cmpd="sng" algn="ctr">
+                      <a:solidFill>
+                        <a:srgbClr val="000000"/>
+                      </a:solidFill>
+                      <a:prstDash val="solid"/>
+                      <a:round/>
+                      <a:headEnd type="none" w="med" len="med"/>
+                      <a:tailEnd type="none" w="med" len="med"/>
+                    </a:lnR>
+                    <a:lnT w="6350" cap="flat" cmpd="sng" algn="ctr">
+                      <a:solidFill>
+                        <a:srgbClr val="000000"/>
+                      </a:solidFill>
+                      <a:prstDash val="solid"/>
+                      <a:round/>
+                      <a:headEnd type="none" w="med" len="med"/>
+                      <a:tailEnd type="none" w="med" len="med"/>
+                    </a:lnT>
+                    <a:lnB w="6350" cap="flat" cmpd="sng" algn="ctr">
+                      <a:solidFill>
+                        <a:srgbClr val="000000"/>
+                      </a:solidFill>
+                      <a:prstDash val="solid"/>
+                      <a:round/>
+                      <a:headEnd type="none" w="med" len="med"/>
+                      <a:tailEnd type="none" w="med" len="med"/>
+                    </a:lnB>
+                  </a:tcPr>
+                </a:tc>
+                <a:tc>
+                  <a:txBody>
+                    <a:bodyPr/>
+                    <a:lstStyle/>
+                    <a:p>
+                      <a:pPr algn="l" fontAlgn="b"/>
+                      <a:r>
+                        <a:rPr lang="en-US" sz="1100" b="0" i="0" u="none" strike="noStrike" dirty="0">
+                          <a:solidFill>
+                            <a:srgbClr val="000000"/>
+                          </a:solidFill>
+                          <a:effectLst/>
+                          <a:latin typeface="Calibri" panose="020F0502020204030204" pitchFamily="34" charset="0"/>
+                        </a:rPr>
+                        <a:t>In-progress</a:t>
+                      </a:r>
+                    </a:p>
+                  </a:txBody>
+                  <a:tcPr marL="6208" marR="6208" marT="6208" marB="0" anchor="b">
+                    <a:lnL w="6350" cap="flat" cmpd="sng" algn="ctr">
+                      <a:solidFill>
+                        <a:srgbClr val="000000"/>
+                      </a:solidFill>
+                      <a:prstDash val="solid"/>
+                      <a:round/>
+                      <a:headEnd type="none" w="med" len="med"/>
+                      <a:tailEnd type="none" w="med" len="med"/>
+                    </a:lnL>
+                    <a:lnR w="6350" cap="flat" cmpd="sng" algn="ctr">
+                      <a:solidFill>
+                        <a:srgbClr val="000000"/>
+                      </a:solidFill>
+                      <a:prstDash val="solid"/>
+                      <a:round/>
+                      <a:headEnd type="none" w="med" len="med"/>
+                      <a:tailEnd type="none" w="med" len="med"/>
+                    </a:lnR>
+                    <a:lnT w="6350" cap="flat" cmpd="sng" algn="ctr">
+                      <a:solidFill>
+                        <a:srgbClr val="000000"/>
+                      </a:solidFill>
+                      <a:prstDash val="solid"/>
+                      <a:round/>
+                      <a:headEnd type="none" w="med" len="med"/>
+                      <a:tailEnd type="none" w="med" len="med"/>
+                    </a:lnT>
+                    <a:lnB w="6350" cap="flat" cmpd="sng" algn="ctr">
+                      <a:solidFill>
+                        <a:srgbClr val="000000"/>
+                      </a:solidFill>
+                      <a:prstDash val="solid"/>
+                      <a:round/>
+                      <a:headEnd type="none" w="med" len="med"/>
+                      <a:tailEnd type="none" w="med" len="med"/>
+                    </a:lnB>
+                  </a:tcPr>
+                </a:tc>
+                <a:extLst>
+                  <a:ext uri="{0D108BD9-81ED-4DB2-BD59-A6C34878D82A}">
+                    <a16:rowId xmlns:a16="http://schemas.microsoft.com/office/drawing/2014/main" val="2144296732"/>
+                  </a:ext>
+                </a:extLst>
+              </a:tr>
+              <a:tr h="251981">
+                <a:tc>
+                  <a:txBody>
+                    <a:bodyPr/>
+                    <a:lstStyle/>
+                    <a:p>
+                      <a:pPr algn="l" fontAlgn="b"/>
+                      <a:r>
+                        <a:rPr lang="en-US" sz="1100" b="0" i="0" u="none" strike="noStrike" dirty="0">
+                          <a:solidFill>
+                            <a:srgbClr val="000000"/>
+                          </a:solidFill>
+                          <a:effectLst/>
+                          <a:latin typeface="Calibri" panose="020F0502020204030204" pitchFamily="34" charset="0"/>
+                        </a:rPr>
+                        <a:t>Finalize ETL steps</a:t>
+                      </a:r>
+                    </a:p>
+                  </a:txBody>
+                  <a:tcPr marL="6208" marR="6208" marT="6208" marB="0" anchor="b">
+                    <a:lnL w="6350" cap="flat" cmpd="sng" algn="ctr">
+                      <a:solidFill>
+                        <a:srgbClr val="000000"/>
+                      </a:solidFill>
+                      <a:prstDash val="solid"/>
+                      <a:round/>
+                      <a:headEnd type="none" w="med" len="med"/>
+                      <a:tailEnd type="none" w="med" len="med"/>
+                    </a:lnL>
+                    <a:lnR w="6350" cap="flat" cmpd="sng" algn="ctr">
+                      <a:solidFill>
+                        <a:srgbClr val="000000"/>
+                      </a:solidFill>
+                      <a:prstDash val="solid"/>
+                      <a:round/>
+                      <a:headEnd type="none" w="med" len="med"/>
+                      <a:tailEnd type="none" w="med" len="med"/>
+                    </a:lnR>
+                    <a:lnT w="6350" cap="flat" cmpd="sng" algn="ctr">
+                      <a:solidFill>
+                        <a:srgbClr val="000000"/>
+                      </a:solidFill>
+                      <a:prstDash val="solid"/>
+                      <a:round/>
+                      <a:headEnd type="none" w="med" len="med"/>
+                      <a:tailEnd type="none" w="med" len="med"/>
+                    </a:lnT>
+                    <a:lnB w="6350" cap="flat" cmpd="sng" algn="ctr">
+                      <a:solidFill>
+                        <a:srgbClr val="000000"/>
+                      </a:solidFill>
+                      <a:prstDash val="solid"/>
+                      <a:round/>
+                      <a:headEnd type="none" w="med" len="med"/>
+                      <a:tailEnd type="none" w="med" len="med"/>
+                    </a:lnB>
+                  </a:tcPr>
+                </a:tc>
+                <a:tc>
+                  <a:txBody>
+                    <a:bodyPr/>
+                    <a:lstStyle/>
+                    <a:p>
+                      <a:pPr algn="l" fontAlgn="b"/>
+                      <a:r>
+                        <a:rPr lang="en-US" sz="1100" b="0" i="0" u="none" strike="noStrike" dirty="0">
+                          <a:solidFill>
+                            <a:srgbClr val="000000"/>
+                          </a:solidFill>
+                          <a:effectLst/>
+                          <a:latin typeface="Calibri" panose="020F0502020204030204" pitchFamily="34" charset="0"/>
+                        </a:rPr>
+                        <a:t> </a:t>
+                      </a:r>
+                    </a:p>
+                  </a:txBody>
+                  <a:tcPr marL="6208" marR="6208" marT="6208" marB="0" anchor="b">
+                    <a:lnL w="6350" cap="flat" cmpd="sng" algn="ctr">
+                      <a:solidFill>
+                        <a:srgbClr val="000000"/>
+                      </a:solidFill>
+                      <a:prstDash val="solid"/>
+                      <a:round/>
+                      <a:headEnd type="none" w="med" len="med"/>
+                      <a:tailEnd type="none" w="med" len="med"/>
+                    </a:lnL>
+                    <a:lnR w="6350" cap="flat" cmpd="sng" algn="ctr">
+                      <a:solidFill>
+                        <a:srgbClr val="000000"/>
+                      </a:solidFill>
+                      <a:prstDash val="solid"/>
+                      <a:round/>
+                      <a:headEnd type="none" w="med" len="med"/>
+                      <a:tailEnd type="none" w="med" len="med"/>
+                    </a:lnR>
+                    <a:lnT w="6350" cap="flat" cmpd="sng" algn="ctr">
+                      <a:solidFill>
+                        <a:srgbClr val="000000"/>
+                      </a:solidFill>
+                      <a:prstDash val="solid"/>
+                      <a:round/>
+                      <a:headEnd type="none" w="med" len="med"/>
+                      <a:tailEnd type="none" w="med" len="med"/>
+                    </a:lnT>
+                    <a:lnB w="6350" cap="flat" cmpd="sng" algn="ctr">
+                      <a:solidFill>
+                        <a:srgbClr val="000000"/>
+                      </a:solidFill>
+                      <a:prstDash val="solid"/>
+                      <a:round/>
+                      <a:headEnd type="none" w="med" len="med"/>
+                      <a:tailEnd type="none" w="med" len="med"/>
+                    </a:lnB>
+                  </a:tcPr>
+                </a:tc>
+                <a:tc>
+                  <a:txBody>
+                    <a:bodyPr/>
+                    <a:lstStyle/>
+                    <a:p>
+                      <a:pPr algn="l" fontAlgn="b"/>
+                      <a:r>
+                        <a:rPr lang="en-US" sz="1100" b="0" i="0" u="none" strike="noStrike" dirty="0">
+                          <a:solidFill>
+                            <a:srgbClr val="000000"/>
+                          </a:solidFill>
+                          <a:effectLst/>
+                          <a:latin typeface="Calibri" panose="020F0502020204030204" pitchFamily="34" charset="0"/>
+                        </a:rPr>
+                        <a:t>Segment-1</a:t>
+                      </a:r>
+                    </a:p>
+                  </a:txBody>
+                  <a:tcPr marL="6208" marR="6208" marT="6208" marB="0" anchor="b">
+                    <a:lnL w="6350" cap="flat" cmpd="sng" algn="ctr">
+                      <a:solidFill>
+                        <a:srgbClr val="000000"/>
+                      </a:solidFill>
+                      <a:prstDash val="solid"/>
+                      <a:round/>
+                      <a:headEnd type="none" w="med" len="med"/>
+                      <a:tailEnd type="none" w="med" len="med"/>
+                    </a:lnL>
+                    <a:lnR w="6350" cap="flat" cmpd="sng" algn="ctr">
+                      <a:solidFill>
+                        <a:srgbClr val="000000"/>
+                      </a:solidFill>
+                      <a:prstDash val="solid"/>
+                      <a:round/>
+                      <a:headEnd type="none" w="med" len="med"/>
+                      <a:tailEnd type="none" w="med" len="med"/>
+                    </a:lnR>
+                    <a:lnT w="6350" cap="flat" cmpd="sng" algn="ctr">
+                      <a:solidFill>
+                        <a:srgbClr val="000000"/>
+                      </a:solidFill>
+                      <a:prstDash val="solid"/>
+                      <a:round/>
+                      <a:headEnd type="none" w="med" len="med"/>
+                      <a:tailEnd type="none" w="med" len="med"/>
+                    </a:lnT>
+                    <a:lnB w="6350" cap="flat" cmpd="sng" algn="ctr">
+                      <a:solidFill>
+                        <a:srgbClr val="000000"/>
+                      </a:solidFill>
+                      <a:prstDash val="solid"/>
+                      <a:round/>
+                      <a:headEnd type="none" w="med" len="med"/>
+                      <a:tailEnd type="none" w="med" len="med"/>
+                    </a:lnB>
+                  </a:tcPr>
+                </a:tc>
+                <a:tc>
+                  <a:txBody>
+                    <a:bodyPr/>
+                    <a:lstStyle/>
+                    <a:p>
+                      <a:pPr algn="l" fontAlgn="b"/>
+                      <a:r>
+                        <a:rPr lang="en-US" sz="1100" b="0" i="0" u="none" strike="noStrike" dirty="0">
+                          <a:solidFill>
+                            <a:srgbClr val="000000"/>
+                          </a:solidFill>
+                          <a:effectLst/>
+                          <a:latin typeface="Calibri" panose="020F0502020204030204" pitchFamily="34" charset="0"/>
+                        </a:rPr>
+                        <a:t>All</a:t>
+                      </a:r>
+                    </a:p>
+                  </a:txBody>
+                  <a:tcPr marL="6208" marR="6208" marT="6208" marB="0" anchor="b">
+                    <a:lnL w="6350" cap="flat" cmpd="sng" algn="ctr">
+                      <a:solidFill>
+                        <a:srgbClr val="000000"/>
+                      </a:solidFill>
+                      <a:prstDash val="solid"/>
+                      <a:round/>
+                      <a:headEnd type="none" w="med" len="med"/>
+                      <a:tailEnd type="none" w="med" len="med"/>
+                    </a:lnL>
+                    <a:lnR w="6350" cap="flat" cmpd="sng" algn="ctr">
+                      <a:solidFill>
+                        <a:srgbClr val="000000"/>
+                      </a:solidFill>
+                      <a:prstDash val="solid"/>
+                      <a:round/>
+                      <a:headEnd type="none" w="med" len="med"/>
+                      <a:tailEnd type="none" w="med" len="med"/>
+                    </a:lnR>
+                    <a:lnT w="6350" cap="flat" cmpd="sng" algn="ctr">
+                      <a:solidFill>
+                        <a:srgbClr val="000000"/>
+                      </a:solidFill>
+                      <a:prstDash val="solid"/>
+                      <a:round/>
+                      <a:headEnd type="none" w="med" len="med"/>
+                      <a:tailEnd type="none" w="med" len="med"/>
+                    </a:lnT>
+                    <a:lnB w="6350" cap="flat" cmpd="sng" algn="ctr">
+                      <a:solidFill>
+                        <a:srgbClr val="000000"/>
+                      </a:solidFill>
+                      <a:prstDash val="solid"/>
+                      <a:round/>
+                      <a:headEnd type="none" w="med" len="med"/>
+                      <a:tailEnd type="none" w="med" len="med"/>
+                    </a:lnB>
+                  </a:tcPr>
+                </a:tc>
+                <a:tc>
+                  <a:txBody>
+                    <a:bodyPr/>
+                    <a:lstStyle/>
+                    <a:p>
+                      <a:pPr algn="r" fontAlgn="b"/>
+                      <a:r>
+                        <a:rPr lang="en-US" sz="1100" b="0" i="0" u="none" strike="noStrike" dirty="0">
+                          <a:solidFill>
+                            <a:srgbClr val="000000"/>
+                          </a:solidFill>
+                          <a:effectLst/>
+                          <a:latin typeface="Calibri" panose="020F0502020204030204" pitchFamily="34" charset="0"/>
+                        </a:rPr>
+                        <a:t>7/28/2021</a:t>
+                      </a:r>
+                    </a:p>
+                  </a:txBody>
+                  <a:tcPr marL="6208" marR="6208" marT="6208" marB="0" anchor="b">
+                    <a:lnL w="6350" cap="flat" cmpd="sng" algn="ctr">
+                      <a:solidFill>
+                        <a:srgbClr val="000000"/>
+                      </a:solidFill>
+                      <a:prstDash val="solid"/>
+                      <a:round/>
+                      <a:headEnd type="none" w="med" len="med"/>
+                      <a:tailEnd type="none" w="med" len="med"/>
+                    </a:lnL>
+                    <a:lnR w="6350" cap="flat" cmpd="sng" algn="ctr">
+                      <a:solidFill>
+                        <a:srgbClr val="000000"/>
+                      </a:solidFill>
+                      <a:prstDash val="solid"/>
+                      <a:round/>
+                      <a:headEnd type="none" w="med" len="med"/>
+                      <a:tailEnd type="none" w="med" len="med"/>
+                    </a:lnR>
+                    <a:lnT w="6350" cap="flat" cmpd="sng" algn="ctr">
+                      <a:solidFill>
+                        <a:srgbClr val="000000"/>
+                      </a:solidFill>
+                      <a:prstDash val="solid"/>
+                      <a:round/>
+                      <a:headEnd type="none" w="med" len="med"/>
+                      <a:tailEnd type="none" w="med" len="med"/>
+                    </a:lnT>
+                    <a:lnB w="6350" cap="flat" cmpd="sng" algn="ctr">
+                      <a:solidFill>
+                        <a:srgbClr val="000000"/>
+                      </a:solidFill>
+                      <a:prstDash val="solid"/>
+                      <a:round/>
+                      <a:headEnd type="none" w="med" len="med"/>
+                      <a:tailEnd type="none" w="med" len="med"/>
+                    </a:lnB>
+                  </a:tcPr>
+                </a:tc>
+                <a:tc>
+                  <a:txBody>
+                    <a:bodyPr/>
+                    <a:lstStyle/>
+                    <a:p>
+                      <a:pPr algn="r" fontAlgn="b"/>
+                      <a:r>
+                        <a:rPr lang="en-US" sz="1100" b="0" i="0" u="none" strike="noStrike" dirty="0">
+                          <a:solidFill>
+                            <a:srgbClr val="000000"/>
+                          </a:solidFill>
+                          <a:effectLst/>
+                          <a:latin typeface="Calibri" panose="020F0502020204030204" pitchFamily="34" charset="0"/>
+                        </a:rPr>
+                        <a:t>7/28/2021</a:t>
+                      </a:r>
+                    </a:p>
+                  </a:txBody>
+                  <a:tcPr marL="6208" marR="6208" marT="6208" marB="0" anchor="b">
+                    <a:lnL w="6350" cap="flat" cmpd="sng" algn="ctr">
+                      <a:solidFill>
+                        <a:srgbClr val="000000"/>
+                      </a:solidFill>
+                      <a:prstDash val="solid"/>
+                      <a:round/>
+                      <a:headEnd type="none" w="med" len="med"/>
+                      <a:tailEnd type="none" w="med" len="med"/>
+                    </a:lnL>
+                    <a:lnR w="6350" cap="flat" cmpd="sng" algn="ctr">
+                      <a:solidFill>
+                        <a:srgbClr val="000000"/>
+                      </a:solidFill>
+                      <a:prstDash val="solid"/>
+                      <a:round/>
+                      <a:headEnd type="none" w="med" len="med"/>
+                      <a:tailEnd type="none" w="med" len="med"/>
+                    </a:lnR>
+                    <a:lnT w="6350" cap="flat" cmpd="sng" algn="ctr">
+                      <a:solidFill>
+                        <a:srgbClr val="000000"/>
+                      </a:solidFill>
+                      <a:prstDash val="solid"/>
+                      <a:round/>
+                      <a:headEnd type="none" w="med" len="med"/>
+                      <a:tailEnd type="none" w="med" len="med"/>
+                    </a:lnT>
+                    <a:lnB w="6350" cap="flat" cmpd="sng" algn="ctr">
+                      <a:solidFill>
+                        <a:srgbClr val="000000"/>
+                      </a:solidFill>
+                      <a:prstDash val="solid"/>
+                      <a:round/>
+                      <a:headEnd type="none" w="med" len="med"/>
+                      <a:tailEnd type="none" w="med" len="med"/>
+                    </a:lnB>
+                  </a:tcPr>
+                </a:tc>
+                <a:tc>
+                  <a:txBody>
+                    <a:bodyPr/>
+                    <a:lstStyle/>
+                    <a:p>
+                      <a:pPr algn="l" fontAlgn="b"/>
+                      <a:r>
+                        <a:rPr lang="en-US" sz="1100" b="0" i="0" u="none" strike="noStrike" dirty="0">
+                          <a:solidFill>
+                            <a:srgbClr val="000000"/>
+                          </a:solidFill>
+                          <a:effectLst/>
+                          <a:latin typeface="Calibri" panose="020F0502020204030204" pitchFamily="34" charset="0"/>
+                        </a:rPr>
+                        <a:t> </a:t>
+                      </a:r>
+                    </a:p>
+                  </a:txBody>
+                  <a:tcPr marL="6208" marR="6208" marT="6208" marB="0" anchor="b">
+                    <a:lnL w="6350" cap="flat" cmpd="sng" algn="ctr">
+                      <a:solidFill>
+                        <a:srgbClr val="000000"/>
+                      </a:solidFill>
+                      <a:prstDash val="solid"/>
+                      <a:round/>
+                      <a:headEnd type="none" w="med" len="med"/>
+                      <a:tailEnd type="none" w="med" len="med"/>
+                    </a:lnL>
+                    <a:lnR w="6350" cap="flat" cmpd="sng" algn="ctr">
+                      <a:solidFill>
+                        <a:srgbClr val="000000"/>
+                      </a:solidFill>
+                      <a:prstDash val="solid"/>
+                      <a:round/>
+                      <a:headEnd type="none" w="med" len="med"/>
+                      <a:tailEnd type="none" w="med" len="med"/>
+                    </a:lnR>
+                    <a:lnT w="6350" cap="flat" cmpd="sng" algn="ctr">
+                      <a:solidFill>
+                        <a:srgbClr val="000000"/>
+                      </a:solidFill>
+                      <a:prstDash val="solid"/>
+                      <a:round/>
+                      <a:headEnd type="none" w="med" len="med"/>
+                      <a:tailEnd type="none" w="med" len="med"/>
+                    </a:lnT>
+                    <a:lnB w="6350" cap="flat" cmpd="sng" algn="ctr">
+                      <a:solidFill>
+                        <a:srgbClr val="000000"/>
+                      </a:solidFill>
+                      <a:prstDash val="solid"/>
+                      <a:round/>
+                      <a:headEnd type="none" w="med" len="med"/>
+                      <a:tailEnd type="none" w="med" len="med"/>
+                    </a:lnB>
+                  </a:tcPr>
+                </a:tc>
+                <a:tc>
+                  <a:txBody>
+                    <a:bodyPr/>
+                    <a:lstStyle/>
+                    <a:p>
+                      <a:pPr algn="l" fontAlgn="b"/>
+                      <a:r>
+                        <a:rPr lang="en-US" sz="1100" b="0" i="0" u="none" strike="noStrike" dirty="0">
+                          <a:solidFill>
+                            <a:srgbClr val="000000"/>
+                          </a:solidFill>
+                          <a:effectLst/>
+                          <a:latin typeface="Calibri" panose="020F0502020204030204" pitchFamily="34" charset="0"/>
+                        </a:rPr>
+                        <a:t>In-progress</a:t>
+                      </a:r>
+                    </a:p>
+                  </a:txBody>
+                  <a:tcPr marL="6208" marR="6208" marT="6208" marB="0" anchor="b">
+                    <a:lnL w="6350" cap="flat" cmpd="sng" algn="ctr">
+                      <a:solidFill>
+                        <a:srgbClr val="000000"/>
+                      </a:solidFill>
+                      <a:prstDash val="solid"/>
+                      <a:round/>
+                      <a:headEnd type="none" w="med" len="med"/>
+                      <a:tailEnd type="none" w="med" len="med"/>
+                    </a:lnL>
+                    <a:lnR w="6350" cap="flat" cmpd="sng" algn="ctr">
+                      <a:solidFill>
+                        <a:srgbClr val="000000"/>
+                      </a:solidFill>
+                      <a:prstDash val="solid"/>
+                      <a:round/>
+                      <a:headEnd type="none" w="med" len="med"/>
+                      <a:tailEnd type="none" w="med" len="med"/>
+                    </a:lnR>
+                    <a:lnT w="6350" cap="flat" cmpd="sng" algn="ctr">
+                      <a:solidFill>
+                        <a:srgbClr val="000000"/>
+                      </a:solidFill>
+                      <a:prstDash val="solid"/>
+                      <a:round/>
+                      <a:headEnd type="none" w="med" len="med"/>
+                      <a:tailEnd type="none" w="med" len="med"/>
+                    </a:lnT>
+                    <a:lnB w="6350" cap="flat" cmpd="sng" algn="ctr">
+                      <a:solidFill>
+                        <a:srgbClr val="000000"/>
+                      </a:solidFill>
+                      <a:prstDash val="solid"/>
+                      <a:round/>
+                      <a:headEnd type="none" w="med" len="med"/>
+                      <a:tailEnd type="none" w="med" len="med"/>
+                    </a:lnB>
+                  </a:tcPr>
+                </a:tc>
+                <a:extLst>
+                  <a:ext uri="{0D108BD9-81ED-4DB2-BD59-A6C34878D82A}">
+                    <a16:rowId xmlns:a16="http://schemas.microsoft.com/office/drawing/2014/main" val="1800848998"/>
+                  </a:ext>
+                </a:extLst>
+              </a:tr>
+              <a:tr h="251981">
+                <a:tc>
+                  <a:txBody>
+                    <a:bodyPr/>
+                    <a:lstStyle/>
+                    <a:p>
+                      <a:pPr algn="l" fontAlgn="b"/>
+                      <a:r>
+                        <a:rPr lang="en-US" sz="1100" b="0" i="0" u="none" strike="noStrike" dirty="0">
+                          <a:solidFill>
+                            <a:srgbClr val="000000"/>
+                          </a:solidFill>
+                          <a:effectLst/>
+                          <a:latin typeface="Calibri" panose="020F0502020204030204" pitchFamily="34" charset="0"/>
+                        </a:rPr>
+                        <a:t>Finalize scope</a:t>
+                      </a:r>
+                    </a:p>
+                  </a:txBody>
+                  <a:tcPr marL="6208" marR="6208" marT="6208" marB="0" anchor="b">
+                    <a:lnL w="6350" cap="flat" cmpd="sng" algn="ctr">
+                      <a:solidFill>
+                        <a:srgbClr val="000000"/>
+                      </a:solidFill>
+                      <a:prstDash val="solid"/>
+                      <a:round/>
+                      <a:headEnd type="none" w="med" len="med"/>
+                      <a:tailEnd type="none" w="med" len="med"/>
+                    </a:lnL>
+                    <a:lnR w="6350" cap="flat" cmpd="sng" algn="ctr">
+                      <a:solidFill>
+                        <a:srgbClr val="000000"/>
+                      </a:solidFill>
+                      <a:prstDash val="solid"/>
+                      <a:round/>
+                      <a:headEnd type="none" w="med" len="med"/>
+                      <a:tailEnd type="none" w="med" len="med"/>
+                    </a:lnR>
+                    <a:lnT w="6350" cap="flat" cmpd="sng" algn="ctr">
+                      <a:solidFill>
+                        <a:srgbClr val="000000"/>
+                      </a:solidFill>
+                      <a:prstDash val="solid"/>
+                      <a:round/>
+                      <a:headEnd type="none" w="med" len="med"/>
+                      <a:tailEnd type="none" w="med" len="med"/>
+                    </a:lnT>
+                    <a:lnB w="6350" cap="flat" cmpd="sng" algn="ctr">
+                      <a:solidFill>
+                        <a:srgbClr val="000000"/>
+                      </a:solidFill>
+                      <a:prstDash val="solid"/>
+                      <a:round/>
+                      <a:headEnd type="none" w="med" len="med"/>
+                      <a:tailEnd type="none" w="med" len="med"/>
+                    </a:lnB>
+                  </a:tcPr>
+                </a:tc>
+                <a:tc>
+                  <a:txBody>
+                    <a:bodyPr/>
+                    <a:lstStyle/>
+                    <a:p>
+                      <a:pPr algn="l" fontAlgn="b"/>
+                      <a:r>
+                        <a:rPr lang="en-US" sz="1100" b="0" i="0" u="none" strike="noStrike" dirty="0">
+                          <a:solidFill>
+                            <a:srgbClr val="000000"/>
+                          </a:solidFill>
+                          <a:effectLst/>
+                          <a:latin typeface="Calibri" panose="020F0502020204030204" pitchFamily="34" charset="0"/>
+                        </a:rPr>
+                        <a:t> </a:t>
+                      </a:r>
+                    </a:p>
+                  </a:txBody>
+                  <a:tcPr marL="6208" marR="6208" marT="6208" marB="0" anchor="b">
+                    <a:lnL w="6350" cap="flat" cmpd="sng" algn="ctr">
+                      <a:solidFill>
+                        <a:srgbClr val="000000"/>
+                      </a:solidFill>
+                      <a:prstDash val="solid"/>
+                      <a:round/>
+                      <a:headEnd type="none" w="med" len="med"/>
+                      <a:tailEnd type="none" w="med" len="med"/>
+                    </a:lnL>
+                    <a:lnR w="6350" cap="flat" cmpd="sng" algn="ctr">
+                      <a:solidFill>
+                        <a:srgbClr val="000000"/>
+                      </a:solidFill>
+                      <a:prstDash val="solid"/>
+                      <a:round/>
+                      <a:headEnd type="none" w="med" len="med"/>
+                      <a:tailEnd type="none" w="med" len="med"/>
+                    </a:lnR>
+                    <a:lnT w="6350" cap="flat" cmpd="sng" algn="ctr">
+                      <a:solidFill>
+                        <a:srgbClr val="000000"/>
+                      </a:solidFill>
+                      <a:prstDash val="solid"/>
+                      <a:round/>
+                      <a:headEnd type="none" w="med" len="med"/>
+                      <a:tailEnd type="none" w="med" len="med"/>
+                    </a:lnT>
+                    <a:lnB w="6350" cap="flat" cmpd="sng" algn="ctr">
+                      <a:solidFill>
+                        <a:srgbClr val="000000"/>
+                      </a:solidFill>
+                      <a:prstDash val="solid"/>
+                      <a:round/>
+                      <a:headEnd type="none" w="med" len="med"/>
+                      <a:tailEnd type="none" w="med" len="med"/>
+                    </a:lnB>
+                  </a:tcPr>
+                </a:tc>
+                <a:tc>
+                  <a:txBody>
+                    <a:bodyPr/>
+                    <a:lstStyle/>
+                    <a:p>
+                      <a:pPr algn="l" fontAlgn="b"/>
+                      <a:r>
+                        <a:rPr lang="en-US" sz="1100" b="0" i="0" u="none" strike="noStrike" dirty="0">
+                          <a:solidFill>
+                            <a:srgbClr val="000000"/>
+                          </a:solidFill>
+                          <a:effectLst/>
+                          <a:latin typeface="Calibri" panose="020F0502020204030204" pitchFamily="34" charset="0"/>
+                        </a:rPr>
+                        <a:t>Segment-1</a:t>
+                      </a:r>
+                    </a:p>
+                  </a:txBody>
+                  <a:tcPr marL="6208" marR="6208" marT="6208" marB="0" anchor="b">
+                    <a:lnL w="6350" cap="flat" cmpd="sng" algn="ctr">
+                      <a:solidFill>
+                        <a:srgbClr val="000000"/>
+                      </a:solidFill>
+                      <a:prstDash val="solid"/>
+                      <a:round/>
+                      <a:headEnd type="none" w="med" len="med"/>
+                      <a:tailEnd type="none" w="med" len="med"/>
+                    </a:lnL>
+                    <a:lnR w="6350" cap="flat" cmpd="sng" algn="ctr">
+                      <a:solidFill>
+                        <a:srgbClr val="000000"/>
+                      </a:solidFill>
+                      <a:prstDash val="solid"/>
+                      <a:round/>
+                      <a:headEnd type="none" w="med" len="med"/>
+                      <a:tailEnd type="none" w="med" len="med"/>
+                    </a:lnR>
+                    <a:lnT w="6350" cap="flat" cmpd="sng" algn="ctr">
+                      <a:solidFill>
+                        <a:srgbClr val="000000"/>
+                      </a:solidFill>
+                      <a:prstDash val="solid"/>
+                      <a:round/>
+                      <a:headEnd type="none" w="med" len="med"/>
+                      <a:tailEnd type="none" w="med" len="med"/>
+                    </a:lnT>
+                    <a:lnB w="6350" cap="flat" cmpd="sng" algn="ctr">
+                      <a:solidFill>
+                        <a:srgbClr val="000000"/>
+                      </a:solidFill>
+                      <a:prstDash val="solid"/>
+                      <a:round/>
+                      <a:headEnd type="none" w="med" len="med"/>
+                      <a:tailEnd type="none" w="med" len="med"/>
+                    </a:lnB>
+                  </a:tcPr>
+                </a:tc>
+                <a:tc>
+                  <a:txBody>
+                    <a:bodyPr/>
+                    <a:lstStyle/>
+                    <a:p>
+                      <a:pPr algn="l" fontAlgn="b"/>
+                      <a:r>
+                        <a:rPr lang="en-US" sz="1100" b="0" i="0" u="none" strike="noStrike" dirty="0">
+                          <a:solidFill>
+                            <a:srgbClr val="000000"/>
+                          </a:solidFill>
+                          <a:effectLst/>
+                          <a:latin typeface="Calibri" panose="020F0502020204030204" pitchFamily="34" charset="0"/>
+                        </a:rPr>
+                        <a:t>All</a:t>
+                      </a:r>
+                    </a:p>
+                  </a:txBody>
+                  <a:tcPr marL="6208" marR="6208" marT="6208" marB="0" anchor="b">
+                    <a:lnL w="6350" cap="flat" cmpd="sng" algn="ctr">
+                      <a:solidFill>
+                        <a:srgbClr val="000000"/>
+                      </a:solidFill>
+                      <a:prstDash val="solid"/>
+                      <a:round/>
+                      <a:headEnd type="none" w="med" len="med"/>
+                      <a:tailEnd type="none" w="med" len="med"/>
+                    </a:lnL>
+                    <a:lnR w="6350" cap="flat" cmpd="sng" algn="ctr">
+                      <a:solidFill>
+                        <a:srgbClr val="000000"/>
+                      </a:solidFill>
+                      <a:prstDash val="solid"/>
+                      <a:round/>
+                      <a:headEnd type="none" w="med" len="med"/>
+                      <a:tailEnd type="none" w="med" len="med"/>
+                    </a:lnR>
+                    <a:lnT w="6350" cap="flat" cmpd="sng" algn="ctr">
+                      <a:solidFill>
+                        <a:srgbClr val="000000"/>
+                      </a:solidFill>
+                      <a:prstDash val="solid"/>
+                      <a:round/>
+                      <a:headEnd type="none" w="med" len="med"/>
+                      <a:tailEnd type="none" w="med" len="med"/>
+                    </a:lnT>
+                    <a:lnB w="6350" cap="flat" cmpd="sng" algn="ctr">
+                      <a:solidFill>
+                        <a:srgbClr val="000000"/>
+                      </a:solidFill>
+                      <a:prstDash val="solid"/>
+                      <a:round/>
+                      <a:headEnd type="none" w="med" len="med"/>
+                      <a:tailEnd type="none" w="med" len="med"/>
+                    </a:lnB>
+                  </a:tcPr>
+                </a:tc>
+                <a:tc>
+                  <a:txBody>
+                    <a:bodyPr/>
+                    <a:lstStyle/>
+                    <a:p>
+                      <a:pPr algn="r" fontAlgn="b"/>
+                      <a:r>
+                        <a:rPr lang="en-US" sz="1100" b="0" i="0" u="none" strike="noStrike" dirty="0">
+                          <a:solidFill>
+                            <a:srgbClr val="000000"/>
+                          </a:solidFill>
+                          <a:effectLst/>
+                          <a:latin typeface="Calibri" panose="020F0502020204030204" pitchFamily="34" charset="0"/>
+                        </a:rPr>
+                        <a:t>7/26/2021</a:t>
+                      </a:r>
+                    </a:p>
+                  </a:txBody>
+                  <a:tcPr marL="6208" marR="6208" marT="6208" marB="0" anchor="b">
+                    <a:lnL w="6350" cap="flat" cmpd="sng" algn="ctr">
+                      <a:solidFill>
+                        <a:srgbClr val="000000"/>
+                      </a:solidFill>
+                      <a:prstDash val="solid"/>
+                      <a:round/>
+                      <a:headEnd type="none" w="med" len="med"/>
+                      <a:tailEnd type="none" w="med" len="med"/>
+                    </a:lnL>
+                    <a:lnR w="6350" cap="flat" cmpd="sng" algn="ctr">
+                      <a:solidFill>
+                        <a:srgbClr val="000000"/>
+                      </a:solidFill>
+                      <a:prstDash val="solid"/>
+                      <a:round/>
+                      <a:headEnd type="none" w="med" len="med"/>
+                      <a:tailEnd type="none" w="med" len="med"/>
+                    </a:lnR>
+                    <a:lnT w="6350" cap="flat" cmpd="sng" algn="ctr">
+                      <a:solidFill>
+                        <a:srgbClr val="000000"/>
+                      </a:solidFill>
+                      <a:prstDash val="solid"/>
+                      <a:round/>
+                      <a:headEnd type="none" w="med" len="med"/>
+                      <a:tailEnd type="none" w="med" len="med"/>
+                    </a:lnT>
+                    <a:lnB w="6350" cap="flat" cmpd="sng" algn="ctr">
+                      <a:solidFill>
+                        <a:srgbClr val="000000"/>
+                      </a:solidFill>
+                      <a:prstDash val="solid"/>
+                      <a:round/>
+                      <a:headEnd type="none" w="med" len="med"/>
+                      <a:tailEnd type="none" w="med" len="med"/>
+                    </a:lnB>
+                  </a:tcPr>
+                </a:tc>
+                <a:tc>
+                  <a:txBody>
+                    <a:bodyPr/>
+                    <a:lstStyle/>
+                    <a:p>
+                      <a:pPr algn="r" fontAlgn="b"/>
+                      <a:r>
+                        <a:rPr lang="en-US" sz="1100" b="0" i="0" u="none" strike="noStrike" dirty="0">
+                          <a:solidFill>
+                            <a:srgbClr val="000000"/>
+                          </a:solidFill>
+                          <a:effectLst/>
+                          <a:latin typeface="Calibri" panose="020F0502020204030204" pitchFamily="34" charset="0"/>
+                        </a:rPr>
+                        <a:t>7/29/2021</a:t>
+                      </a:r>
+                    </a:p>
+                  </a:txBody>
+                  <a:tcPr marL="6208" marR="6208" marT="6208" marB="0" anchor="b">
+                    <a:lnL w="6350" cap="flat" cmpd="sng" algn="ctr">
+                      <a:solidFill>
+                        <a:srgbClr val="000000"/>
+                      </a:solidFill>
+                      <a:prstDash val="solid"/>
+                      <a:round/>
+                      <a:headEnd type="none" w="med" len="med"/>
+                      <a:tailEnd type="none" w="med" len="med"/>
+                    </a:lnL>
+                    <a:lnR w="6350" cap="flat" cmpd="sng" algn="ctr">
+                      <a:solidFill>
+                        <a:srgbClr val="000000"/>
+                      </a:solidFill>
+                      <a:prstDash val="solid"/>
+                      <a:round/>
+                      <a:headEnd type="none" w="med" len="med"/>
+                      <a:tailEnd type="none" w="med" len="med"/>
+                    </a:lnR>
+                    <a:lnT w="6350" cap="flat" cmpd="sng" algn="ctr">
+                      <a:solidFill>
+                        <a:srgbClr val="000000"/>
+                      </a:solidFill>
+                      <a:prstDash val="solid"/>
+                      <a:round/>
+                      <a:headEnd type="none" w="med" len="med"/>
+                      <a:tailEnd type="none" w="med" len="med"/>
+                    </a:lnT>
+                    <a:lnB w="6350" cap="flat" cmpd="sng" algn="ctr">
+                      <a:solidFill>
+                        <a:srgbClr val="000000"/>
+                      </a:solidFill>
+                      <a:prstDash val="solid"/>
+                      <a:round/>
+                      <a:headEnd type="none" w="med" len="med"/>
+                      <a:tailEnd type="none" w="med" len="med"/>
+                    </a:lnB>
+                  </a:tcPr>
+                </a:tc>
+                <a:tc>
+                  <a:txBody>
+                    <a:bodyPr/>
+                    <a:lstStyle/>
+                    <a:p>
+                      <a:pPr algn="l" fontAlgn="b"/>
+                      <a:r>
+                        <a:rPr lang="en-US" sz="1100" b="0" i="0" u="none" strike="noStrike" dirty="0">
+                          <a:solidFill>
+                            <a:srgbClr val="000000"/>
+                          </a:solidFill>
+                          <a:effectLst/>
+                          <a:latin typeface="Calibri" panose="020F0502020204030204" pitchFamily="34" charset="0"/>
+                        </a:rPr>
+                        <a:t> </a:t>
+                      </a:r>
+                    </a:p>
+                  </a:txBody>
+                  <a:tcPr marL="6208" marR="6208" marT="6208" marB="0" anchor="b">
+                    <a:lnL w="6350" cap="flat" cmpd="sng" algn="ctr">
+                      <a:solidFill>
+                        <a:srgbClr val="000000"/>
+                      </a:solidFill>
+                      <a:prstDash val="solid"/>
+                      <a:round/>
+                      <a:headEnd type="none" w="med" len="med"/>
+                      <a:tailEnd type="none" w="med" len="med"/>
+                    </a:lnL>
+                    <a:lnR w="6350" cap="flat" cmpd="sng" algn="ctr">
+                      <a:solidFill>
+                        <a:srgbClr val="000000"/>
+                      </a:solidFill>
+                      <a:prstDash val="solid"/>
+                      <a:round/>
+                      <a:headEnd type="none" w="med" len="med"/>
+                      <a:tailEnd type="none" w="med" len="med"/>
+                    </a:lnR>
+                    <a:lnT w="6350" cap="flat" cmpd="sng" algn="ctr">
+                      <a:solidFill>
+                        <a:srgbClr val="000000"/>
+                      </a:solidFill>
+                      <a:prstDash val="solid"/>
+                      <a:round/>
+                      <a:headEnd type="none" w="med" len="med"/>
+                      <a:tailEnd type="none" w="med" len="med"/>
+                    </a:lnT>
+                    <a:lnB w="6350" cap="flat" cmpd="sng" algn="ctr">
+                      <a:solidFill>
+                        <a:srgbClr val="000000"/>
+                      </a:solidFill>
+                      <a:prstDash val="solid"/>
+                      <a:round/>
+                      <a:headEnd type="none" w="med" len="med"/>
+                      <a:tailEnd type="none" w="med" len="med"/>
+                    </a:lnB>
+                  </a:tcPr>
+                </a:tc>
+                <a:tc>
+                  <a:txBody>
+                    <a:bodyPr/>
+                    <a:lstStyle/>
+                    <a:p>
+                      <a:pPr algn="l" fontAlgn="b"/>
+                      <a:r>
+                        <a:rPr lang="en-US" sz="1100" b="0" i="0" u="none" strike="noStrike" dirty="0">
+                          <a:solidFill>
+                            <a:srgbClr val="000000"/>
+                          </a:solidFill>
+                          <a:effectLst/>
+                          <a:latin typeface="Calibri" panose="020F0502020204030204" pitchFamily="34" charset="0"/>
+                        </a:rPr>
+                        <a:t>In-progress</a:t>
+                      </a:r>
+                    </a:p>
+                  </a:txBody>
+                  <a:tcPr marL="6208" marR="6208" marT="6208" marB="0" anchor="b">
+                    <a:lnL w="6350" cap="flat" cmpd="sng" algn="ctr">
+                      <a:solidFill>
+                        <a:srgbClr val="000000"/>
+                      </a:solidFill>
+                      <a:prstDash val="solid"/>
+                      <a:round/>
+                      <a:headEnd type="none" w="med" len="med"/>
+                      <a:tailEnd type="none" w="med" len="med"/>
+                    </a:lnL>
+                    <a:lnR w="6350" cap="flat" cmpd="sng" algn="ctr">
+                      <a:solidFill>
+                        <a:srgbClr val="000000"/>
+                      </a:solidFill>
+                      <a:prstDash val="solid"/>
+                      <a:round/>
+                      <a:headEnd type="none" w="med" len="med"/>
+                      <a:tailEnd type="none" w="med" len="med"/>
+                    </a:lnR>
+                    <a:lnT w="6350" cap="flat" cmpd="sng" algn="ctr">
+                      <a:solidFill>
+                        <a:srgbClr val="000000"/>
+                      </a:solidFill>
+                      <a:prstDash val="solid"/>
+                      <a:round/>
+                      <a:headEnd type="none" w="med" len="med"/>
+                      <a:tailEnd type="none" w="med" len="med"/>
+                    </a:lnT>
+                    <a:lnB w="6350" cap="flat" cmpd="sng" algn="ctr">
+                      <a:solidFill>
+                        <a:srgbClr val="000000"/>
+                      </a:solidFill>
+                      <a:prstDash val="solid"/>
+                      <a:round/>
+                      <a:headEnd type="none" w="med" len="med"/>
+                      <a:tailEnd type="none" w="med" len="med"/>
+                    </a:lnB>
+                  </a:tcPr>
+                </a:tc>
+                <a:extLst>
+                  <a:ext uri="{0D108BD9-81ED-4DB2-BD59-A6C34878D82A}">
+                    <a16:rowId xmlns:a16="http://schemas.microsoft.com/office/drawing/2014/main" val="3767735404"/>
+                  </a:ext>
+                </a:extLst>
+              </a:tr>
+              <a:tr h="251981">
+                <a:tc>
+                  <a:txBody>
+                    <a:bodyPr/>
+                    <a:lstStyle/>
+                    <a:p>
+                      <a:pPr algn="l" fontAlgn="b"/>
+                      <a:r>
+                        <a:rPr lang="en-US" sz="1100" b="0" i="0" u="none" strike="noStrike" dirty="0">
+                          <a:solidFill>
+                            <a:srgbClr val="000000"/>
+                          </a:solidFill>
+                          <a:effectLst/>
+                          <a:latin typeface="Calibri" panose="020F0502020204030204" pitchFamily="34" charset="0"/>
+                        </a:rPr>
+                        <a:t>Finalize solution architecture</a:t>
+                      </a:r>
+                    </a:p>
+                  </a:txBody>
+                  <a:tcPr marL="6208" marR="6208" marT="6208" marB="0" anchor="b">
+                    <a:lnL w="6350" cap="flat" cmpd="sng" algn="ctr">
+                      <a:solidFill>
+                        <a:srgbClr val="000000"/>
+                      </a:solidFill>
+                      <a:prstDash val="solid"/>
+                      <a:round/>
+                      <a:headEnd type="none" w="med" len="med"/>
+                      <a:tailEnd type="none" w="med" len="med"/>
+                    </a:lnL>
+                    <a:lnR w="6350" cap="flat" cmpd="sng" algn="ctr">
+                      <a:solidFill>
+                        <a:srgbClr val="000000"/>
+                      </a:solidFill>
+                      <a:prstDash val="solid"/>
+                      <a:round/>
+                      <a:headEnd type="none" w="med" len="med"/>
+                      <a:tailEnd type="none" w="med" len="med"/>
+                    </a:lnR>
+                    <a:lnT w="6350" cap="flat" cmpd="sng" algn="ctr">
+                      <a:solidFill>
+                        <a:srgbClr val="000000"/>
+                      </a:solidFill>
+                      <a:prstDash val="solid"/>
+                      <a:round/>
+                      <a:headEnd type="none" w="med" len="med"/>
+                      <a:tailEnd type="none" w="med" len="med"/>
+                    </a:lnT>
+                    <a:lnB w="6350" cap="flat" cmpd="sng" algn="ctr">
+                      <a:solidFill>
+                        <a:srgbClr val="000000"/>
+                      </a:solidFill>
+                      <a:prstDash val="solid"/>
+                      <a:round/>
+                      <a:headEnd type="none" w="med" len="med"/>
+                      <a:tailEnd type="none" w="med" len="med"/>
+                    </a:lnB>
+                  </a:tcPr>
+                </a:tc>
+                <a:tc>
+                  <a:txBody>
+                    <a:bodyPr/>
+                    <a:lstStyle/>
+                    <a:p>
+                      <a:pPr algn="l" fontAlgn="b"/>
+                      <a:r>
+                        <a:rPr lang="en-US" sz="1100" b="0" i="0" u="none" strike="noStrike" dirty="0">
+                          <a:solidFill>
+                            <a:srgbClr val="000000"/>
+                          </a:solidFill>
+                          <a:effectLst/>
+                          <a:latin typeface="Calibri" panose="020F0502020204030204" pitchFamily="34" charset="0"/>
+                        </a:rPr>
+                        <a:t> </a:t>
+                      </a:r>
+                    </a:p>
+                  </a:txBody>
+                  <a:tcPr marL="6208" marR="6208" marT="6208" marB="0" anchor="b">
+                    <a:lnL w="6350" cap="flat" cmpd="sng" algn="ctr">
+                      <a:solidFill>
+                        <a:srgbClr val="000000"/>
+                      </a:solidFill>
+                      <a:prstDash val="solid"/>
+                      <a:round/>
+                      <a:headEnd type="none" w="med" len="med"/>
+                      <a:tailEnd type="none" w="med" len="med"/>
+                    </a:lnL>
+                    <a:lnR w="6350" cap="flat" cmpd="sng" algn="ctr">
+                      <a:solidFill>
+                        <a:srgbClr val="000000"/>
+                      </a:solidFill>
+                      <a:prstDash val="solid"/>
+                      <a:round/>
+                      <a:headEnd type="none" w="med" len="med"/>
+                      <a:tailEnd type="none" w="med" len="med"/>
+                    </a:lnR>
+                    <a:lnT w="6350" cap="flat" cmpd="sng" algn="ctr">
+                      <a:solidFill>
+                        <a:srgbClr val="000000"/>
+                      </a:solidFill>
+                      <a:prstDash val="solid"/>
+                      <a:round/>
+                      <a:headEnd type="none" w="med" len="med"/>
+                      <a:tailEnd type="none" w="med" len="med"/>
+                    </a:lnT>
+                    <a:lnB w="6350" cap="flat" cmpd="sng" algn="ctr">
+                      <a:solidFill>
+                        <a:srgbClr val="000000"/>
+                      </a:solidFill>
+                      <a:prstDash val="solid"/>
+                      <a:round/>
+                      <a:headEnd type="none" w="med" len="med"/>
+                      <a:tailEnd type="none" w="med" len="med"/>
+                    </a:lnB>
+                  </a:tcPr>
+                </a:tc>
+                <a:tc>
+                  <a:txBody>
+                    <a:bodyPr/>
+                    <a:lstStyle/>
+                    <a:p>
+                      <a:pPr algn="l" fontAlgn="b"/>
+                      <a:r>
+                        <a:rPr lang="en-US" sz="1100" b="0" i="0" u="none" strike="noStrike" dirty="0">
+                          <a:solidFill>
+                            <a:srgbClr val="000000"/>
+                          </a:solidFill>
+                          <a:effectLst/>
+                          <a:latin typeface="Calibri" panose="020F0502020204030204" pitchFamily="34" charset="0"/>
+                        </a:rPr>
+                        <a:t>Segment-1</a:t>
+                      </a:r>
+                    </a:p>
+                  </a:txBody>
+                  <a:tcPr marL="6208" marR="6208" marT="6208" marB="0" anchor="b">
+                    <a:lnL w="6350" cap="flat" cmpd="sng" algn="ctr">
+                      <a:solidFill>
+                        <a:srgbClr val="000000"/>
+                      </a:solidFill>
+                      <a:prstDash val="solid"/>
+                      <a:round/>
+                      <a:headEnd type="none" w="med" len="med"/>
+                      <a:tailEnd type="none" w="med" len="med"/>
+                    </a:lnL>
+                    <a:lnR w="6350" cap="flat" cmpd="sng" algn="ctr">
+                      <a:solidFill>
+                        <a:srgbClr val="000000"/>
+                      </a:solidFill>
+                      <a:prstDash val="solid"/>
+                      <a:round/>
+                      <a:headEnd type="none" w="med" len="med"/>
+                      <a:tailEnd type="none" w="med" len="med"/>
+                    </a:lnR>
+                    <a:lnT w="6350" cap="flat" cmpd="sng" algn="ctr">
+                      <a:solidFill>
+                        <a:srgbClr val="000000"/>
+                      </a:solidFill>
+                      <a:prstDash val="solid"/>
+                      <a:round/>
+                      <a:headEnd type="none" w="med" len="med"/>
+                      <a:tailEnd type="none" w="med" len="med"/>
+                    </a:lnT>
+                    <a:lnB w="6350" cap="flat" cmpd="sng" algn="ctr">
+                      <a:solidFill>
+                        <a:srgbClr val="000000"/>
+                      </a:solidFill>
+                      <a:prstDash val="solid"/>
+                      <a:round/>
+                      <a:headEnd type="none" w="med" len="med"/>
+                      <a:tailEnd type="none" w="med" len="med"/>
+                    </a:lnB>
+                  </a:tcPr>
+                </a:tc>
+                <a:tc>
+                  <a:txBody>
+                    <a:bodyPr/>
+                    <a:lstStyle/>
+                    <a:p>
+                      <a:pPr algn="l" fontAlgn="b"/>
+                      <a:r>
+                        <a:rPr lang="en-US" sz="1100" b="0" i="0" u="none" strike="noStrike" dirty="0">
+                          <a:solidFill>
+                            <a:srgbClr val="000000"/>
+                          </a:solidFill>
+                          <a:effectLst/>
+                          <a:latin typeface="Calibri" panose="020F0502020204030204" pitchFamily="34" charset="0"/>
+                        </a:rPr>
+                        <a:t>All</a:t>
+                      </a:r>
+                    </a:p>
+                  </a:txBody>
+                  <a:tcPr marL="6208" marR="6208" marT="6208" marB="0" anchor="b">
+                    <a:lnL w="6350" cap="flat" cmpd="sng" algn="ctr">
+                      <a:solidFill>
+                        <a:srgbClr val="000000"/>
+                      </a:solidFill>
+                      <a:prstDash val="solid"/>
+                      <a:round/>
+                      <a:headEnd type="none" w="med" len="med"/>
+                      <a:tailEnd type="none" w="med" len="med"/>
+                    </a:lnL>
+                    <a:lnR w="6350" cap="flat" cmpd="sng" algn="ctr">
+                      <a:solidFill>
+                        <a:srgbClr val="000000"/>
+                      </a:solidFill>
+                      <a:prstDash val="solid"/>
+                      <a:round/>
+                      <a:headEnd type="none" w="med" len="med"/>
+                      <a:tailEnd type="none" w="med" len="med"/>
+                    </a:lnR>
+                    <a:lnT w="6350" cap="flat" cmpd="sng" algn="ctr">
+                      <a:solidFill>
+                        <a:srgbClr val="000000"/>
+                      </a:solidFill>
+                      <a:prstDash val="solid"/>
+                      <a:round/>
+                      <a:headEnd type="none" w="med" len="med"/>
+                      <a:tailEnd type="none" w="med" len="med"/>
+                    </a:lnT>
+                    <a:lnB w="6350" cap="flat" cmpd="sng" algn="ctr">
+                      <a:solidFill>
+                        <a:srgbClr val="000000"/>
+                      </a:solidFill>
+                      <a:prstDash val="solid"/>
+                      <a:round/>
+                      <a:headEnd type="none" w="med" len="med"/>
+                      <a:tailEnd type="none" w="med" len="med"/>
+                    </a:lnB>
+                  </a:tcPr>
+                </a:tc>
+                <a:tc>
+                  <a:txBody>
+                    <a:bodyPr/>
+                    <a:lstStyle/>
+                    <a:p>
+                      <a:pPr algn="r" fontAlgn="b"/>
+                      <a:r>
+                        <a:rPr lang="en-US" sz="1100" b="0" i="0" u="none" strike="noStrike" dirty="0">
+                          <a:solidFill>
+                            <a:srgbClr val="000000"/>
+                          </a:solidFill>
+                          <a:effectLst/>
+                          <a:latin typeface="Calibri" panose="020F0502020204030204" pitchFamily="34" charset="0"/>
+                        </a:rPr>
+                        <a:t>7/26/2021</a:t>
+                      </a:r>
+                    </a:p>
+                  </a:txBody>
+                  <a:tcPr marL="6208" marR="6208" marT="6208" marB="0" anchor="b">
+                    <a:lnL w="6350" cap="flat" cmpd="sng" algn="ctr">
+                      <a:solidFill>
+                        <a:srgbClr val="000000"/>
+                      </a:solidFill>
+                      <a:prstDash val="solid"/>
+                      <a:round/>
+                      <a:headEnd type="none" w="med" len="med"/>
+                      <a:tailEnd type="none" w="med" len="med"/>
+                    </a:lnL>
+                    <a:lnR w="6350" cap="flat" cmpd="sng" algn="ctr">
+                      <a:solidFill>
+                        <a:srgbClr val="000000"/>
+                      </a:solidFill>
+                      <a:prstDash val="solid"/>
+                      <a:round/>
+                      <a:headEnd type="none" w="med" len="med"/>
+                      <a:tailEnd type="none" w="med" len="med"/>
+                    </a:lnR>
+                    <a:lnT w="6350" cap="flat" cmpd="sng" algn="ctr">
+                      <a:solidFill>
+                        <a:srgbClr val="000000"/>
+                      </a:solidFill>
+                      <a:prstDash val="solid"/>
+                      <a:round/>
+                      <a:headEnd type="none" w="med" len="med"/>
+                      <a:tailEnd type="none" w="med" len="med"/>
+                    </a:lnT>
+                    <a:lnB w="6350" cap="flat" cmpd="sng" algn="ctr">
+                      <a:solidFill>
+                        <a:srgbClr val="000000"/>
+                      </a:solidFill>
+                      <a:prstDash val="solid"/>
+                      <a:round/>
+                      <a:headEnd type="none" w="med" len="med"/>
+                      <a:tailEnd type="none" w="med" len="med"/>
+                    </a:lnB>
+                  </a:tcPr>
+                </a:tc>
+                <a:tc>
+                  <a:txBody>
+                    <a:bodyPr/>
+                    <a:lstStyle/>
+                    <a:p>
+                      <a:pPr algn="r" fontAlgn="b"/>
+                      <a:r>
+                        <a:rPr lang="en-US" sz="1100" b="0" i="0" u="none" strike="noStrike" dirty="0">
+                          <a:solidFill>
+                            <a:srgbClr val="000000"/>
+                          </a:solidFill>
+                          <a:effectLst/>
+                          <a:latin typeface="Calibri" panose="020F0502020204030204" pitchFamily="34" charset="0"/>
+                        </a:rPr>
+                        <a:t>7/28/2021</a:t>
+                      </a:r>
+                    </a:p>
+                  </a:txBody>
+                  <a:tcPr marL="6208" marR="6208" marT="6208" marB="0" anchor="b">
+                    <a:lnL w="6350" cap="flat" cmpd="sng" algn="ctr">
+                      <a:solidFill>
+                        <a:srgbClr val="000000"/>
+                      </a:solidFill>
+                      <a:prstDash val="solid"/>
+                      <a:round/>
+                      <a:headEnd type="none" w="med" len="med"/>
+                      <a:tailEnd type="none" w="med" len="med"/>
+                    </a:lnL>
+                    <a:lnR w="6350" cap="flat" cmpd="sng" algn="ctr">
+                      <a:solidFill>
+                        <a:srgbClr val="000000"/>
+                      </a:solidFill>
+                      <a:prstDash val="solid"/>
+                      <a:round/>
+                      <a:headEnd type="none" w="med" len="med"/>
+                      <a:tailEnd type="none" w="med" len="med"/>
+                    </a:lnR>
+                    <a:lnT w="6350" cap="flat" cmpd="sng" algn="ctr">
+                      <a:solidFill>
+                        <a:srgbClr val="000000"/>
+                      </a:solidFill>
+                      <a:prstDash val="solid"/>
+                      <a:round/>
+                      <a:headEnd type="none" w="med" len="med"/>
+                      <a:tailEnd type="none" w="med" len="med"/>
+                    </a:lnT>
+                    <a:lnB w="6350" cap="flat" cmpd="sng" algn="ctr">
+                      <a:solidFill>
+                        <a:srgbClr val="000000"/>
+                      </a:solidFill>
+                      <a:prstDash val="solid"/>
+                      <a:round/>
+                      <a:headEnd type="none" w="med" len="med"/>
+                      <a:tailEnd type="none" w="med" len="med"/>
+                    </a:lnB>
+                  </a:tcPr>
+                </a:tc>
+                <a:tc>
+                  <a:txBody>
+                    <a:bodyPr/>
+                    <a:lstStyle/>
+                    <a:p>
+                      <a:pPr algn="l" fontAlgn="b"/>
+                      <a:r>
+                        <a:rPr lang="en-US" sz="1100" b="0" i="0" u="none" strike="noStrike" dirty="0">
+                          <a:solidFill>
+                            <a:srgbClr val="000000"/>
+                          </a:solidFill>
+                          <a:effectLst/>
+                          <a:latin typeface="Calibri" panose="020F0502020204030204" pitchFamily="34" charset="0"/>
+                        </a:rPr>
+                        <a:t> </a:t>
+                      </a:r>
+                    </a:p>
+                  </a:txBody>
+                  <a:tcPr marL="6208" marR="6208" marT="6208" marB="0" anchor="b">
+                    <a:lnL w="6350" cap="flat" cmpd="sng" algn="ctr">
+                      <a:solidFill>
+                        <a:srgbClr val="000000"/>
+                      </a:solidFill>
+                      <a:prstDash val="solid"/>
+                      <a:round/>
+                      <a:headEnd type="none" w="med" len="med"/>
+                      <a:tailEnd type="none" w="med" len="med"/>
+                    </a:lnL>
+                    <a:lnR w="6350" cap="flat" cmpd="sng" algn="ctr">
+                      <a:solidFill>
+                        <a:srgbClr val="000000"/>
+                      </a:solidFill>
+                      <a:prstDash val="solid"/>
+                      <a:round/>
+                      <a:headEnd type="none" w="med" len="med"/>
+                      <a:tailEnd type="none" w="med" len="med"/>
+                    </a:lnR>
+                    <a:lnT w="6350" cap="flat" cmpd="sng" algn="ctr">
+                      <a:solidFill>
+                        <a:srgbClr val="000000"/>
+                      </a:solidFill>
+                      <a:prstDash val="solid"/>
+                      <a:round/>
+                      <a:headEnd type="none" w="med" len="med"/>
+                      <a:tailEnd type="none" w="med" len="med"/>
+                    </a:lnT>
+                    <a:lnB w="6350" cap="flat" cmpd="sng" algn="ctr">
+                      <a:solidFill>
+                        <a:srgbClr val="000000"/>
+                      </a:solidFill>
+                      <a:prstDash val="solid"/>
+                      <a:round/>
+                      <a:headEnd type="none" w="med" len="med"/>
+                      <a:tailEnd type="none" w="med" len="med"/>
+                    </a:lnB>
+                  </a:tcPr>
+                </a:tc>
+                <a:tc>
+                  <a:txBody>
+                    <a:bodyPr/>
+                    <a:lstStyle/>
+                    <a:p>
+                      <a:pPr algn="l" fontAlgn="b"/>
+                      <a:r>
+                        <a:rPr lang="en-US" sz="1100" b="0" i="0" u="none" strike="noStrike" dirty="0">
+                          <a:solidFill>
+                            <a:srgbClr val="000000"/>
+                          </a:solidFill>
+                          <a:effectLst/>
+                          <a:latin typeface="Calibri" panose="020F0502020204030204" pitchFamily="34" charset="0"/>
+                        </a:rPr>
+                        <a:t>In-progress</a:t>
+                      </a:r>
+                    </a:p>
+                  </a:txBody>
+                  <a:tcPr marL="6208" marR="6208" marT="6208" marB="0" anchor="b">
+                    <a:lnL w="6350" cap="flat" cmpd="sng" algn="ctr">
+                      <a:solidFill>
+                        <a:srgbClr val="000000"/>
+                      </a:solidFill>
+                      <a:prstDash val="solid"/>
+                      <a:round/>
+                      <a:headEnd type="none" w="med" len="med"/>
+                      <a:tailEnd type="none" w="med" len="med"/>
+                    </a:lnL>
+                    <a:lnR w="6350" cap="flat" cmpd="sng" algn="ctr">
+                      <a:solidFill>
+                        <a:srgbClr val="000000"/>
+                      </a:solidFill>
+                      <a:prstDash val="solid"/>
+                      <a:round/>
+                      <a:headEnd type="none" w="med" len="med"/>
+                      <a:tailEnd type="none" w="med" len="med"/>
+                    </a:lnR>
+                    <a:lnT w="6350" cap="flat" cmpd="sng" algn="ctr">
+                      <a:solidFill>
+                        <a:srgbClr val="000000"/>
+                      </a:solidFill>
+                      <a:prstDash val="solid"/>
+                      <a:round/>
+                      <a:headEnd type="none" w="med" len="med"/>
+                      <a:tailEnd type="none" w="med" len="med"/>
+                    </a:lnT>
+                    <a:lnB w="6350" cap="flat" cmpd="sng" algn="ctr">
+                      <a:solidFill>
+                        <a:srgbClr val="000000"/>
+                      </a:solidFill>
+                      <a:prstDash val="solid"/>
+                      <a:round/>
+                      <a:headEnd type="none" w="med" len="med"/>
+                      <a:tailEnd type="none" w="med" len="med"/>
+                    </a:lnB>
+                  </a:tcPr>
+                </a:tc>
+                <a:extLst>
+                  <a:ext uri="{0D108BD9-81ED-4DB2-BD59-A6C34878D82A}">
+                    <a16:rowId xmlns:a16="http://schemas.microsoft.com/office/drawing/2014/main" val="1706261956"/>
+                  </a:ext>
+                </a:extLst>
+              </a:tr>
+              <a:tr h="251981">
+                <a:tc>
+                  <a:txBody>
+                    <a:bodyPr/>
+                    <a:lstStyle/>
+                    <a:p>
+                      <a:pPr algn="l" fontAlgn="b"/>
+                      <a:r>
+                        <a:rPr lang="en-US" sz="1100" b="0" i="0" u="none" strike="noStrike" dirty="0">
+                          <a:solidFill>
+                            <a:srgbClr val="000000"/>
+                          </a:solidFill>
+                          <a:effectLst/>
+                          <a:latin typeface="Calibri" panose="020F0502020204030204" pitchFamily="34" charset="0"/>
+                        </a:rPr>
+                        <a:t>Finalize DB design</a:t>
+                      </a:r>
+                    </a:p>
+                  </a:txBody>
+                  <a:tcPr marL="6208" marR="6208" marT="6208" marB="0" anchor="b">
+                    <a:lnL w="6350" cap="flat" cmpd="sng" algn="ctr">
+                      <a:solidFill>
+                        <a:srgbClr val="000000"/>
+                      </a:solidFill>
+                      <a:prstDash val="solid"/>
+                      <a:round/>
+                      <a:headEnd type="none" w="med" len="med"/>
+                      <a:tailEnd type="none" w="med" len="med"/>
+                    </a:lnL>
+                    <a:lnR w="6350" cap="flat" cmpd="sng" algn="ctr">
+                      <a:solidFill>
+                        <a:srgbClr val="000000"/>
+                      </a:solidFill>
+                      <a:prstDash val="solid"/>
+                      <a:round/>
+                      <a:headEnd type="none" w="med" len="med"/>
+                      <a:tailEnd type="none" w="med" len="med"/>
+                    </a:lnR>
+                    <a:lnT w="6350" cap="flat" cmpd="sng" algn="ctr">
+                      <a:solidFill>
+                        <a:srgbClr val="000000"/>
+                      </a:solidFill>
+                      <a:prstDash val="solid"/>
+                      <a:round/>
+                      <a:headEnd type="none" w="med" len="med"/>
+                      <a:tailEnd type="none" w="med" len="med"/>
+                    </a:lnT>
+                    <a:lnB w="6350" cap="flat" cmpd="sng" algn="ctr">
+                      <a:solidFill>
+                        <a:srgbClr val="000000"/>
+                      </a:solidFill>
+                      <a:prstDash val="solid"/>
+                      <a:round/>
+                      <a:headEnd type="none" w="med" len="med"/>
+                      <a:tailEnd type="none" w="med" len="med"/>
+                    </a:lnB>
+                  </a:tcPr>
+                </a:tc>
+                <a:tc>
+                  <a:txBody>
+                    <a:bodyPr/>
+                    <a:lstStyle/>
+                    <a:p>
+                      <a:pPr algn="l" fontAlgn="b"/>
+                      <a:r>
+                        <a:rPr lang="en-US" sz="1100" b="0" i="0" u="none" strike="noStrike" dirty="0">
+                          <a:solidFill>
+                            <a:srgbClr val="000000"/>
+                          </a:solidFill>
+                          <a:effectLst/>
+                          <a:latin typeface="Calibri" panose="020F0502020204030204" pitchFamily="34" charset="0"/>
+                        </a:rPr>
+                        <a:t> </a:t>
+                      </a:r>
+                    </a:p>
+                  </a:txBody>
+                  <a:tcPr marL="6208" marR="6208" marT="6208" marB="0" anchor="b">
+                    <a:lnL w="6350" cap="flat" cmpd="sng" algn="ctr">
+                      <a:solidFill>
+                        <a:srgbClr val="000000"/>
+                      </a:solidFill>
+                      <a:prstDash val="solid"/>
+                      <a:round/>
+                      <a:headEnd type="none" w="med" len="med"/>
+                      <a:tailEnd type="none" w="med" len="med"/>
+                    </a:lnL>
+                    <a:lnR w="6350" cap="flat" cmpd="sng" algn="ctr">
+                      <a:solidFill>
+                        <a:srgbClr val="000000"/>
+                      </a:solidFill>
+                      <a:prstDash val="solid"/>
+                      <a:round/>
+                      <a:headEnd type="none" w="med" len="med"/>
+                      <a:tailEnd type="none" w="med" len="med"/>
+                    </a:lnR>
+                    <a:lnT w="6350" cap="flat" cmpd="sng" algn="ctr">
+                      <a:solidFill>
+                        <a:srgbClr val="000000"/>
+                      </a:solidFill>
+                      <a:prstDash val="solid"/>
+                      <a:round/>
+                      <a:headEnd type="none" w="med" len="med"/>
+                      <a:tailEnd type="none" w="med" len="med"/>
+                    </a:lnT>
+                    <a:lnB w="6350" cap="flat" cmpd="sng" algn="ctr">
+                      <a:solidFill>
+                        <a:srgbClr val="000000"/>
+                      </a:solidFill>
+                      <a:prstDash val="solid"/>
+                      <a:round/>
+                      <a:headEnd type="none" w="med" len="med"/>
+                      <a:tailEnd type="none" w="med" len="med"/>
+                    </a:lnB>
+                  </a:tcPr>
+                </a:tc>
+                <a:tc>
+                  <a:txBody>
+                    <a:bodyPr/>
+                    <a:lstStyle/>
+                    <a:p>
+                      <a:pPr algn="l" fontAlgn="b"/>
+                      <a:r>
+                        <a:rPr lang="en-US" sz="1100" b="0" i="0" u="none" strike="noStrike" dirty="0">
+                          <a:solidFill>
+                            <a:srgbClr val="000000"/>
+                          </a:solidFill>
+                          <a:effectLst/>
+                          <a:latin typeface="Calibri" panose="020F0502020204030204" pitchFamily="34" charset="0"/>
+                        </a:rPr>
+                        <a:t>Segment-1</a:t>
+                      </a:r>
+                    </a:p>
+                  </a:txBody>
+                  <a:tcPr marL="6208" marR="6208" marT="6208" marB="0" anchor="b">
+                    <a:lnL w="6350" cap="flat" cmpd="sng" algn="ctr">
+                      <a:solidFill>
+                        <a:srgbClr val="000000"/>
+                      </a:solidFill>
+                      <a:prstDash val="solid"/>
+                      <a:round/>
+                      <a:headEnd type="none" w="med" len="med"/>
+                      <a:tailEnd type="none" w="med" len="med"/>
+                    </a:lnL>
+                    <a:lnR w="6350" cap="flat" cmpd="sng" algn="ctr">
+                      <a:solidFill>
+                        <a:srgbClr val="000000"/>
+                      </a:solidFill>
+                      <a:prstDash val="solid"/>
+                      <a:round/>
+                      <a:headEnd type="none" w="med" len="med"/>
+                      <a:tailEnd type="none" w="med" len="med"/>
+                    </a:lnR>
+                    <a:lnT w="6350" cap="flat" cmpd="sng" algn="ctr">
+                      <a:solidFill>
+                        <a:srgbClr val="000000"/>
+                      </a:solidFill>
+                      <a:prstDash val="solid"/>
+                      <a:round/>
+                      <a:headEnd type="none" w="med" len="med"/>
+                      <a:tailEnd type="none" w="med" len="med"/>
+                    </a:lnT>
+                    <a:lnB w="6350" cap="flat" cmpd="sng" algn="ctr">
+                      <a:solidFill>
+                        <a:srgbClr val="000000"/>
+                      </a:solidFill>
+                      <a:prstDash val="solid"/>
+                      <a:round/>
+                      <a:headEnd type="none" w="med" len="med"/>
+                      <a:tailEnd type="none" w="med" len="med"/>
+                    </a:lnB>
+                  </a:tcPr>
+                </a:tc>
+                <a:tc>
+                  <a:txBody>
+                    <a:bodyPr/>
+                    <a:lstStyle/>
+                    <a:p>
+                      <a:pPr algn="l" fontAlgn="b"/>
+                      <a:r>
+                        <a:rPr lang="en-US" sz="1100" b="0" i="0" u="none" strike="noStrike" dirty="0">
+                          <a:solidFill>
+                            <a:srgbClr val="000000"/>
+                          </a:solidFill>
+                          <a:effectLst/>
+                          <a:latin typeface="Calibri" panose="020F0502020204030204" pitchFamily="34" charset="0"/>
+                        </a:rPr>
+                        <a:t>All</a:t>
+                      </a:r>
+                    </a:p>
+                  </a:txBody>
+                  <a:tcPr marL="6208" marR="6208" marT="6208" marB="0" anchor="b">
+                    <a:lnL w="6350" cap="flat" cmpd="sng" algn="ctr">
+                      <a:solidFill>
+                        <a:srgbClr val="000000"/>
+                      </a:solidFill>
+                      <a:prstDash val="solid"/>
+                      <a:round/>
+                      <a:headEnd type="none" w="med" len="med"/>
+                      <a:tailEnd type="none" w="med" len="med"/>
+                    </a:lnL>
+                    <a:lnR w="6350" cap="flat" cmpd="sng" algn="ctr">
+                      <a:solidFill>
+                        <a:srgbClr val="000000"/>
+                      </a:solidFill>
+                      <a:prstDash val="solid"/>
+                      <a:round/>
+                      <a:headEnd type="none" w="med" len="med"/>
+                      <a:tailEnd type="none" w="med" len="med"/>
+                    </a:lnR>
+                    <a:lnT w="6350" cap="flat" cmpd="sng" algn="ctr">
+                      <a:solidFill>
+                        <a:srgbClr val="000000"/>
+                      </a:solidFill>
+                      <a:prstDash val="solid"/>
+                      <a:round/>
+                      <a:headEnd type="none" w="med" len="med"/>
+                      <a:tailEnd type="none" w="med" len="med"/>
+                    </a:lnT>
+                    <a:lnB w="6350" cap="flat" cmpd="sng" algn="ctr">
+                      <a:solidFill>
+                        <a:srgbClr val="000000"/>
+                      </a:solidFill>
+                      <a:prstDash val="solid"/>
+                      <a:round/>
+                      <a:headEnd type="none" w="med" len="med"/>
+                      <a:tailEnd type="none" w="med" len="med"/>
+                    </a:lnB>
+                  </a:tcPr>
+                </a:tc>
+                <a:tc>
+                  <a:txBody>
+                    <a:bodyPr/>
+                    <a:lstStyle/>
+                    <a:p>
+                      <a:pPr algn="r" fontAlgn="b"/>
+                      <a:r>
+                        <a:rPr lang="en-US" sz="1100" b="0" i="0" u="none" strike="noStrike" dirty="0">
+                          <a:solidFill>
+                            <a:srgbClr val="000000"/>
+                          </a:solidFill>
+                          <a:effectLst/>
+                          <a:latin typeface="Calibri" panose="020F0502020204030204" pitchFamily="34" charset="0"/>
+                        </a:rPr>
+                        <a:t>7/26/2021</a:t>
+                      </a:r>
+                    </a:p>
+                  </a:txBody>
+                  <a:tcPr marL="6208" marR="6208" marT="6208" marB="0" anchor="b">
+                    <a:lnL w="6350" cap="flat" cmpd="sng" algn="ctr">
+                      <a:solidFill>
+                        <a:srgbClr val="000000"/>
+                      </a:solidFill>
+                      <a:prstDash val="solid"/>
+                      <a:round/>
+                      <a:headEnd type="none" w="med" len="med"/>
+                      <a:tailEnd type="none" w="med" len="med"/>
+                    </a:lnL>
+                    <a:lnR w="6350" cap="flat" cmpd="sng" algn="ctr">
+                      <a:solidFill>
+                        <a:srgbClr val="000000"/>
+                      </a:solidFill>
+                      <a:prstDash val="solid"/>
+                      <a:round/>
+                      <a:headEnd type="none" w="med" len="med"/>
+                      <a:tailEnd type="none" w="med" len="med"/>
+                    </a:lnR>
+                    <a:lnT w="6350" cap="flat" cmpd="sng" algn="ctr">
+                      <a:solidFill>
+                        <a:srgbClr val="000000"/>
+                      </a:solidFill>
+                      <a:prstDash val="solid"/>
+                      <a:round/>
+                      <a:headEnd type="none" w="med" len="med"/>
+                      <a:tailEnd type="none" w="med" len="med"/>
+                    </a:lnT>
+                    <a:lnB w="6350" cap="flat" cmpd="sng" algn="ctr">
+                      <a:solidFill>
+                        <a:srgbClr val="000000"/>
+                      </a:solidFill>
+                      <a:prstDash val="solid"/>
+                      <a:round/>
+                      <a:headEnd type="none" w="med" len="med"/>
+                      <a:tailEnd type="none" w="med" len="med"/>
+                    </a:lnB>
+                  </a:tcPr>
+                </a:tc>
+                <a:tc>
+                  <a:txBody>
+                    <a:bodyPr/>
+                    <a:lstStyle/>
+                    <a:p>
+                      <a:pPr algn="r" fontAlgn="b"/>
+                      <a:r>
+                        <a:rPr lang="en-US" sz="1100" b="0" i="0" u="none" strike="noStrike" dirty="0">
+                          <a:solidFill>
+                            <a:srgbClr val="000000"/>
+                          </a:solidFill>
+                          <a:effectLst/>
+                          <a:latin typeface="Calibri" panose="020F0502020204030204" pitchFamily="34" charset="0"/>
+                        </a:rPr>
+                        <a:t>7/28/2021</a:t>
+                      </a:r>
+                    </a:p>
+                  </a:txBody>
+                  <a:tcPr marL="6208" marR="6208" marT="6208" marB="0" anchor="b">
+                    <a:lnL w="6350" cap="flat" cmpd="sng" algn="ctr">
+                      <a:solidFill>
+                        <a:srgbClr val="000000"/>
+                      </a:solidFill>
+                      <a:prstDash val="solid"/>
+                      <a:round/>
+                      <a:headEnd type="none" w="med" len="med"/>
+                      <a:tailEnd type="none" w="med" len="med"/>
+                    </a:lnL>
+                    <a:lnR w="6350" cap="flat" cmpd="sng" algn="ctr">
+                      <a:solidFill>
+                        <a:srgbClr val="000000"/>
+                      </a:solidFill>
+                      <a:prstDash val="solid"/>
+                      <a:round/>
+                      <a:headEnd type="none" w="med" len="med"/>
+                      <a:tailEnd type="none" w="med" len="med"/>
+                    </a:lnR>
+                    <a:lnT w="6350" cap="flat" cmpd="sng" algn="ctr">
+                      <a:solidFill>
+                        <a:srgbClr val="000000"/>
+                      </a:solidFill>
+                      <a:prstDash val="solid"/>
+                      <a:round/>
+                      <a:headEnd type="none" w="med" len="med"/>
+                      <a:tailEnd type="none" w="med" len="med"/>
+                    </a:lnT>
+                    <a:lnB w="6350" cap="flat" cmpd="sng" algn="ctr">
+                      <a:solidFill>
+                        <a:srgbClr val="000000"/>
+                      </a:solidFill>
+                      <a:prstDash val="solid"/>
+                      <a:round/>
+                      <a:headEnd type="none" w="med" len="med"/>
+                      <a:tailEnd type="none" w="med" len="med"/>
+                    </a:lnB>
+                  </a:tcPr>
+                </a:tc>
+                <a:tc>
+                  <a:txBody>
+                    <a:bodyPr/>
+                    <a:lstStyle/>
+                    <a:p>
+                      <a:pPr algn="l" fontAlgn="b"/>
+                      <a:r>
+                        <a:rPr lang="en-US" sz="1100" b="0" i="0" u="none" strike="noStrike" dirty="0">
+                          <a:solidFill>
+                            <a:srgbClr val="000000"/>
+                          </a:solidFill>
+                          <a:effectLst/>
+                          <a:latin typeface="Calibri" panose="020F0502020204030204" pitchFamily="34" charset="0"/>
+                        </a:rPr>
+                        <a:t> </a:t>
+                      </a:r>
+                    </a:p>
+                  </a:txBody>
+                  <a:tcPr marL="6208" marR="6208" marT="6208" marB="0" anchor="b">
+                    <a:lnL w="6350" cap="flat" cmpd="sng" algn="ctr">
+                      <a:solidFill>
+                        <a:srgbClr val="000000"/>
+                      </a:solidFill>
+                      <a:prstDash val="solid"/>
+                      <a:round/>
+                      <a:headEnd type="none" w="med" len="med"/>
+                      <a:tailEnd type="none" w="med" len="med"/>
+                    </a:lnL>
+                    <a:lnR w="6350" cap="flat" cmpd="sng" algn="ctr">
+                      <a:solidFill>
+                        <a:srgbClr val="000000"/>
+                      </a:solidFill>
+                      <a:prstDash val="solid"/>
+                      <a:round/>
+                      <a:headEnd type="none" w="med" len="med"/>
+                      <a:tailEnd type="none" w="med" len="med"/>
+                    </a:lnR>
+                    <a:lnT w="6350" cap="flat" cmpd="sng" algn="ctr">
+                      <a:solidFill>
+                        <a:srgbClr val="000000"/>
+                      </a:solidFill>
+                      <a:prstDash val="solid"/>
+                      <a:round/>
+                      <a:headEnd type="none" w="med" len="med"/>
+                      <a:tailEnd type="none" w="med" len="med"/>
+                    </a:lnT>
+                    <a:lnB w="6350" cap="flat" cmpd="sng" algn="ctr">
+                      <a:solidFill>
+                        <a:srgbClr val="000000"/>
+                      </a:solidFill>
+                      <a:prstDash val="solid"/>
+                      <a:round/>
+                      <a:headEnd type="none" w="med" len="med"/>
+                      <a:tailEnd type="none" w="med" len="med"/>
+                    </a:lnB>
+                  </a:tcPr>
+                </a:tc>
+                <a:tc>
+                  <a:txBody>
+                    <a:bodyPr/>
+                    <a:lstStyle/>
+                    <a:p>
+                      <a:pPr algn="l" fontAlgn="b"/>
+                      <a:r>
+                        <a:rPr lang="en-US" sz="1100" b="0" i="0" u="none" strike="noStrike" dirty="0">
+                          <a:solidFill>
+                            <a:srgbClr val="000000"/>
+                          </a:solidFill>
+                          <a:effectLst/>
+                          <a:latin typeface="Calibri" panose="020F0502020204030204" pitchFamily="34" charset="0"/>
+                        </a:rPr>
+                        <a:t>In-progress</a:t>
+                      </a:r>
+                    </a:p>
+                  </a:txBody>
+                  <a:tcPr marL="6208" marR="6208" marT="6208" marB="0" anchor="b">
+                    <a:lnL w="6350" cap="flat" cmpd="sng" algn="ctr">
+                      <a:solidFill>
+                        <a:srgbClr val="000000"/>
+                      </a:solidFill>
+                      <a:prstDash val="solid"/>
+                      <a:round/>
+                      <a:headEnd type="none" w="med" len="med"/>
+                      <a:tailEnd type="none" w="med" len="med"/>
+                    </a:lnL>
+                    <a:lnR w="6350" cap="flat" cmpd="sng" algn="ctr">
+                      <a:solidFill>
+                        <a:srgbClr val="000000"/>
+                      </a:solidFill>
+                      <a:prstDash val="solid"/>
+                      <a:round/>
+                      <a:headEnd type="none" w="med" len="med"/>
+                      <a:tailEnd type="none" w="med" len="med"/>
+                    </a:lnR>
+                    <a:lnT w="6350" cap="flat" cmpd="sng" algn="ctr">
+                      <a:solidFill>
+                        <a:srgbClr val="000000"/>
+                      </a:solidFill>
+                      <a:prstDash val="solid"/>
+                      <a:round/>
+                      <a:headEnd type="none" w="med" len="med"/>
+                      <a:tailEnd type="none" w="med" len="med"/>
+                    </a:lnT>
+                    <a:lnB w="6350" cap="flat" cmpd="sng" algn="ctr">
+                      <a:solidFill>
+                        <a:srgbClr val="000000"/>
+                      </a:solidFill>
+                      <a:prstDash val="solid"/>
+                      <a:round/>
+                      <a:headEnd type="none" w="med" len="med"/>
+                      <a:tailEnd type="none" w="med" len="med"/>
+                    </a:lnB>
+                  </a:tcPr>
+                </a:tc>
+                <a:extLst>
+                  <a:ext uri="{0D108BD9-81ED-4DB2-BD59-A6C34878D82A}">
+                    <a16:rowId xmlns:a16="http://schemas.microsoft.com/office/drawing/2014/main" val="1681729109"/>
+                  </a:ext>
+                </a:extLst>
+              </a:tr>
+              <a:tr h="251981">
+                <a:tc>
+                  <a:txBody>
+                    <a:bodyPr/>
+                    <a:lstStyle/>
+                    <a:p>
+                      <a:pPr algn="l" fontAlgn="b"/>
+                      <a:r>
+                        <a:rPr lang="en-US" sz="1100" b="0" i="0" u="none" strike="noStrike" dirty="0">
+                          <a:solidFill>
+                            <a:srgbClr val="000000"/>
+                          </a:solidFill>
+                          <a:effectLst/>
+                          <a:latin typeface="Calibri" panose="020F0502020204030204" pitchFamily="34" charset="0"/>
+                        </a:rPr>
+                        <a:t>Create logical DB design</a:t>
+                      </a:r>
+                    </a:p>
+                  </a:txBody>
+                  <a:tcPr marL="6208" marR="6208" marT="6208" marB="0" anchor="b">
+                    <a:lnL w="6350" cap="flat" cmpd="sng" algn="ctr">
+                      <a:solidFill>
+                        <a:srgbClr val="000000"/>
+                      </a:solidFill>
+                      <a:prstDash val="solid"/>
+                      <a:round/>
+                      <a:headEnd type="none" w="med" len="med"/>
+                      <a:tailEnd type="none" w="med" len="med"/>
+                    </a:lnL>
+                    <a:lnR w="6350" cap="flat" cmpd="sng" algn="ctr">
+                      <a:solidFill>
+                        <a:srgbClr val="000000"/>
+                      </a:solidFill>
+                      <a:prstDash val="solid"/>
+                      <a:round/>
+                      <a:headEnd type="none" w="med" len="med"/>
+                      <a:tailEnd type="none" w="med" len="med"/>
+                    </a:lnR>
+                    <a:lnT w="6350" cap="flat" cmpd="sng" algn="ctr">
+                      <a:solidFill>
+                        <a:srgbClr val="000000"/>
+                      </a:solidFill>
+                      <a:prstDash val="solid"/>
+                      <a:round/>
+                      <a:headEnd type="none" w="med" len="med"/>
+                      <a:tailEnd type="none" w="med" len="med"/>
+                    </a:lnT>
+                    <a:lnB w="6350" cap="flat" cmpd="sng" algn="ctr">
+                      <a:solidFill>
+                        <a:srgbClr val="000000"/>
+                      </a:solidFill>
+                      <a:prstDash val="solid"/>
+                      <a:round/>
+                      <a:headEnd type="none" w="med" len="med"/>
+                      <a:tailEnd type="none" w="med" len="med"/>
+                    </a:lnB>
+                  </a:tcPr>
+                </a:tc>
+                <a:tc>
+                  <a:txBody>
+                    <a:bodyPr/>
+                    <a:lstStyle/>
+                    <a:p>
+                      <a:pPr algn="l" fontAlgn="b"/>
+                      <a:r>
+                        <a:rPr lang="en-US" sz="1100" b="0" i="0" u="none" strike="noStrike" dirty="0">
+                          <a:solidFill>
+                            <a:srgbClr val="000000"/>
+                          </a:solidFill>
+                          <a:effectLst/>
+                          <a:latin typeface="Calibri" panose="020F0502020204030204" pitchFamily="34" charset="0"/>
+                        </a:rPr>
+                        <a:t> </a:t>
+                      </a:r>
+                    </a:p>
+                  </a:txBody>
+                  <a:tcPr marL="6208" marR="6208" marT="6208" marB="0" anchor="b">
+                    <a:lnL w="6350" cap="flat" cmpd="sng" algn="ctr">
+                      <a:solidFill>
+                        <a:srgbClr val="000000"/>
+                      </a:solidFill>
+                      <a:prstDash val="solid"/>
+                      <a:round/>
+                      <a:headEnd type="none" w="med" len="med"/>
+                      <a:tailEnd type="none" w="med" len="med"/>
+                    </a:lnL>
+                    <a:lnR w="6350" cap="flat" cmpd="sng" algn="ctr">
+                      <a:solidFill>
+                        <a:srgbClr val="000000"/>
+                      </a:solidFill>
+                      <a:prstDash val="solid"/>
+                      <a:round/>
+                      <a:headEnd type="none" w="med" len="med"/>
+                      <a:tailEnd type="none" w="med" len="med"/>
+                    </a:lnR>
+                    <a:lnT w="6350" cap="flat" cmpd="sng" algn="ctr">
+                      <a:solidFill>
+                        <a:srgbClr val="000000"/>
+                      </a:solidFill>
+                      <a:prstDash val="solid"/>
+                      <a:round/>
+                      <a:headEnd type="none" w="med" len="med"/>
+                      <a:tailEnd type="none" w="med" len="med"/>
+                    </a:lnT>
+                    <a:lnB w="6350" cap="flat" cmpd="sng" algn="ctr">
+                      <a:solidFill>
+                        <a:srgbClr val="000000"/>
+                      </a:solidFill>
+                      <a:prstDash val="solid"/>
+                      <a:round/>
+                      <a:headEnd type="none" w="med" len="med"/>
+                      <a:tailEnd type="none" w="med" len="med"/>
+                    </a:lnB>
+                  </a:tcPr>
+                </a:tc>
+                <a:tc>
+                  <a:txBody>
+                    <a:bodyPr/>
+                    <a:lstStyle/>
+                    <a:p>
+                      <a:pPr algn="l" fontAlgn="b"/>
+                      <a:r>
+                        <a:rPr lang="en-US" sz="1100" b="0" i="0" u="none" strike="noStrike" dirty="0">
+                          <a:solidFill>
+                            <a:srgbClr val="000000"/>
+                          </a:solidFill>
+                          <a:effectLst/>
+                          <a:latin typeface="Calibri" panose="020F0502020204030204" pitchFamily="34" charset="0"/>
+                        </a:rPr>
+                        <a:t>Segment-1</a:t>
+                      </a:r>
+                    </a:p>
+                  </a:txBody>
+                  <a:tcPr marL="6208" marR="6208" marT="6208" marB="0" anchor="b">
+                    <a:lnL w="6350" cap="flat" cmpd="sng" algn="ctr">
+                      <a:solidFill>
+                        <a:srgbClr val="000000"/>
+                      </a:solidFill>
+                      <a:prstDash val="solid"/>
+                      <a:round/>
+                      <a:headEnd type="none" w="med" len="med"/>
+                      <a:tailEnd type="none" w="med" len="med"/>
+                    </a:lnL>
+                    <a:lnR w="6350" cap="flat" cmpd="sng" algn="ctr">
+                      <a:solidFill>
+                        <a:srgbClr val="000000"/>
+                      </a:solidFill>
+                      <a:prstDash val="solid"/>
+                      <a:round/>
+                      <a:headEnd type="none" w="med" len="med"/>
+                      <a:tailEnd type="none" w="med" len="med"/>
+                    </a:lnR>
+                    <a:lnT w="6350" cap="flat" cmpd="sng" algn="ctr">
+                      <a:solidFill>
+                        <a:srgbClr val="000000"/>
+                      </a:solidFill>
+                      <a:prstDash val="solid"/>
+                      <a:round/>
+                      <a:headEnd type="none" w="med" len="med"/>
+                      <a:tailEnd type="none" w="med" len="med"/>
+                    </a:lnT>
+                    <a:lnB w="6350" cap="flat" cmpd="sng" algn="ctr">
+                      <a:solidFill>
+                        <a:srgbClr val="000000"/>
+                      </a:solidFill>
+                      <a:prstDash val="solid"/>
+                      <a:round/>
+                      <a:headEnd type="none" w="med" len="med"/>
+                      <a:tailEnd type="none" w="med" len="med"/>
+                    </a:lnB>
+                  </a:tcPr>
+                </a:tc>
+                <a:tc>
+                  <a:txBody>
+                    <a:bodyPr/>
+                    <a:lstStyle/>
+                    <a:p>
+                      <a:pPr algn="l" fontAlgn="b"/>
+                      <a:r>
+                        <a:rPr lang="en-US" sz="1100" b="0" i="0" u="none" strike="noStrike" dirty="0">
+                          <a:solidFill>
+                            <a:srgbClr val="000000"/>
+                          </a:solidFill>
+                          <a:effectLst/>
+                          <a:latin typeface="Calibri" panose="020F0502020204030204" pitchFamily="34" charset="0"/>
+                        </a:rPr>
+                        <a:t>All</a:t>
+                      </a:r>
+                    </a:p>
+                  </a:txBody>
+                  <a:tcPr marL="6208" marR="6208" marT="6208" marB="0" anchor="b">
+                    <a:lnL w="6350" cap="flat" cmpd="sng" algn="ctr">
+                      <a:solidFill>
+                        <a:srgbClr val="000000"/>
+                      </a:solidFill>
+                      <a:prstDash val="solid"/>
+                      <a:round/>
+                      <a:headEnd type="none" w="med" len="med"/>
+                      <a:tailEnd type="none" w="med" len="med"/>
+                    </a:lnL>
+                    <a:lnR w="6350" cap="flat" cmpd="sng" algn="ctr">
+                      <a:solidFill>
+                        <a:srgbClr val="000000"/>
+                      </a:solidFill>
+                      <a:prstDash val="solid"/>
+                      <a:round/>
+                      <a:headEnd type="none" w="med" len="med"/>
+                      <a:tailEnd type="none" w="med" len="med"/>
+                    </a:lnR>
+                    <a:lnT w="6350" cap="flat" cmpd="sng" algn="ctr">
+                      <a:solidFill>
+                        <a:srgbClr val="000000"/>
+                      </a:solidFill>
+                      <a:prstDash val="solid"/>
+                      <a:round/>
+                      <a:headEnd type="none" w="med" len="med"/>
+                      <a:tailEnd type="none" w="med" len="med"/>
+                    </a:lnT>
+                    <a:lnB w="6350" cap="flat" cmpd="sng" algn="ctr">
+                      <a:solidFill>
+                        <a:srgbClr val="000000"/>
+                      </a:solidFill>
+                      <a:prstDash val="solid"/>
+                      <a:round/>
+                      <a:headEnd type="none" w="med" len="med"/>
+                      <a:tailEnd type="none" w="med" len="med"/>
+                    </a:lnB>
+                  </a:tcPr>
+                </a:tc>
+                <a:tc>
+                  <a:txBody>
+                    <a:bodyPr/>
+                    <a:lstStyle/>
+                    <a:p>
+                      <a:pPr algn="r" fontAlgn="b"/>
+                      <a:r>
+                        <a:rPr lang="en-US" sz="1100" b="0" i="0" u="none" strike="noStrike" dirty="0">
+                          <a:solidFill>
+                            <a:srgbClr val="000000"/>
+                          </a:solidFill>
+                          <a:effectLst/>
+                          <a:latin typeface="Calibri" panose="020F0502020204030204" pitchFamily="34" charset="0"/>
+                        </a:rPr>
+                        <a:t>7/26/2021</a:t>
+                      </a:r>
+                    </a:p>
+                  </a:txBody>
+                  <a:tcPr marL="6208" marR="6208" marT="6208" marB="0" anchor="b">
+                    <a:lnL w="6350" cap="flat" cmpd="sng" algn="ctr">
+                      <a:solidFill>
+                        <a:srgbClr val="000000"/>
+                      </a:solidFill>
+                      <a:prstDash val="solid"/>
+                      <a:round/>
+                      <a:headEnd type="none" w="med" len="med"/>
+                      <a:tailEnd type="none" w="med" len="med"/>
+                    </a:lnL>
+                    <a:lnR w="6350" cap="flat" cmpd="sng" algn="ctr">
+                      <a:solidFill>
+                        <a:srgbClr val="000000"/>
+                      </a:solidFill>
+                      <a:prstDash val="solid"/>
+                      <a:round/>
+                      <a:headEnd type="none" w="med" len="med"/>
+                      <a:tailEnd type="none" w="med" len="med"/>
+                    </a:lnR>
+                    <a:lnT w="6350" cap="flat" cmpd="sng" algn="ctr">
+                      <a:solidFill>
+                        <a:srgbClr val="000000"/>
+                      </a:solidFill>
+                      <a:prstDash val="solid"/>
+                      <a:round/>
+                      <a:headEnd type="none" w="med" len="med"/>
+                      <a:tailEnd type="none" w="med" len="med"/>
+                    </a:lnT>
+                    <a:lnB w="6350" cap="flat" cmpd="sng" algn="ctr">
+                      <a:solidFill>
+                        <a:srgbClr val="000000"/>
+                      </a:solidFill>
+                      <a:prstDash val="solid"/>
+                      <a:round/>
+                      <a:headEnd type="none" w="med" len="med"/>
+                      <a:tailEnd type="none" w="med" len="med"/>
+                    </a:lnB>
+                  </a:tcPr>
+                </a:tc>
+                <a:tc>
+                  <a:txBody>
+                    <a:bodyPr/>
+                    <a:lstStyle/>
+                    <a:p>
+                      <a:pPr algn="r" fontAlgn="b"/>
+                      <a:r>
+                        <a:rPr lang="en-US" sz="1100" b="0" i="0" u="none" strike="noStrike" dirty="0">
+                          <a:solidFill>
+                            <a:srgbClr val="000000"/>
+                          </a:solidFill>
+                          <a:effectLst/>
+                          <a:latin typeface="Calibri" panose="020F0502020204030204" pitchFamily="34" charset="0"/>
+                        </a:rPr>
+                        <a:t>7/28/2021</a:t>
+                      </a:r>
+                    </a:p>
+                  </a:txBody>
+                  <a:tcPr marL="6208" marR="6208" marT="6208" marB="0" anchor="b">
+                    <a:lnL w="6350" cap="flat" cmpd="sng" algn="ctr">
+                      <a:solidFill>
+                        <a:srgbClr val="000000"/>
+                      </a:solidFill>
+                      <a:prstDash val="solid"/>
+                      <a:round/>
+                      <a:headEnd type="none" w="med" len="med"/>
+                      <a:tailEnd type="none" w="med" len="med"/>
+                    </a:lnL>
+                    <a:lnR w="6350" cap="flat" cmpd="sng" algn="ctr">
+                      <a:solidFill>
+                        <a:srgbClr val="000000"/>
+                      </a:solidFill>
+                      <a:prstDash val="solid"/>
+                      <a:round/>
+                      <a:headEnd type="none" w="med" len="med"/>
+                      <a:tailEnd type="none" w="med" len="med"/>
+                    </a:lnR>
+                    <a:lnT w="6350" cap="flat" cmpd="sng" algn="ctr">
+                      <a:solidFill>
+                        <a:srgbClr val="000000"/>
+                      </a:solidFill>
+                      <a:prstDash val="solid"/>
+                      <a:round/>
+                      <a:headEnd type="none" w="med" len="med"/>
+                      <a:tailEnd type="none" w="med" len="med"/>
+                    </a:lnT>
+                    <a:lnB w="6350" cap="flat" cmpd="sng" algn="ctr">
+                      <a:solidFill>
+                        <a:srgbClr val="000000"/>
+                      </a:solidFill>
+                      <a:prstDash val="solid"/>
+                      <a:round/>
+                      <a:headEnd type="none" w="med" len="med"/>
+                      <a:tailEnd type="none" w="med" len="med"/>
+                    </a:lnB>
+                  </a:tcPr>
+                </a:tc>
+                <a:tc>
+                  <a:txBody>
+                    <a:bodyPr/>
+                    <a:lstStyle/>
+                    <a:p>
+                      <a:pPr algn="l" fontAlgn="b"/>
+                      <a:r>
+                        <a:rPr lang="en-US" sz="1100" b="0" i="0" u="none" strike="noStrike" dirty="0">
+                          <a:solidFill>
+                            <a:srgbClr val="000000"/>
+                          </a:solidFill>
+                          <a:effectLst/>
+                          <a:latin typeface="Calibri" panose="020F0502020204030204" pitchFamily="34" charset="0"/>
+                        </a:rPr>
+                        <a:t> </a:t>
+                      </a:r>
+                    </a:p>
+                  </a:txBody>
+                  <a:tcPr marL="6208" marR="6208" marT="6208" marB="0" anchor="b">
+                    <a:lnL w="6350" cap="flat" cmpd="sng" algn="ctr">
+                      <a:solidFill>
+                        <a:srgbClr val="000000"/>
+                      </a:solidFill>
+                      <a:prstDash val="solid"/>
+                      <a:round/>
+                      <a:headEnd type="none" w="med" len="med"/>
+                      <a:tailEnd type="none" w="med" len="med"/>
+                    </a:lnL>
+                    <a:lnR w="6350" cap="flat" cmpd="sng" algn="ctr">
+                      <a:solidFill>
+                        <a:srgbClr val="000000"/>
+                      </a:solidFill>
+                      <a:prstDash val="solid"/>
+                      <a:round/>
+                      <a:headEnd type="none" w="med" len="med"/>
+                      <a:tailEnd type="none" w="med" len="med"/>
+                    </a:lnR>
+                    <a:lnT w="6350" cap="flat" cmpd="sng" algn="ctr">
+                      <a:solidFill>
+                        <a:srgbClr val="000000"/>
+                      </a:solidFill>
+                      <a:prstDash val="solid"/>
+                      <a:round/>
+                      <a:headEnd type="none" w="med" len="med"/>
+                      <a:tailEnd type="none" w="med" len="med"/>
+                    </a:lnT>
+                    <a:lnB w="6350" cap="flat" cmpd="sng" algn="ctr">
+                      <a:solidFill>
+                        <a:srgbClr val="000000"/>
+                      </a:solidFill>
+                      <a:prstDash val="solid"/>
+                      <a:round/>
+                      <a:headEnd type="none" w="med" len="med"/>
+                      <a:tailEnd type="none" w="med" len="med"/>
+                    </a:lnB>
+                  </a:tcPr>
+                </a:tc>
+                <a:tc>
+                  <a:txBody>
+                    <a:bodyPr/>
+                    <a:lstStyle/>
+                    <a:p>
+                      <a:pPr algn="l" fontAlgn="b"/>
+                      <a:r>
+                        <a:rPr lang="en-US" sz="1100" b="0" i="0" u="none" strike="noStrike" dirty="0">
+                          <a:solidFill>
+                            <a:srgbClr val="000000"/>
+                          </a:solidFill>
+                          <a:effectLst/>
+                          <a:latin typeface="Calibri" panose="020F0502020204030204" pitchFamily="34" charset="0"/>
+                        </a:rPr>
+                        <a:t>In-progress</a:t>
+                      </a:r>
+                    </a:p>
+                  </a:txBody>
+                  <a:tcPr marL="6208" marR="6208" marT="6208" marB="0" anchor="b">
+                    <a:lnL w="6350" cap="flat" cmpd="sng" algn="ctr">
+                      <a:solidFill>
+                        <a:srgbClr val="000000"/>
+                      </a:solidFill>
+                      <a:prstDash val="solid"/>
+                      <a:round/>
+                      <a:headEnd type="none" w="med" len="med"/>
+                      <a:tailEnd type="none" w="med" len="med"/>
+                    </a:lnL>
+                    <a:lnR w="6350" cap="flat" cmpd="sng" algn="ctr">
+                      <a:solidFill>
+                        <a:srgbClr val="000000"/>
+                      </a:solidFill>
+                      <a:prstDash val="solid"/>
+                      <a:round/>
+                      <a:headEnd type="none" w="med" len="med"/>
+                      <a:tailEnd type="none" w="med" len="med"/>
+                    </a:lnR>
+                    <a:lnT w="6350" cap="flat" cmpd="sng" algn="ctr">
+                      <a:solidFill>
+                        <a:srgbClr val="000000"/>
+                      </a:solidFill>
+                      <a:prstDash val="solid"/>
+                      <a:round/>
+                      <a:headEnd type="none" w="med" len="med"/>
+                      <a:tailEnd type="none" w="med" len="med"/>
+                    </a:lnT>
+                    <a:lnB w="6350" cap="flat" cmpd="sng" algn="ctr">
+                      <a:solidFill>
+                        <a:srgbClr val="000000"/>
+                      </a:solidFill>
+                      <a:prstDash val="solid"/>
+                      <a:round/>
+                      <a:headEnd type="none" w="med" len="med"/>
+                      <a:tailEnd type="none" w="med" len="med"/>
+                    </a:lnB>
+                  </a:tcPr>
+                </a:tc>
+                <a:extLst>
+                  <a:ext uri="{0D108BD9-81ED-4DB2-BD59-A6C34878D82A}">
+                    <a16:rowId xmlns:a16="http://schemas.microsoft.com/office/drawing/2014/main" val="2223288014"/>
+                  </a:ext>
+                </a:extLst>
+              </a:tr>
+              <a:tr h="251981">
+                <a:tc>
+                  <a:txBody>
+                    <a:bodyPr/>
+                    <a:lstStyle/>
+                    <a:p>
+                      <a:pPr algn="l" fontAlgn="b"/>
+                      <a:r>
+                        <a:rPr lang="en-US" sz="1100" b="0" i="0" u="none" strike="noStrike" dirty="0">
+                          <a:solidFill>
+                            <a:srgbClr val="000000"/>
+                          </a:solidFill>
+                          <a:effectLst/>
+                          <a:latin typeface="Calibri" panose="020F0502020204030204" pitchFamily="34" charset="0"/>
+                        </a:rPr>
+                        <a:t>E-R diagram</a:t>
+                      </a:r>
+                    </a:p>
+                  </a:txBody>
+                  <a:tcPr marL="6208" marR="6208" marT="6208" marB="0" anchor="b">
+                    <a:lnL w="6350" cap="flat" cmpd="sng" algn="ctr">
+                      <a:solidFill>
+                        <a:srgbClr val="000000"/>
+                      </a:solidFill>
+                      <a:prstDash val="solid"/>
+                      <a:round/>
+                      <a:headEnd type="none" w="med" len="med"/>
+                      <a:tailEnd type="none" w="med" len="med"/>
+                    </a:lnL>
+                    <a:lnR w="6350" cap="flat" cmpd="sng" algn="ctr">
+                      <a:solidFill>
+                        <a:srgbClr val="000000"/>
+                      </a:solidFill>
+                      <a:prstDash val="solid"/>
+                      <a:round/>
+                      <a:headEnd type="none" w="med" len="med"/>
+                      <a:tailEnd type="none" w="med" len="med"/>
+                    </a:lnR>
+                    <a:lnT w="6350" cap="flat" cmpd="sng" algn="ctr">
+                      <a:solidFill>
+                        <a:srgbClr val="000000"/>
+                      </a:solidFill>
+                      <a:prstDash val="solid"/>
+                      <a:round/>
+                      <a:headEnd type="none" w="med" len="med"/>
+                      <a:tailEnd type="none" w="med" len="med"/>
+                    </a:lnT>
+                    <a:lnB w="6350" cap="flat" cmpd="sng" algn="ctr">
+                      <a:solidFill>
+                        <a:srgbClr val="000000"/>
+                      </a:solidFill>
+                      <a:prstDash val="solid"/>
+                      <a:round/>
+                      <a:headEnd type="none" w="med" len="med"/>
+                      <a:tailEnd type="none" w="med" len="med"/>
+                    </a:lnB>
+                  </a:tcPr>
+                </a:tc>
+                <a:tc>
+                  <a:txBody>
+                    <a:bodyPr/>
+                    <a:lstStyle/>
+                    <a:p>
+                      <a:pPr algn="l" fontAlgn="b"/>
+                      <a:r>
+                        <a:rPr lang="en-US" sz="1100" b="0" i="0" u="none" strike="noStrike" dirty="0">
+                          <a:solidFill>
+                            <a:srgbClr val="000000"/>
+                          </a:solidFill>
+                          <a:effectLst/>
+                          <a:latin typeface="Calibri" panose="020F0502020204030204" pitchFamily="34" charset="0"/>
+                        </a:rPr>
+                        <a:t> </a:t>
+                      </a:r>
+                    </a:p>
+                  </a:txBody>
+                  <a:tcPr marL="6208" marR="6208" marT="6208" marB="0" anchor="b">
+                    <a:lnL w="6350" cap="flat" cmpd="sng" algn="ctr">
+                      <a:solidFill>
+                        <a:srgbClr val="000000"/>
+                      </a:solidFill>
+                      <a:prstDash val="solid"/>
+                      <a:round/>
+                      <a:headEnd type="none" w="med" len="med"/>
+                      <a:tailEnd type="none" w="med" len="med"/>
+                    </a:lnL>
+                    <a:lnR w="6350" cap="flat" cmpd="sng" algn="ctr">
+                      <a:solidFill>
+                        <a:srgbClr val="000000"/>
+                      </a:solidFill>
+                      <a:prstDash val="solid"/>
+                      <a:round/>
+                      <a:headEnd type="none" w="med" len="med"/>
+                      <a:tailEnd type="none" w="med" len="med"/>
+                    </a:lnR>
+                    <a:lnT w="6350" cap="flat" cmpd="sng" algn="ctr">
+                      <a:solidFill>
+                        <a:srgbClr val="000000"/>
+                      </a:solidFill>
+                      <a:prstDash val="solid"/>
+                      <a:round/>
+                      <a:headEnd type="none" w="med" len="med"/>
+                      <a:tailEnd type="none" w="med" len="med"/>
+                    </a:lnT>
+                    <a:lnB w="6350" cap="flat" cmpd="sng" algn="ctr">
+                      <a:solidFill>
+                        <a:srgbClr val="000000"/>
+                      </a:solidFill>
+                      <a:prstDash val="solid"/>
+                      <a:round/>
+                      <a:headEnd type="none" w="med" len="med"/>
+                      <a:tailEnd type="none" w="med" len="med"/>
+                    </a:lnB>
+                  </a:tcPr>
+                </a:tc>
+                <a:tc>
+                  <a:txBody>
+                    <a:bodyPr/>
+                    <a:lstStyle/>
+                    <a:p>
+                      <a:pPr algn="l" fontAlgn="b"/>
+                      <a:r>
+                        <a:rPr lang="en-US" sz="1100" b="0" i="0" u="none" strike="noStrike" dirty="0">
+                          <a:solidFill>
+                            <a:srgbClr val="000000"/>
+                          </a:solidFill>
+                          <a:effectLst/>
+                          <a:latin typeface="Calibri" panose="020F0502020204030204" pitchFamily="34" charset="0"/>
+                        </a:rPr>
+                        <a:t>Segment-1</a:t>
+                      </a:r>
+                    </a:p>
+                  </a:txBody>
+                  <a:tcPr marL="6208" marR="6208" marT="6208" marB="0" anchor="b">
+                    <a:lnL w="6350" cap="flat" cmpd="sng" algn="ctr">
+                      <a:solidFill>
+                        <a:srgbClr val="000000"/>
+                      </a:solidFill>
+                      <a:prstDash val="solid"/>
+                      <a:round/>
+                      <a:headEnd type="none" w="med" len="med"/>
+                      <a:tailEnd type="none" w="med" len="med"/>
+                    </a:lnL>
+                    <a:lnR w="6350" cap="flat" cmpd="sng" algn="ctr">
+                      <a:solidFill>
+                        <a:srgbClr val="000000"/>
+                      </a:solidFill>
+                      <a:prstDash val="solid"/>
+                      <a:round/>
+                      <a:headEnd type="none" w="med" len="med"/>
+                      <a:tailEnd type="none" w="med" len="med"/>
+                    </a:lnR>
+                    <a:lnT w="6350" cap="flat" cmpd="sng" algn="ctr">
+                      <a:solidFill>
+                        <a:srgbClr val="000000"/>
+                      </a:solidFill>
+                      <a:prstDash val="solid"/>
+                      <a:round/>
+                      <a:headEnd type="none" w="med" len="med"/>
+                      <a:tailEnd type="none" w="med" len="med"/>
+                    </a:lnT>
+                    <a:lnB w="6350" cap="flat" cmpd="sng" algn="ctr">
+                      <a:solidFill>
+                        <a:srgbClr val="000000"/>
+                      </a:solidFill>
+                      <a:prstDash val="solid"/>
+                      <a:round/>
+                      <a:headEnd type="none" w="med" len="med"/>
+                      <a:tailEnd type="none" w="med" len="med"/>
+                    </a:lnB>
+                  </a:tcPr>
+                </a:tc>
+                <a:tc>
+                  <a:txBody>
+                    <a:bodyPr/>
+                    <a:lstStyle/>
+                    <a:p>
+                      <a:pPr algn="l" fontAlgn="b"/>
+                      <a:r>
+                        <a:rPr lang="en-US" sz="1100" b="0" i="0" u="none" strike="noStrike" dirty="0">
+                          <a:solidFill>
+                            <a:srgbClr val="000000"/>
+                          </a:solidFill>
+                          <a:effectLst/>
+                          <a:latin typeface="Calibri" panose="020F0502020204030204" pitchFamily="34" charset="0"/>
+                        </a:rPr>
+                        <a:t>Dave</a:t>
+                      </a:r>
+                    </a:p>
+                  </a:txBody>
+                  <a:tcPr marL="6208" marR="6208" marT="6208" marB="0" anchor="b">
+                    <a:lnL w="6350" cap="flat" cmpd="sng" algn="ctr">
+                      <a:solidFill>
+                        <a:srgbClr val="000000"/>
+                      </a:solidFill>
+                      <a:prstDash val="solid"/>
+                      <a:round/>
+                      <a:headEnd type="none" w="med" len="med"/>
+                      <a:tailEnd type="none" w="med" len="med"/>
+                    </a:lnL>
+                    <a:lnR w="6350" cap="flat" cmpd="sng" algn="ctr">
+                      <a:solidFill>
+                        <a:srgbClr val="000000"/>
+                      </a:solidFill>
+                      <a:prstDash val="solid"/>
+                      <a:round/>
+                      <a:headEnd type="none" w="med" len="med"/>
+                      <a:tailEnd type="none" w="med" len="med"/>
+                    </a:lnR>
+                    <a:lnT w="6350" cap="flat" cmpd="sng" algn="ctr">
+                      <a:solidFill>
+                        <a:srgbClr val="000000"/>
+                      </a:solidFill>
+                      <a:prstDash val="solid"/>
+                      <a:round/>
+                      <a:headEnd type="none" w="med" len="med"/>
+                      <a:tailEnd type="none" w="med" len="med"/>
+                    </a:lnT>
+                    <a:lnB w="6350" cap="flat" cmpd="sng" algn="ctr">
+                      <a:solidFill>
+                        <a:srgbClr val="000000"/>
+                      </a:solidFill>
+                      <a:prstDash val="solid"/>
+                      <a:round/>
+                      <a:headEnd type="none" w="med" len="med"/>
+                      <a:tailEnd type="none" w="med" len="med"/>
+                    </a:lnB>
+                  </a:tcPr>
+                </a:tc>
+                <a:tc>
+                  <a:txBody>
+                    <a:bodyPr/>
+                    <a:lstStyle/>
+                    <a:p>
+                      <a:pPr algn="r" fontAlgn="b"/>
+                      <a:r>
+                        <a:rPr lang="en-US" sz="1100" b="0" i="0" u="none" strike="noStrike" dirty="0">
+                          <a:solidFill>
+                            <a:srgbClr val="000000"/>
+                          </a:solidFill>
+                          <a:effectLst/>
+                          <a:latin typeface="Calibri" panose="020F0502020204030204" pitchFamily="34" charset="0"/>
+                        </a:rPr>
+                        <a:t>7/27/2021</a:t>
+                      </a:r>
+                    </a:p>
+                  </a:txBody>
+                  <a:tcPr marL="6208" marR="6208" marT="6208" marB="0" anchor="b">
+                    <a:lnL w="6350" cap="flat" cmpd="sng" algn="ctr">
+                      <a:solidFill>
+                        <a:srgbClr val="000000"/>
+                      </a:solidFill>
+                      <a:prstDash val="solid"/>
+                      <a:round/>
+                      <a:headEnd type="none" w="med" len="med"/>
+                      <a:tailEnd type="none" w="med" len="med"/>
+                    </a:lnL>
+                    <a:lnR w="6350" cap="flat" cmpd="sng" algn="ctr">
+                      <a:solidFill>
+                        <a:srgbClr val="000000"/>
+                      </a:solidFill>
+                      <a:prstDash val="solid"/>
+                      <a:round/>
+                      <a:headEnd type="none" w="med" len="med"/>
+                      <a:tailEnd type="none" w="med" len="med"/>
+                    </a:lnR>
+                    <a:lnT w="6350" cap="flat" cmpd="sng" algn="ctr">
+                      <a:solidFill>
+                        <a:srgbClr val="000000"/>
+                      </a:solidFill>
+                      <a:prstDash val="solid"/>
+                      <a:round/>
+                      <a:headEnd type="none" w="med" len="med"/>
+                      <a:tailEnd type="none" w="med" len="med"/>
+                    </a:lnT>
+                    <a:lnB w="6350" cap="flat" cmpd="sng" algn="ctr">
+                      <a:solidFill>
+                        <a:srgbClr val="000000"/>
+                      </a:solidFill>
+                      <a:prstDash val="solid"/>
+                      <a:round/>
+                      <a:headEnd type="none" w="med" len="med"/>
+                      <a:tailEnd type="none" w="med" len="med"/>
+                    </a:lnB>
+                  </a:tcPr>
+                </a:tc>
+                <a:tc>
+                  <a:txBody>
+                    <a:bodyPr/>
+                    <a:lstStyle/>
+                    <a:p>
+                      <a:pPr algn="r" fontAlgn="b"/>
+                      <a:r>
+                        <a:rPr lang="en-US" sz="1100" b="0" i="0" u="none" strike="noStrike" dirty="0">
+                          <a:solidFill>
+                            <a:srgbClr val="000000"/>
+                          </a:solidFill>
+                          <a:effectLst/>
+                          <a:latin typeface="Calibri" panose="020F0502020204030204" pitchFamily="34" charset="0"/>
+                        </a:rPr>
+                        <a:t>7/28/2021</a:t>
+                      </a:r>
+                    </a:p>
+                  </a:txBody>
+                  <a:tcPr marL="6208" marR="6208" marT="6208" marB="0" anchor="b">
+                    <a:lnL w="6350" cap="flat" cmpd="sng" algn="ctr">
+                      <a:solidFill>
+                        <a:srgbClr val="000000"/>
+                      </a:solidFill>
+                      <a:prstDash val="solid"/>
+                      <a:round/>
+                      <a:headEnd type="none" w="med" len="med"/>
+                      <a:tailEnd type="none" w="med" len="med"/>
+                    </a:lnL>
+                    <a:lnR w="6350" cap="flat" cmpd="sng" algn="ctr">
+                      <a:solidFill>
+                        <a:srgbClr val="000000"/>
+                      </a:solidFill>
+                      <a:prstDash val="solid"/>
+                      <a:round/>
+                      <a:headEnd type="none" w="med" len="med"/>
+                      <a:tailEnd type="none" w="med" len="med"/>
+                    </a:lnR>
+                    <a:lnT w="6350" cap="flat" cmpd="sng" algn="ctr">
+                      <a:solidFill>
+                        <a:srgbClr val="000000"/>
+                      </a:solidFill>
+                      <a:prstDash val="solid"/>
+                      <a:round/>
+                      <a:headEnd type="none" w="med" len="med"/>
+                      <a:tailEnd type="none" w="med" len="med"/>
+                    </a:lnT>
+                    <a:lnB w="6350" cap="flat" cmpd="sng" algn="ctr">
+                      <a:solidFill>
+                        <a:srgbClr val="000000"/>
+                      </a:solidFill>
+                      <a:prstDash val="solid"/>
+                      <a:round/>
+                      <a:headEnd type="none" w="med" len="med"/>
+                      <a:tailEnd type="none" w="med" len="med"/>
+                    </a:lnB>
+                  </a:tcPr>
+                </a:tc>
+                <a:tc>
+                  <a:txBody>
+                    <a:bodyPr/>
+                    <a:lstStyle/>
+                    <a:p>
+                      <a:pPr algn="l" fontAlgn="b"/>
+                      <a:r>
+                        <a:rPr lang="en-US" sz="1100" b="0" i="0" u="none" strike="noStrike" dirty="0">
+                          <a:solidFill>
+                            <a:srgbClr val="000000"/>
+                          </a:solidFill>
+                          <a:effectLst/>
+                          <a:latin typeface="Calibri" panose="020F0502020204030204" pitchFamily="34" charset="0"/>
+                        </a:rPr>
+                        <a:t> </a:t>
+                      </a:r>
+                    </a:p>
+                  </a:txBody>
+                  <a:tcPr marL="6208" marR="6208" marT="6208" marB="0" anchor="b">
+                    <a:lnL w="6350" cap="flat" cmpd="sng" algn="ctr">
+                      <a:solidFill>
+                        <a:srgbClr val="000000"/>
+                      </a:solidFill>
+                      <a:prstDash val="solid"/>
+                      <a:round/>
+                      <a:headEnd type="none" w="med" len="med"/>
+                      <a:tailEnd type="none" w="med" len="med"/>
+                    </a:lnL>
+                    <a:lnR w="6350" cap="flat" cmpd="sng" algn="ctr">
+                      <a:solidFill>
+                        <a:srgbClr val="000000"/>
+                      </a:solidFill>
+                      <a:prstDash val="solid"/>
+                      <a:round/>
+                      <a:headEnd type="none" w="med" len="med"/>
+                      <a:tailEnd type="none" w="med" len="med"/>
+                    </a:lnR>
+                    <a:lnT w="6350" cap="flat" cmpd="sng" algn="ctr">
+                      <a:solidFill>
+                        <a:srgbClr val="000000"/>
+                      </a:solidFill>
+                      <a:prstDash val="solid"/>
+                      <a:round/>
+                      <a:headEnd type="none" w="med" len="med"/>
+                      <a:tailEnd type="none" w="med" len="med"/>
+                    </a:lnT>
+                    <a:lnB w="6350" cap="flat" cmpd="sng" algn="ctr">
+                      <a:solidFill>
+                        <a:srgbClr val="000000"/>
+                      </a:solidFill>
+                      <a:prstDash val="solid"/>
+                      <a:round/>
+                      <a:headEnd type="none" w="med" len="med"/>
+                      <a:tailEnd type="none" w="med" len="med"/>
+                    </a:lnB>
+                  </a:tcPr>
+                </a:tc>
+                <a:tc>
+                  <a:txBody>
+                    <a:bodyPr/>
+                    <a:lstStyle/>
+                    <a:p>
+                      <a:pPr algn="l" fontAlgn="b"/>
+                      <a:r>
+                        <a:rPr lang="en-US" sz="1100" b="0" i="0" u="none" strike="noStrike" dirty="0">
+                          <a:solidFill>
+                            <a:srgbClr val="000000"/>
+                          </a:solidFill>
+                          <a:effectLst/>
+                          <a:latin typeface="Calibri" panose="020F0502020204030204" pitchFamily="34" charset="0"/>
+                        </a:rPr>
+                        <a:t>In-progress</a:t>
+                      </a:r>
+                    </a:p>
+                  </a:txBody>
+                  <a:tcPr marL="6208" marR="6208" marT="6208" marB="0" anchor="b">
+                    <a:lnL w="6350" cap="flat" cmpd="sng" algn="ctr">
+                      <a:solidFill>
+                        <a:srgbClr val="000000"/>
+                      </a:solidFill>
+                      <a:prstDash val="solid"/>
+                      <a:round/>
+                      <a:headEnd type="none" w="med" len="med"/>
+                      <a:tailEnd type="none" w="med" len="med"/>
+                    </a:lnL>
+                    <a:lnR w="6350" cap="flat" cmpd="sng" algn="ctr">
+                      <a:solidFill>
+                        <a:srgbClr val="000000"/>
+                      </a:solidFill>
+                      <a:prstDash val="solid"/>
+                      <a:round/>
+                      <a:headEnd type="none" w="med" len="med"/>
+                      <a:tailEnd type="none" w="med" len="med"/>
+                    </a:lnR>
+                    <a:lnT w="6350" cap="flat" cmpd="sng" algn="ctr">
+                      <a:solidFill>
+                        <a:srgbClr val="000000"/>
+                      </a:solidFill>
+                      <a:prstDash val="solid"/>
+                      <a:round/>
+                      <a:headEnd type="none" w="med" len="med"/>
+                      <a:tailEnd type="none" w="med" len="med"/>
+                    </a:lnT>
+                    <a:lnB w="6350" cap="flat" cmpd="sng" algn="ctr">
+                      <a:solidFill>
+                        <a:srgbClr val="000000"/>
+                      </a:solidFill>
+                      <a:prstDash val="solid"/>
+                      <a:round/>
+                      <a:headEnd type="none" w="med" len="med"/>
+                      <a:tailEnd type="none" w="med" len="med"/>
+                    </a:lnB>
+                  </a:tcPr>
+                </a:tc>
+                <a:extLst>
+                  <a:ext uri="{0D108BD9-81ED-4DB2-BD59-A6C34878D82A}">
+                    <a16:rowId xmlns:a16="http://schemas.microsoft.com/office/drawing/2014/main" val="3677256792"/>
+                  </a:ext>
+                </a:extLst>
+              </a:tr>
+              <a:tr h="251981">
+                <a:tc>
+                  <a:txBody>
+                    <a:bodyPr/>
+                    <a:lstStyle/>
+                    <a:p>
+                      <a:pPr algn="l" fontAlgn="b"/>
+                      <a:r>
+                        <a:rPr lang="en-US" sz="1100" b="0" i="0" u="none" strike="noStrike" dirty="0">
+                          <a:solidFill>
+                            <a:srgbClr val="000000"/>
+                          </a:solidFill>
+                          <a:effectLst/>
+                          <a:latin typeface="Calibri" panose="020F0502020204030204" pitchFamily="34" charset="0"/>
+                        </a:rPr>
+                        <a:t>Create scripts for DB &amp; distribute</a:t>
+                      </a:r>
+                    </a:p>
+                  </a:txBody>
+                  <a:tcPr marL="6208" marR="6208" marT="6208" marB="0" anchor="b">
+                    <a:lnL w="6350" cap="flat" cmpd="sng" algn="ctr">
+                      <a:solidFill>
+                        <a:srgbClr val="000000"/>
+                      </a:solidFill>
+                      <a:prstDash val="solid"/>
+                      <a:round/>
+                      <a:headEnd type="none" w="med" len="med"/>
+                      <a:tailEnd type="none" w="med" len="med"/>
+                    </a:lnL>
+                    <a:lnR w="6350" cap="flat" cmpd="sng" algn="ctr">
+                      <a:solidFill>
+                        <a:srgbClr val="000000"/>
+                      </a:solidFill>
+                      <a:prstDash val="solid"/>
+                      <a:round/>
+                      <a:headEnd type="none" w="med" len="med"/>
+                      <a:tailEnd type="none" w="med" len="med"/>
+                    </a:lnR>
+                    <a:lnT w="6350" cap="flat" cmpd="sng" algn="ctr">
+                      <a:solidFill>
+                        <a:srgbClr val="000000"/>
+                      </a:solidFill>
+                      <a:prstDash val="solid"/>
+                      <a:round/>
+                      <a:headEnd type="none" w="med" len="med"/>
+                      <a:tailEnd type="none" w="med" len="med"/>
+                    </a:lnT>
+                    <a:lnB w="6350" cap="flat" cmpd="sng" algn="ctr">
+                      <a:solidFill>
+                        <a:srgbClr val="000000"/>
+                      </a:solidFill>
+                      <a:prstDash val="solid"/>
+                      <a:round/>
+                      <a:headEnd type="none" w="med" len="med"/>
+                      <a:tailEnd type="none" w="med" len="med"/>
+                    </a:lnB>
+                  </a:tcPr>
+                </a:tc>
+                <a:tc>
+                  <a:txBody>
+                    <a:bodyPr/>
+                    <a:lstStyle/>
+                    <a:p>
+                      <a:pPr algn="l" fontAlgn="b"/>
+                      <a:r>
+                        <a:rPr lang="en-US" sz="1100" b="0" i="0" u="none" strike="noStrike" dirty="0">
+                          <a:solidFill>
+                            <a:srgbClr val="000000"/>
+                          </a:solidFill>
+                          <a:effectLst/>
+                          <a:latin typeface="Calibri" panose="020F0502020204030204" pitchFamily="34" charset="0"/>
+                        </a:rPr>
+                        <a:t> </a:t>
+                      </a:r>
+                    </a:p>
+                  </a:txBody>
+                  <a:tcPr marL="6208" marR="6208" marT="6208" marB="0" anchor="b">
+                    <a:lnL w="6350" cap="flat" cmpd="sng" algn="ctr">
+                      <a:solidFill>
+                        <a:srgbClr val="000000"/>
+                      </a:solidFill>
+                      <a:prstDash val="solid"/>
+                      <a:round/>
+                      <a:headEnd type="none" w="med" len="med"/>
+                      <a:tailEnd type="none" w="med" len="med"/>
+                    </a:lnL>
+                    <a:lnR w="6350" cap="flat" cmpd="sng" algn="ctr">
+                      <a:solidFill>
+                        <a:srgbClr val="000000"/>
+                      </a:solidFill>
+                      <a:prstDash val="solid"/>
+                      <a:round/>
+                      <a:headEnd type="none" w="med" len="med"/>
+                      <a:tailEnd type="none" w="med" len="med"/>
+                    </a:lnR>
+                    <a:lnT w="6350" cap="flat" cmpd="sng" algn="ctr">
+                      <a:solidFill>
+                        <a:srgbClr val="000000"/>
+                      </a:solidFill>
+                      <a:prstDash val="solid"/>
+                      <a:round/>
+                      <a:headEnd type="none" w="med" len="med"/>
+                      <a:tailEnd type="none" w="med" len="med"/>
+                    </a:lnT>
+                    <a:lnB w="6350" cap="flat" cmpd="sng" algn="ctr">
+                      <a:solidFill>
+                        <a:srgbClr val="000000"/>
+                      </a:solidFill>
+                      <a:prstDash val="solid"/>
+                      <a:round/>
+                      <a:headEnd type="none" w="med" len="med"/>
+                      <a:tailEnd type="none" w="med" len="med"/>
+                    </a:lnB>
+                  </a:tcPr>
+                </a:tc>
+                <a:tc>
+                  <a:txBody>
+                    <a:bodyPr/>
+                    <a:lstStyle/>
+                    <a:p>
+                      <a:pPr algn="l" fontAlgn="b"/>
+                      <a:r>
+                        <a:rPr lang="en-US" sz="1100" b="0" i="0" u="none" strike="noStrike" dirty="0">
+                          <a:solidFill>
+                            <a:srgbClr val="000000"/>
+                          </a:solidFill>
+                          <a:effectLst/>
+                          <a:latin typeface="Calibri" panose="020F0502020204030204" pitchFamily="34" charset="0"/>
+                        </a:rPr>
+                        <a:t>Segment-1</a:t>
+                      </a:r>
+                    </a:p>
+                  </a:txBody>
+                  <a:tcPr marL="6208" marR="6208" marT="6208" marB="0" anchor="b">
+                    <a:lnL w="6350" cap="flat" cmpd="sng" algn="ctr">
+                      <a:solidFill>
+                        <a:srgbClr val="000000"/>
+                      </a:solidFill>
+                      <a:prstDash val="solid"/>
+                      <a:round/>
+                      <a:headEnd type="none" w="med" len="med"/>
+                      <a:tailEnd type="none" w="med" len="med"/>
+                    </a:lnL>
+                    <a:lnR w="6350" cap="flat" cmpd="sng" algn="ctr">
+                      <a:solidFill>
+                        <a:srgbClr val="000000"/>
+                      </a:solidFill>
+                      <a:prstDash val="solid"/>
+                      <a:round/>
+                      <a:headEnd type="none" w="med" len="med"/>
+                      <a:tailEnd type="none" w="med" len="med"/>
+                    </a:lnR>
+                    <a:lnT w="6350" cap="flat" cmpd="sng" algn="ctr">
+                      <a:solidFill>
+                        <a:srgbClr val="000000"/>
+                      </a:solidFill>
+                      <a:prstDash val="solid"/>
+                      <a:round/>
+                      <a:headEnd type="none" w="med" len="med"/>
+                      <a:tailEnd type="none" w="med" len="med"/>
+                    </a:lnT>
+                    <a:lnB w="6350" cap="flat" cmpd="sng" algn="ctr">
+                      <a:solidFill>
+                        <a:srgbClr val="000000"/>
+                      </a:solidFill>
+                      <a:prstDash val="solid"/>
+                      <a:round/>
+                      <a:headEnd type="none" w="med" len="med"/>
+                      <a:tailEnd type="none" w="med" len="med"/>
+                    </a:lnB>
+                  </a:tcPr>
+                </a:tc>
+                <a:tc>
+                  <a:txBody>
+                    <a:bodyPr/>
+                    <a:lstStyle/>
+                    <a:p>
+                      <a:pPr algn="l" fontAlgn="b"/>
+                      <a:r>
+                        <a:rPr lang="en-US" sz="1100" b="0" i="0" u="none" strike="noStrike" dirty="0">
+                          <a:solidFill>
+                            <a:srgbClr val="000000"/>
+                          </a:solidFill>
+                          <a:effectLst/>
+                          <a:latin typeface="Calibri" panose="020F0502020204030204" pitchFamily="34" charset="0"/>
+                        </a:rPr>
+                        <a:t>Dave</a:t>
+                      </a:r>
+                    </a:p>
+                  </a:txBody>
+                  <a:tcPr marL="6208" marR="6208" marT="6208" marB="0" anchor="b">
+                    <a:lnL w="6350" cap="flat" cmpd="sng" algn="ctr">
+                      <a:solidFill>
+                        <a:srgbClr val="000000"/>
+                      </a:solidFill>
+                      <a:prstDash val="solid"/>
+                      <a:round/>
+                      <a:headEnd type="none" w="med" len="med"/>
+                      <a:tailEnd type="none" w="med" len="med"/>
+                    </a:lnL>
+                    <a:lnR w="6350" cap="flat" cmpd="sng" algn="ctr">
+                      <a:solidFill>
+                        <a:srgbClr val="000000"/>
+                      </a:solidFill>
+                      <a:prstDash val="solid"/>
+                      <a:round/>
+                      <a:headEnd type="none" w="med" len="med"/>
+                      <a:tailEnd type="none" w="med" len="med"/>
+                    </a:lnR>
+                    <a:lnT w="6350" cap="flat" cmpd="sng" algn="ctr">
+                      <a:solidFill>
+                        <a:srgbClr val="000000"/>
+                      </a:solidFill>
+                      <a:prstDash val="solid"/>
+                      <a:round/>
+                      <a:headEnd type="none" w="med" len="med"/>
+                      <a:tailEnd type="none" w="med" len="med"/>
+                    </a:lnT>
+                    <a:lnB w="6350" cap="flat" cmpd="sng" algn="ctr">
+                      <a:solidFill>
+                        <a:srgbClr val="000000"/>
+                      </a:solidFill>
+                      <a:prstDash val="solid"/>
+                      <a:round/>
+                      <a:headEnd type="none" w="med" len="med"/>
+                      <a:tailEnd type="none" w="med" len="med"/>
+                    </a:lnB>
+                  </a:tcPr>
+                </a:tc>
+                <a:tc>
+                  <a:txBody>
+                    <a:bodyPr/>
+                    <a:lstStyle/>
+                    <a:p>
+                      <a:pPr algn="r" fontAlgn="b"/>
+                      <a:r>
+                        <a:rPr lang="en-US" sz="1100" b="0" i="0" u="none" strike="noStrike" dirty="0">
+                          <a:solidFill>
+                            <a:srgbClr val="000000"/>
+                          </a:solidFill>
+                          <a:effectLst/>
+                          <a:latin typeface="Calibri" panose="020F0502020204030204" pitchFamily="34" charset="0"/>
+                        </a:rPr>
+                        <a:t>7/27/2021</a:t>
+                      </a:r>
+                    </a:p>
+                  </a:txBody>
+                  <a:tcPr marL="6208" marR="6208" marT="6208" marB="0" anchor="b">
+                    <a:lnL w="6350" cap="flat" cmpd="sng" algn="ctr">
+                      <a:solidFill>
+                        <a:srgbClr val="000000"/>
+                      </a:solidFill>
+                      <a:prstDash val="solid"/>
+                      <a:round/>
+                      <a:headEnd type="none" w="med" len="med"/>
+                      <a:tailEnd type="none" w="med" len="med"/>
+                    </a:lnL>
+                    <a:lnR w="6350" cap="flat" cmpd="sng" algn="ctr">
+                      <a:solidFill>
+                        <a:srgbClr val="000000"/>
+                      </a:solidFill>
+                      <a:prstDash val="solid"/>
+                      <a:round/>
+                      <a:headEnd type="none" w="med" len="med"/>
+                      <a:tailEnd type="none" w="med" len="med"/>
+                    </a:lnR>
+                    <a:lnT w="6350" cap="flat" cmpd="sng" algn="ctr">
+                      <a:solidFill>
+                        <a:srgbClr val="000000"/>
+                      </a:solidFill>
+                      <a:prstDash val="solid"/>
+                      <a:round/>
+                      <a:headEnd type="none" w="med" len="med"/>
+                      <a:tailEnd type="none" w="med" len="med"/>
+                    </a:lnT>
+                    <a:lnB w="6350" cap="flat" cmpd="sng" algn="ctr">
+                      <a:solidFill>
+                        <a:srgbClr val="000000"/>
+                      </a:solidFill>
+                      <a:prstDash val="solid"/>
+                      <a:round/>
+                      <a:headEnd type="none" w="med" len="med"/>
+                      <a:tailEnd type="none" w="med" len="med"/>
+                    </a:lnB>
+                  </a:tcPr>
+                </a:tc>
+                <a:tc>
+                  <a:txBody>
+                    <a:bodyPr/>
+                    <a:lstStyle/>
+                    <a:p>
+                      <a:pPr algn="r" fontAlgn="b"/>
+                      <a:r>
+                        <a:rPr lang="en-US" sz="1100" b="0" i="0" u="none" strike="noStrike" dirty="0">
+                          <a:solidFill>
+                            <a:srgbClr val="000000"/>
+                          </a:solidFill>
+                          <a:effectLst/>
+                          <a:latin typeface="Calibri" panose="020F0502020204030204" pitchFamily="34" charset="0"/>
+                        </a:rPr>
+                        <a:t>7/28/2021</a:t>
+                      </a:r>
+                    </a:p>
+                  </a:txBody>
+                  <a:tcPr marL="6208" marR="6208" marT="6208" marB="0" anchor="b">
+                    <a:lnL w="6350" cap="flat" cmpd="sng" algn="ctr">
+                      <a:solidFill>
+                        <a:srgbClr val="000000"/>
+                      </a:solidFill>
+                      <a:prstDash val="solid"/>
+                      <a:round/>
+                      <a:headEnd type="none" w="med" len="med"/>
+                      <a:tailEnd type="none" w="med" len="med"/>
+                    </a:lnL>
+                    <a:lnR w="6350" cap="flat" cmpd="sng" algn="ctr">
+                      <a:solidFill>
+                        <a:srgbClr val="000000"/>
+                      </a:solidFill>
+                      <a:prstDash val="solid"/>
+                      <a:round/>
+                      <a:headEnd type="none" w="med" len="med"/>
+                      <a:tailEnd type="none" w="med" len="med"/>
+                    </a:lnR>
+                    <a:lnT w="6350" cap="flat" cmpd="sng" algn="ctr">
+                      <a:solidFill>
+                        <a:srgbClr val="000000"/>
+                      </a:solidFill>
+                      <a:prstDash val="solid"/>
+                      <a:round/>
+                      <a:headEnd type="none" w="med" len="med"/>
+                      <a:tailEnd type="none" w="med" len="med"/>
+                    </a:lnT>
+                    <a:lnB w="6350" cap="flat" cmpd="sng" algn="ctr">
+                      <a:solidFill>
+                        <a:srgbClr val="000000"/>
+                      </a:solidFill>
+                      <a:prstDash val="solid"/>
+                      <a:round/>
+                      <a:headEnd type="none" w="med" len="med"/>
+                      <a:tailEnd type="none" w="med" len="med"/>
+                    </a:lnB>
+                  </a:tcPr>
+                </a:tc>
+                <a:tc>
+                  <a:txBody>
+                    <a:bodyPr/>
+                    <a:lstStyle/>
+                    <a:p>
+                      <a:pPr algn="l" fontAlgn="b"/>
+                      <a:r>
+                        <a:rPr lang="en-US" sz="1100" b="0" i="0" u="none" strike="noStrike" dirty="0">
+                          <a:solidFill>
+                            <a:srgbClr val="000000"/>
+                          </a:solidFill>
+                          <a:effectLst/>
+                          <a:latin typeface="Calibri" panose="020F0502020204030204" pitchFamily="34" charset="0"/>
+                        </a:rPr>
+                        <a:t> </a:t>
+                      </a:r>
+                    </a:p>
+                  </a:txBody>
+                  <a:tcPr marL="6208" marR="6208" marT="6208" marB="0" anchor="b">
+                    <a:lnL w="6350" cap="flat" cmpd="sng" algn="ctr">
+                      <a:solidFill>
+                        <a:srgbClr val="000000"/>
+                      </a:solidFill>
+                      <a:prstDash val="solid"/>
+                      <a:round/>
+                      <a:headEnd type="none" w="med" len="med"/>
+                      <a:tailEnd type="none" w="med" len="med"/>
+                    </a:lnL>
+                    <a:lnR w="6350" cap="flat" cmpd="sng" algn="ctr">
+                      <a:solidFill>
+                        <a:srgbClr val="000000"/>
+                      </a:solidFill>
+                      <a:prstDash val="solid"/>
+                      <a:round/>
+                      <a:headEnd type="none" w="med" len="med"/>
+                      <a:tailEnd type="none" w="med" len="med"/>
+                    </a:lnR>
+                    <a:lnT w="6350" cap="flat" cmpd="sng" algn="ctr">
+                      <a:solidFill>
+                        <a:srgbClr val="000000"/>
+                      </a:solidFill>
+                      <a:prstDash val="solid"/>
+                      <a:round/>
+                      <a:headEnd type="none" w="med" len="med"/>
+                      <a:tailEnd type="none" w="med" len="med"/>
+                    </a:lnT>
+                    <a:lnB w="6350" cap="flat" cmpd="sng" algn="ctr">
+                      <a:solidFill>
+                        <a:srgbClr val="000000"/>
+                      </a:solidFill>
+                      <a:prstDash val="solid"/>
+                      <a:round/>
+                      <a:headEnd type="none" w="med" len="med"/>
+                      <a:tailEnd type="none" w="med" len="med"/>
+                    </a:lnB>
+                  </a:tcPr>
+                </a:tc>
+                <a:tc>
+                  <a:txBody>
+                    <a:bodyPr/>
+                    <a:lstStyle/>
+                    <a:p>
+                      <a:pPr algn="l" fontAlgn="b"/>
+                      <a:r>
+                        <a:rPr lang="en-US" sz="1100" b="0" i="0" u="none" strike="noStrike" dirty="0">
+                          <a:solidFill>
+                            <a:srgbClr val="000000"/>
+                          </a:solidFill>
+                          <a:effectLst/>
+                          <a:latin typeface="Calibri" panose="020F0502020204030204" pitchFamily="34" charset="0"/>
+                        </a:rPr>
+                        <a:t>In-progress</a:t>
+                      </a:r>
+                    </a:p>
+                  </a:txBody>
+                  <a:tcPr marL="6208" marR="6208" marT="6208" marB="0" anchor="b">
+                    <a:lnL w="6350" cap="flat" cmpd="sng" algn="ctr">
+                      <a:solidFill>
+                        <a:srgbClr val="000000"/>
+                      </a:solidFill>
+                      <a:prstDash val="solid"/>
+                      <a:round/>
+                      <a:headEnd type="none" w="med" len="med"/>
+                      <a:tailEnd type="none" w="med" len="med"/>
+                    </a:lnL>
+                    <a:lnR w="6350" cap="flat" cmpd="sng" algn="ctr">
+                      <a:solidFill>
+                        <a:srgbClr val="000000"/>
+                      </a:solidFill>
+                      <a:prstDash val="solid"/>
+                      <a:round/>
+                      <a:headEnd type="none" w="med" len="med"/>
+                      <a:tailEnd type="none" w="med" len="med"/>
+                    </a:lnR>
+                    <a:lnT w="6350" cap="flat" cmpd="sng" algn="ctr">
+                      <a:solidFill>
+                        <a:srgbClr val="000000"/>
+                      </a:solidFill>
+                      <a:prstDash val="solid"/>
+                      <a:round/>
+                      <a:headEnd type="none" w="med" len="med"/>
+                      <a:tailEnd type="none" w="med" len="med"/>
+                    </a:lnT>
+                    <a:lnB w="6350" cap="flat" cmpd="sng" algn="ctr">
+                      <a:solidFill>
+                        <a:srgbClr val="000000"/>
+                      </a:solidFill>
+                      <a:prstDash val="solid"/>
+                      <a:round/>
+                      <a:headEnd type="none" w="med" len="med"/>
+                      <a:tailEnd type="none" w="med" len="med"/>
+                    </a:lnB>
+                  </a:tcPr>
+                </a:tc>
+                <a:extLst>
+                  <a:ext uri="{0D108BD9-81ED-4DB2-BD59-A6C34878D82A}">
+                    <a16:rowId xmlns:a16="http://schemas.microsoft.com/office/drawing/2014/main" val="3614520905"/>
+                  </a:ext>
+                </a:extLst>
+              </a:tr>
+              <a:tr h="251981">
+                <a:tc>
+                  <a:txBody>
+                    <a:bodyPr/>
+                    <a:lstStyle/>
+                    <a:p>
+                      <a:pPr algn="l" fontAlgn="b"/>
+                      <a:r>
+                        <a:rPr lang="en-US" sz="1100" b="0" i="0" u="none" strike="noStrike" dirty="0">
+                          <a:solidFill>
+                            <a:srgbClr val="000000"/>
+                          </a:solidFill>
+                          <a:effectLst/>
+                          <a:latin typeface="Calibri" panose="020F0502020204030204" pitchFamily="34" charset="0"/>
+                        </a:rPr>
+                        <a:t>Blueprint of ML</a:t>
+                      </a:r>
+                    </a:p>
+                  </a:txBody>
+                  <a:tcPr marL="6208" marR="6208" marT="6208" marB="0" anchor="b">
+                    <a:lnL w="6350" cap="flat" cmpd="sng" algn="ctr">
+                      <a:solidFill>
+                        <a:srgbClr val="000000"/>
+                      </a:solidFill>
+                      <a:prstDash val="solid"/>
+                      <a:round/>
+                      <a:headEnd type="none" w="med" len="med"/>
+                      <a:tailEnd type="none" w="med" len="med"/>
+                    </a:lnL>
+                    <a:lnR w="6350" cap="flat" cmpd="sng" algn="ctr">
+                      <a:solidFill>
+                        <a:srgbClr val="000000"/>
+                      </a:solidFill>
+                      <a:prstDash val="solid"/>
+                      <a:round/>
+                      <a:headEnd type="none" w="med" len="med"/>
+                      <a:tailEnd type="none" w="med" len="med"/>
+                    </a:lnR>
+                    <a:lnT w="6350" cap="flat" cmpd="sng" algn="ctr">
+                      <a:solidFill>
+                        <a:srgbClr val="000000"/>
+                      </a:solidFill>
+                      <a:prstDash val="solid"/>
+                      <a:round/>
+                      <a:headEnd type="none" w="med" len="med"/>
+                      <a:tailEnd type="none" w="med" len="med"/>
+                    </a:lnT>
+                    <a:lnB w="6350" cap="flat" cmpd="sng" algn="ctr">
+                      <a:solidFill>
+                        <a:srgbClr val="000000"/>
+                      </a:solidFill>
+                      <a:prstDash val="solid"/>
+                      <a:round/>
+                      <a:headEnd type="none" w="med" len="med"/>
+                      <a:tailEnd type="none" w="med" len="med"/>
+                    </a:lnB>
+                  </a:tcPr>
+                </a:tc>
+                <a:tc>
+                  <a:txBody>
+                    <a:bodyPr/>
+                    <a:lstStyle/>
+                    <a:p>
+                      <a:pPr algn="l" fontAlgn="b"/>
+                      <a:r>
+                        <a:rPr lang="en-US" sz="1100" b="0" i="0" u="none" strike="noStrike" dirty="0">
+                          <a:solidFill>
+                            <a:srgbClr val="000000"/>
+                          </a:solidFill>
+                          <a:effectLst/>
+                          <a:latin typeface="Calibri" panose="020F0502020204030204" pitchFamily="34" charset="0"/>
+                        </a:rPr>
+                        <a:t> </a:t>
+                      </a:r>
+                    </a:p>
+                  </a:txBody>
+                  <a:tcPr marL="6208" marR="6208" marT="6208" marB="0" anchor="b">
+                    <a:lnL w="6350" cap="flat" cmpd="sng" algn="ctr">
+                      <a:solidFill>
+                        <a:srgbClr val="000000"/>
+                      </a:solidFill>
+                      <a:prstDash val="solid"/>
+                      <a:round/>
+                      <a:headEnd type="none" w="med" len="med"/>
+                      <a:tailEnd type="none" w="med" len="med"/>
+                    </a:lnL>
+                    <a:lnR w="6350" cap="flat" cmpd="sng" algn="ctr">
+                      <a:solidFill>
+                        <a:srgbClr val="000000"/>
+                      </a:solidFill>
+                      <a:prstDash val="solid"/>
+                      <a:round/>
+                      <a:headEnd type="none" w="med" len="med"/>
+                      <a:tailEnd type="none" w="med" len="med"/>
+                    </a:lnR>
+                    <a:lnT w="6350" cap="flat" cmpd="sng" algn="ctr">
+                      <a:solidFill>
+                        <a:srgbClr val="000000"/>
+                      </a:solidFill>
+                      <a:prstDash val="solid"/>
+                      <a:round/>
+                      <a:headEnd type="none" w="med" len="med"/>
+                      <a:tailEnd type="none" w="med" len="med"/>
+                    </a:lnT>
+                    <a:lnB w="6350" cap="flat" cmpd="sng" algn="ctr">
+                      <a:solidFill>
+                        <a:srgbClr val="000000"/>
+                      </a:solidFill>
+                      <a:prstDash val="solid"/>
+                      <a:round/>
+                      <a:headEnd type="none" w="med" len="med"/>
+                      <a:tailEnd type="none" w="med" len="med"/>
+                    </a:lnB>
+                  </a:tcPr>
+                </a:tc>
+                <a:tc>
+                  <a:txBody>
+                    <a:bodyPr/>
+                    <a:lstStyle/>
+                    <a:p>
+                      <a:pPr algn="l" fontAlgn="b"/>
+                      <a:r>
+                        <a:rPr lang="en-US" sz="1100" b="0" i="0" u="none" strike="noStrike" dirty="0">
+                          <a:solidFill>
+                            <a:srgbClr val="000000"/>
+                          </a:solidFill>
+                          <a:effectLst/>
+                          <a:latin typeface="Calibri" panose="020F0502020204030204" pitchFamily="34" charset="0"/>
+                        </a:rPr>
+                        <a:t>Segment-1</a:t>
+                      </a:r>
+                    </a:p>
+                  </a:txBody>
+                  <a:tcPr marL="6208" marR="6208" marT="6208" marB="0" anchor="b">
+                    <a:lnL w="6350" cap="flat" cmpd="sng" algn="ctr">
+                      <a:solidFill>
+                        <a:srgbClr val="000000"/>
+                      </a:solidFill>
+                      <a:prstDash val="solid"/>
+                      <a:round/>
+                      <a:headEnd type="none" w="med" len="med"/>
+                      <a:tailEnd type="none" w="med" len="med"/>
+                    </a:lnL>
+                    <a:lnR w="6350" cap="flat" cmpd="sng" algn="ctr">
+                      <a:solidFill>
+                        <a:srgbClr val="000000"/>
+                      </a:solidFill>
+                      <a:prstDash val="solid"/>
+                      <a:round/>
+                      <a:headEnd type="none" w="med" len="med"/>
+                      <a:tailEnd type="none" w="med" len="med"/>
+                    </a:lnR>
+                    <a:lnT w="6350" cap="flat" cmpd="sng" algn="ctr">
+                      <a:solidFill>
+                        <a:srgbClr val="000000"/>
+                      </a:solidFill>
+                      <a:prstDash val="solid"/>
+                      <a:round/>
+                      <a:headEnd type="none" w="med" len="med"/>
+                      <a:tailEnd type="none" w="med" len="med"/>
+                    </a:lnT>
+                    <a:lnB w="6350" cap="flat" cmpd="sng" algn="ctr">
+                      <a:solidFill>
+                        <a:srgbClr val="000000"/>
+                      </a:solidFill>
+                      <a:prstDash val="solid"/>
+                      <a:round/>
+                      <a:headEnd type="none" w="med" len="med"/>
+                      <a:tailEnd type="none" w="med" len="med"/>
+                    </a:lnB>
+                  </a:tcPr>
+                </a:tc>
+                <a:tc>
+                  <a:txBody>
+                    <a:bodyPr/>
+                    <a:lstStyle/>
+                    <a:p>
+                      <a:pPr algn="l" fontAlgn="b"/>
+                      <a:r>
+                        <a:rPr lang="en-US" sz="1100" b="0" i="0" u="none" strike="noStrike" dirty="0">
+                          <a:solidFill>
+                            <a:srgbClr val="000000"/>
+                          </a:solidFill>
+                          <a:effectLst/>
+                          <a:latin typeface="Calibri" panose="020F0502020204030204" pitchFamily="34" charset="0"/>
+                        </a:rPr>
+                        <a:t>Asit</a:t>
+                      </a:r>
+                    </a:p>
+                  </a:txBody>
+                  <a:tcPr marL="6208" marR="6208" marT="6208" marB="0" anchor="b">
+                    <a:lnL w="6350" cap="flat" cmpd="sng" algn="ctr">
+                      <a:solidFill>
+                        <a:srgbClr val="000000"/>
+                      </a:solidFill>
+                      <a:prstDash val="solid"/>
+                      <a:round/>
+                      <a:headEnd type="none" w="med" len="med"/>
+                      <a:tailEnd type="none" w="med" len="med"/>
+                    </a:lnL>
+                    <a:lnR w="6350" cap="flat" cmpd="sng" algn="ctr">
+                      <a:solidFill>
+                        <a:srgbClr val="000000"/>
+                      </a:solidFill>
+                      <a:prstDash val="solid"/>
+                      <a:round/>
+                      <a:headEnd type="none" w="med" len="med"/>
+                      <a:tailEnd type="none" w="med" len="med"/>
+                    </a:lnR>
+                    <a:lnT w="6350" cap="flat" cmpd="sng" algn="ctr">
+                      <a:solidFill>
+                        <a:srgbClr val="000000"/>
+                      </a:solidFill>
+                      <a:prstDash val="solid"/>
+                      <a:round/>
+                      <a:headEnd type="none" w="med" len="med"/>
+                      <a:tailEnd type="none" w="med" len="med"/>
+                    </a:lnT>
+                    <a:lnB w="6350" cap="flat" cmpd="sng" algn="ctr">
+                      <a:solidFill>
+                        <a:srgbClr val="000000"/>
+                      </a:solidFill>
+                      <a:prstDash val="solid"/>
+                      <a:round/>
+                      <a:headEnd type="none" w="med" len="med"/>
+                      <a:tailEnd type="none" w="med" len="med"/>
+                    </a:lnB>
+                  </a:tcPr>
+                </a:tc>
+                <a:tc>
+                  <a:txBody>
+                    <a:bodyPr/>
+                    <a:lstStyle/>
+                    <a:p>
+                      <a:pPr algn="l" fontAlgn="b"/>
+                      <a:r>
+                        <a:rPr lang="en-US" sz="1100" b="0" i="0" u="none" strike="noStrike" dirty="0">
+                          <a:solidFill>
+                            <a:srgbClr val="000000"/>
+                          </a:solidFill>
+                          <a:effectLst/>
+                          <a:latin typeface="Calibri" panose="020F0502020204030204" pitchFamily="34" charset="0"/>
+                        </a:rPr>
+                        <a:t> </a:t>
+                      </a:r>
+                    </a:p>
+                  </a:txBody>
+                  <a:tcPr marL="6208" marR="6208" marT="6208" marB="0" anchor="b">
+                    <a:lnL w="6350" cap="flat" cmpd="sng" algn="ctr">
+                      <a:solidFill>
+                        <a:srgbClr val="000000"/>
+                      </a:solidFill>
+                      <a:prstDash val="solid"/>
+                      <a:round/>
+                      <a:headEnd type="none" w="med" len="med"/>
+                      <a:tailEnd type="none" w="med" len="med"/>
+                    </a:lnL>
+                    <a:lnR w="6350" cap="flat" cmpd="sng" algn="ctr">
+                      <a:solidFill>
+                        <a:srgbClr val="000000"/>
+                      </a:solidFill>
+                      <a:prstDash val="solid"/>
+                      <a:round/>
+                      <a:headEnd type="none" w="med" len="med"/>
+                      <a:tailEnd type="none" w="med" len="med"/>
+                    </a:lnR>
+                    <a:lnT w="6350" cap="flat" cmpd="sng" algn="ctr">
+                      <a:solidFill>
+                        <a:srgbClr val="000000"/>
+                      </a:solidFill>
+                      <a:prstDash val="solid"/>
+                      <a:round/>
+                      <a:headEnd type="none" w="med" len="med"/>
+                      <a:tailEnd type="none" w="med" len="med"/>
+                    </a:lnT>
+                    <a:lnB w="6350" cap="flat" cmpd="sng" algn="ctr">
+                      <a:solidFill>
+                        <a:srgbClr val="000000"/>
+                      </a:solidFill>
+                      <a:prstDash val="solid"/>
+                      <a:round/>
+                      <a:headEnd type="none" w="med" len="med"/>
+                      <a:tailEnd type="none" w="med" len="med"/>
+                    </a:lnB>
+                  </a:tcPr>
+                </a:tc>
+                <a:tc>
+                  <a:txBody>
+                    <a:bodyPr/>
+                    <a:lstStyle/>
+                    <a:p>
+                      <a:pPr algn="l" fontAlgn="b"/>
+                      <a:r>
+                        <a:rPr lang="en-US" sz="1100" b="0" i="0" u="none" strike="noStrike" dirty="0">
+                          <a:solidFill>
+                            <a:srgbClr val="000000"/>
+                          </a:solidFill>
+                          <a:effectLst/>
+                          <a:latin typeface="Calibri" panose="020F0502020204030204" pitchFamily="34" charset="0"/>
+                        </a:rPr>
+                        <a:t> </a:t>
+                      </a:r>
+                    </a:p>
+                  </a:txBody>
+                  <a:tcPr marL="6208" marR="6208" marT="6208" marB="0" anchor="b">
+                    <a:lnL w="6350" cap="flat" cmpd="sng" algn="ctr">
+                      <a:solidFill>
+                        <a:srgbClr val="000000"/>
+                      </a:solidFill>
+                      <a:prstDash val="solid"/>
+                      <a:round/>
+                      <a:headEnd type="none" w="med" len="med"/>
+                      <a:tailEnd type="none" w="med" len="med"/>
+                    </a:lnL>
+                    <a:lnR w="6350" cap="flat" cmpd="sng" algn="ctr">
+                      <a:solidFill>
+                        <a:srgbClr val="000000"/>
+                      </a:solidFill>
+                      <a:prstDash val="solid"/>
+                      <a:round/>
+                      <a:headEnd type="none" w="med" len="med"/>
+                      <a:tailEnd type="none" w="med" len="med"/>
+                    </a:lnR>
+                    <a:lnT w="6350" cap="flat" cmpd="sng" algn="ctr">
+                      <a:solidFill>
+                        <a:srgbClr val="000000"/>
+                      </a:solidFill>
+                      <a:prstDash val="solid"/>
+                      <a:round/>
+                      <a:headEnd type="none" w="med" len="med"/>
+                      <a:tailEnd type="none" w="med" len="med"/>
+                    </a:lnT>
+                    <a:lnB w="6350" cap="flat" cmpd="sng" algn="ctr">
+                      <a:solidFill>
+                        <a:srgbClr val="000000"/>
+                      </a:solidFill>
+                      <a:prstDash val="solid"/>
+                      <a:round/>
+                      <a:headEnd type="none" w="med" len="med"/>
+                      <a:tailEnd type="none" w="med" len="med"/>
+                    </a:lnB>
+                  </a:tcPr>
+                </a:tc>
+                <a:tc>
+                  <a:txBody>
+                    <a:bodyPr/>
+                    <a:lstStyle/>
+                    <a:p>
+                      <a:pPr algn="l" fontAlgn="b"/>
+                      <a:r>
+                        <a:rPr lang="en-US" sz="1100" b="0" i="0" u="none" strike="noStrike" dirty="0">
+                          <a:solidFill>
+                            <a:srgbClr val="000000"/>
+                          </a:solidFill>
+                          <a:effectLst/>
+                          <a:latin typeface="Calibri" panose="020F0502020204030204" pitchFamily="34" charset="0"/>
+                        </a:rPr>
+                        <a:t> </a:t>
+                      </a:r>
+                    </a:p>
+                  </a:txBody>
+                  <a:tcPr marL="6208" marR="6208" marT="6208" marB="0" anchor="b">
+                    <a:lnL w="6350" cap="flat" cmpd="sng" algn="ctr">
+                      <a:solidFill>
+                        <a:srgbClr val="000000"/>
+                      </a:solidFill>
+                      <a:prstDash val="solid"/>
+                      <a:round/>
+                      <a:headEnd type="none" w="med" len="med"/>
+                      <a:tailEnd type="none" w="med" len="med"/>
+                    </a:lnL>
+                    <a:lnR w="6350" cap="flat" cmpd="sng" algn="ctr">
+                      <a:solidFill>
+                        <a:srgbClr val="000000"/>
+                      </a:solidFill>
+                      <a:prstDash val="solid"/>
+                      <a:round/>
+                      <a:headEnd type="none" w="med" len="med"/>
+                      <a:tailEnd type="none" w="med" len="med"/>
+                    </a:lnR>
+                    <a:lnT w="6350" cap="flat" cmpd="sng" algn="ctr">
+                      <a:solidFill>
+                        <a:srgbClr val="000000"/>
+                      </a:solidFill>
+                      <a:prstDash val="solid"/>
+                      <a:round/>
+                      <a:headEnd type="none" w="med" len="med"/>
+                      <a:tailEnd type="none" w="med" len="med"/>
+                    </a:lnT>
+                    <a:lnB w="6350" cap="flat" cmpd="sng" algn="ctr">
+                      <a:solidFill>
+                        <a:srgbClr val="000000"/>
+                      </a:solidFill>
+                      <a:prstDash val="solid"/>
+                      <a:round/>
+                      <a:headEnd type="none" w="med" len="med"/>
+                      <a:tailEnd type="none" w="med" len="med"/>
+                    </a:lnB>
+                  </a:tcPr>
+                </a:tc>
+                <a:tc>
+                  <a:txBody>
+                    <a:bodyPr/>
+                    <a:lstStyle/>
+                    <a:p>
+                      <a:pPr algn="l" fontAlgn="b"/>
+                      <a:r>
+                        <a:rPr lang="en-US" sz="1100" b="0" i="0" u="none" strike="noStrike" dirty="0">
+                          <a:solidFill>
+                            <a:srgbClr val="000000"/>
+                          </a:solidFill>
+                          <a:effectLst/>
+                          <a:latin typeface="Calibri" panose="020F0502020204030204" pitchFamily="34" charset="0"/>
+                        </a:rPr>
+                        <a:t>Pending</a:t>
+                      </a:r>
+                    </a:p>
+                  </a:txBody>
+                  <a:tcPr marL="6208" marR="6208" marT="6208" marB="0" anchor="b">
+                    <a:lnL w="6350" cap="flat" cmpd="sng" algn="ctr">
+                      <a:solidFill>
+                        <a:srgbClr val="000000"/>
+                      </a:solidFill>
+                      <a:prstDash val="solid"/>
+                      <a:round/>
+                      <a:headEnd type="none" w="med" len="med"/>
+                      <a:tailEnd type="none" w="med" len="med"/>
+                    </a:lnL>
+                    <a:lnR w="6350" cap="flat" cmpd="sng" algn="ctr">
+                      <a:solidFill>
+                        <a:srgbClr val="000000"/>
+                      </a:solidFill>
+                      <a:prstDash val="solid"/>
+                      <a:round/>
+                      <a:headEnd type="none" w="med" len="med"/>
+                      <a:tailEnd type="none" w="med" len="med"/>
+                    </a:lnR>
+                    <a:lnT w="6350" cap="flat" cmpd="sng" algn="ctr">
+                      <a:solidFill>
+                        <a:srgbClr val="000000"/>
+                      </a:solidFill>
+                      <a:prstDash val="solid"/>
+                      <a:round/>
+                      <a:headEnd type="none" w="med" len="med"/>
+                      <a:tailEnd type="none" w="med" len="med"/>
+                    </a:lnT>
+                    <a:lnB w="6350" cap="flat" cmpd="sng" algn="ctr">
+                      <a:solidFill>
+                        <a:srgbClr val="000000"/>
+                      </a:solidFill>
+                      <a:prstDash val="solid"/>
+                      <a:round/>
+                      <a:headEnd type="none" w="med" len="med"/>
+                      <a:tailEnd type="none" w="med" len="med"/>
+                    </a:lnB>
+                  </a:tcPr>
+                </a:tc>
+                <a:extLst>
+                  <a:ext uri="{0D108BD9-81ED-4DB2-BD59-A6C34878D82A}">
+                    <a16:rowId xmlns:a16="http://schemas.microsoft.com/office/drawing/2014/main" val="3929003079"/>
+                  </a:ext>
+                </a:extLst>
+              </a:tr>
+              <a:tr h="251981">
+                <a:tc>
+                  <a:txBody>
+                    <a:bodyPr/>
+                    <a:lstStyle/>
+                    <a:p>
+                      <a:pPr algn="l" fontAlgn="b"/>
+                      <a:r>
+                        <a:rPr lang="en-US" sz="1100" b="0" i="0" u="none" strike="noStrike" dirty="0">
+                          <a:solidFill>
+                            <a:srgbClr val="000000"/>
+                          </a:solidFill>
+                          <a:effectLst/>
+                          <a:latin typeface="Calibri" panose="020F0502020204030204" pitchFamily="34" charset="0"/>
+                        </a:rPr>
+                        <a:t>Mock up of Dashboard</a:t>
+                      </a:r>
+                    </a:p>
+                  </a:txBody>
+                  <a:tcPr marL="6208" marR="6208" marT="6208" marB="0" anchor="b">
+                    <a:lnL w="6350" cap="flat" cmpd="sng" algn="ctr">
+                      <a:solidFill>
+                        <a:srgbClr val="000000"/>
+                      </a:solidFill>
+                      <a:prstDash val="solid"/>
+                      <a:round/>
+                      <a:headEnd type="none" w="med" len="med"/>
+                      <a:tailEnd type="none" w="med" len="med"/>
+                    </a:lnL>
+                    <a:lnR w="6350" cap="flat" cmpd="sng" algn="ctr">
+                      <a:solidFill>
+                        <a:srgbClr val="000000"/>
+                      </a:solidFill>
+                      <a:prstDash val="solid"/>
+                      <a:round/>
+                      <a:headEnd type="none" w="med" len="med"/>
+                      <a:tailEnd type="none" w="med" len="med"/>
+                    </a:lnR>
+                    <a:lnT w="6350" cap="flat" cmpd="sng" algn="ctr">
+                      <a:solidFill>
+                        <a:srgbClr val="000000"/>
+                      </a:solidFill>
+                      <a:prstDash val="solid"/>
+                      <a:round/>
+                      <a:headEnd type="none" w="med" len="med"/>
+                      <a:tailEnd type="none" w="med" len="med"/>
+                    </a:lnT>
+                    <a:lnB w="6350" cap="flat" cmpd="sng" algn="ctr">
+                      <a:solidFill>
+                        <a:srgbClr val="000000"/>
+                      </a:solidFill>
+                      <a:prstDash val="solid"/>
+                      <a:round/>
+                      <a:headEnd type="none" w="med" len="med"/>
+                      <a:tailEnd type="none" w="med" len="med"/>
+                    </a:lnB>
+                  </a:tcPr>
+                </a:tc>
+                <a:tc>
+                  <a:txBody>
+                    <a:bodyPr/>
+                    <a:lstStyle/>
+                    <a:p>
+                      <a:pPr algn="l" fontAlgn="b"/>
+                      <a:r>
+                        <a:rPr lang="en-US" sz="1100" b="0" i="0" u="none" strike="noStrike" dirty="0">
+                          <a:solidFill>
+                            <a:srgbClr val="000000"/>
+                          </a:solidFill>
+                          <a:effectLst/>
+                          <a:latin typeface="Calibri" panose="020F0502020204030204" pitchFamily="34" charset="0"/>
+                        </a:rPr>
+                        <a:t> </a:t>
+                      </a:r>
+                    </a:p>
+                  </a:txBody>
+                  <a:tcPr marL="6208" marR="6208" marT="6208" marB="0" anchor="b">
+                    <a:lnL w="6350" cap="flat" cmpd="sng" algn="ctr">
+                      <a:solidFill>
+                        <a:srgbClr val="000000"/>
+                      </a:solidFill>
+                      <a:prstDash val="solid"/>
+                      <a:round/>
+                      <a:headEnd type="none" w="med" len="med"/>
+                      <a:tailEnd type="none" w="med" len="med"/>
+                    </a:lnL>
+                    <a:lnR w="6350" cap="flat" cmpd="sng" algn="ctr">
+                      <a:solidFill>
+                        <a:srgbClr val="000000"/>
+                      </a:solidFill>
+                      <a:prstDash val="solid"/>
+                      <a:round/>
+                      <a:headEnd type="none" w="med" len="med"/>
+                      <a:tailEnd type="none" w="med" len="med"/>
+                    </a:lnR>
+                    <a:lnT w="6350" cap="flat" cmpd="sng" algn="ctr">
+                      <a:solidFill>
+                        <a:srgbClr val="000000"/>
+                      </a:solidFill>
+                      <a:prstDash val="solid"/>
+                      <a:round/>
+                      <a:headEnd type="none" w="med" len="med"/>
+                      <a:tailEnd type="none" w="med" len="med"/>
+                    </a:lnT>
+                    <a:lnB w="6350" cap="flat" cmpd="sng" algn="ctr">
+                      <a:solidFill>
+                        <a:srgbClr val="000000"/>
+                      </a:solidFill>
+                      <a:prstDash val="solid"/>
+                      <a:round/>
+                      <a:headEnd type="none" w="med" len="med"/>
+                      <a:tailEnd type="none" w="med" len="med"/>
+                    </a:lnB>
+                  </a:tcPr>
+                </a:tc>
+                <a:tc>
+                  <a:txBody>
+                    <a:bodyPr/>
+                    <a:lstStyle/>
+                    <a:p>
+                      <a:pPr algn="l" fontAlgn="b"/>
+                      <a:r>
+                        <a:rPr lang="en-US" sz="1100" b="0" i="0" u="none" strike="noStrike" dirty="0">
+                          <a:solidFill>
+                            <a:srgbClr val="000000"/>
+                          </a:solidFill>
+                          <a:effectLst/>
+                          <a:latin typeface="Calibri" panose="020F0502020204030204" pitchFamily="34" charset="0"/>
+                        </a:rPr>
+                        <a:t>Segment-1</a:t>
+                      </a:r>
+                    </a:p>
+                  </a:txBody>
+                  <a:tcPr marL="6208" marR="6208" marT="6208" marB="0" anchor="b">
+                    <a:lnL w="6350" cap="flat" cmpd="sng" algn="ctr">
+                      <a:solidFill>
+                        <a:srgbClr val="000000"/>
+                      </a:solidFill>
+                      <a:prstDash val="solid"/>
+                      <a:round/>
+                      <a:headEnd type="none" w="med" len="med"/>
+                      <a:tailEnd type="none" w="med" len="med"/>
+                    </a:lnL>
+                    <a:lnR w="6350" cap="flat" cmpd="sng" algn="ctr">
+                      <a:solidFill>
+                        <a:srgbClr val="000000"/>
+                      </a:solidFill>
+                      <a:prstDash val="solid"/>
+                      <a:round/>
+                      <a:headEnd type="none" w="med" len="med"/>
+                      <a:tailEnd type="none" w="med" len="med"/>
+                    </a:lnR>
+                    <a:lnT w="6350" cap="flat" cmpd="sng" algn="ctr">
+                      <a:solidFill>
+                        <a:srgbClr val="000000"/>
+                      </a:solidFill>
+                      <a:prstDash val="solid"/>
+                      <a:round/>
+                      <a:headEnd type="none" w="med" len="med"/>
+                      <a:tailEnd type="none" w="med" len="med"/>
+                    </a:lnT>
+                    <a:lnB w="6350" cap="flat" cmpd="sng" algn="ctr">
+                      <a:solidFill>
+                        <a:srgbClr val="000000"/>
+                      </a:solidFill>
+                      <a:prstDash val="solid"/>
+                      <a:round/>
+                      <a:headEnd type="none" w="med" len="med"/>
+                      <a:tailEnd type="none" w="med" len="med"/>
+                    </a:lnB>
+                  </a:tcPr>
+                </a:tc>
+                <a:tc>
+                  <a:txBody>
+                    <a:bodyPr/>
+                    <a:lstStyle/>
+                    <a:p>
+                      <a:pPr algn="l" fontAlgn="b"/>
+                      <a:r>
+                        <a:rPr lang="en-US" sz="1100" b="0" i="0" u="none" strike="noStrike" dirty="0">
+                          <a:solidFill>
+                            <a:srgbClr val="000000"/>
+                          </a:solidFill>
+                          <a:effectLst/>
+                          <a:latin typeface="Calibri" panose="020F0502020204030204" pitchFamily="34" charset="0"/>
+                        </a:rPr>
+                        <a:t>Rajesh</a:t>
+                      </a:r>
+                    </a:p>
+                  </a:txBody>
+                  <a:tcPr marL="6208" marR="6208" marT="6208" marB="0" anchor="b">
+                    <a:lnL w="6350" cap="flat" cmpd="sng" algn="ctr">
+                      <a:solidFill>
+                        <a:srgbClr val="000000"/>
+                      </a:solidFill>
+                      <a:prstDash val="solid"/>
+                      <a:round/>
+                      <a:headEnd type="none" w="med" len="med"/>
+                      <a:tailEnd type="none" w="med" len="med"/>
+                    </a:lnL>
+                    <a:lnR w="6350" cap="flat" cmpd="sng" algn="ctr">
+                      <a:solidFill>
+                        <a:srgbClr val="000000"/>
+                      </a:solidFill>
+                      <a:prstDash val="solid"/>
+                      <a:round/>
+                      <a:headEnd type="none" w="med" len="med"/>
+                      <a:tailEnd type="none" w="med" len="med"/>
+                    </a:lnR>
+                    <a:lnT w="6350" cap="flat" cmpd="sng" algn="ctr">
+                      <a:solidFill>
+                        <a:srgbClr val="000000"/>
+                      </a:solidFill>
+                      <a:prstDash val="solid"/>
+                      <a:round/>
+                      <a:headEnd type="none" w="med" len="med"/>
+                      <a:tailEnd type="none" w="med" len="med"/>
+                    </a:lnT>
+                    <a:lnB w="6350" cap="flat" cmpd="sng" algn="ctr">
+                      <a:solidFill>
+                        <a:srgbClr val="000000"/>
+                      </a:solidFill>
+                      <a:prstDash val="solid"/>
+                      <a:round/>
+                      <a:headEnd type="none" w="med" len="med"/>
+                      <a:tailEnd type="none" w="med" len="med"/>
+                    </a:lnB>
+                  </a:tcPr>
+                </a:tc>
+                <a:tc>
+                  <a:txBody>
+                    <a:bodyPr/>
+                    <a:lstStyle/>
+                    <a:p>
+                      <a:pPr algn="l" fontAlgn="b"/>
+                      <a:r>
+                        <a:rPr lang="en-US" sz="1100" b="0" i="0" u="none" strike="noStrike" dirty="0">
+                          <a:solidFill>
+                            <a:srgbClr val="000000"/>
+                          </a:solidFill>
+                          <a:effectLst/>
+                          <a:latin typeface="Calibri" panose="020F0502020204030204" pitchFamily="34" charset="0"/>
+                        </a:rPr>
+                        <a:t> </a:t>
+                      </a:r>
+                    </a:p>
+                  </a:txBody>
+                  <a:tcPr marL="6208" marR="6208" marT="6208" marB="0" anchor="b">
+                    <a:lnL w="6350" cap="flat" cmpd="sng" algn="ctr">
+                      <a:solidFill>
+                        <a:srgbClr val="000000"/>
+                      </a:solidFill>
+                      <a:prstDash val="solid"/>
+                      <a:round/>
+                      <a:headEnd type="none" w="med" len="med"/>
+                      <a:tailEnd type="none" w="med" len="med"/>
+                    </a:lnL>
+                    <a:lnR w="6350" cap="flat" cmpd="sng" algn="ctr">
+                      <a:solidFill>
+                        <a:srgbClr val="000000"/>
+                      </a:solidFill>
+                      <a:prstDash val="solid"/>
+                      <a:round/>
+                      <a:headEnd type="none" w="med" len="med"/>
+                      <a:tailEnd type="none" w="med" len="med"/>
+                    </a:lnR>
+                    <a:lnT w="6350" cap="flat" cmpd="sng" algn="ctr">
+                      <a:solidFill>
+                        <a:srgbClr val="000000"/>
+                      </a:solidFill>
+                      <a:prstDash val="solid"/>
+                      <a:round/>
+                      <a:headEnd type="none" w="med" len="med"/>
+                      <a:tailEnd type="none" w="med" len="med"/>
+                    </a:lnT>
+                    <a:lnB w="6350" cap="flat" cmpd="sng" algn="ctr">
+                      <a:solidFill>
+                        <a:srgbClr val="000000"/>
+                      </a:solidFill>
+                      <a:prstDash val="solid"/>
+                      <a:round/>
+                      <a:headEnd type="none" w="med" len="med"/>
+                      <a:tailEnd type="none" w="med" len="med"/>
+                    </a:lnB>
+                  </a:tcPr>
+                </a:tc>
+                <a:tc>
+                  <a:txBody>
+                    <a:bodyPr/>
+                    <a:lstStyle/>
+                    <a:p>
+                      <a:pPr algn="l" fontAlgn="b"/>
+                      <a:r>
+                        <a:rPr lang="en-US" sz="1100" b="0" i="0" u="none" strike="noStrike" dirty="0">
+                          <a:solidFill>
+                            <a:srgbClr val="000000"/>
+                          </a:solidFill>
+                          <a:effectLst/>
+                          <a:latin typeface="Calibri" panose="020F0502020204030204" pitchFamily="34" charset="0"/>
+                        </a:rPr>
+                        <a:t> </a:t>
+                      </a:r>
+                    </a:p>
+                  </a:txBody>
+                  <a:tcPr marL="6208" marR="6208" marT="6208" marB="0" anchor="b">
+                    <a:lnL w="6350" cap="flat" cmpd="sng" algn="ctr">
+                      <a:solidFill>
+                        <a:srgbClr val="000000"/>
+                      </a:solidFill>
+                      <a:prstDash val="solid"/>
+                      <a:round/>
+                      <a:headEnd type="none" w="med" len="med"/>
+                      <a:tailEnd type="none" w="med" len="med"/>
+                    </a:lnL>
+                    <a:lnR w="6350" cap="flat" cmpd="sng" algn="ctr">
+                      <a:solidFill>
+                        <a:srgbClr val="000000"/>
+                      </a:solidFill>
+                      <a:prstDash val="solid"/>
+                      <a:round/>
+                      <a:headEnd type="none" w="med" len="med"/>
+                      <a:tailEnd type="none" w="med" len="med"/>
+                    </a:lnR>
+                    <a:lnT w="6350" cap="flat" cmpd="sng" algn="ctr">
+                      <a:solidFill>
+                        <a:srgbClr val="000000"/>
+                      </a:solidFill>
+                      <a:prstDash val="solid"/>
+                      <a:round/>
+                      <a:headEnd type="none" w="med" len="med"/>
+                      <a:tailEnd type="none" w="med" len="med"/>
+                    </a:lnT>
+                    <a:lnB w="6350" cap="flat" cmpd="sng" algn="ctr">
+                      <a:solidFill>
+                        <a:srgbClr val="000000"/>
+                      </a:solidFill>
+                      <a:prstDash val="solid"/>
+                      <a:round/>
+                      <a:headEnd type="none" w="med" len="med"/>
+                      <a:tailEnd type="none" w="med" len="med"/>
+                    </a:lnB>
+                  </a:tcPr>
+                </a:tc>
+                <a:tc>
+                  <a:txBody>
+                    <a:bodyPr/>
+                    <a:lstStyle/>
+                    <a:p>
+                      <a:pPr algn="l" fontAlgn="b"/>
+                      <a:r>
+                        <a:rPr lang="en-US" sz="1100" b="0" i="0" u="none" strike="noStrike" dirty="0">
+                          <a:solidFill>
+                            <a:srgbClr val="000000"/>
+                          </a:solidFill>
+                          <a:effectLst/>
+                          <a:latin typeface="Calibri" panose="020F0502020204030204" pitchFamily="34" charset="0"/>
+                        </a:rPr>
+                        <a:t> </a:t>
+                      </a:r>
+                    </a:p>
+                  </a:txBody>
+                  <a:tcPr marL="6208" marR="6208" marT="6208" marB="0" anchor="b">
+                    <a:lnL w="6350" cap="flat" cmpd="sng" algn="ctr">
+                      <a:solidFill>
+                        <a:srgbClr val="000000"/>
+                      </a:solidFill>
+                      <a:prstDash val="solid"/>
+                      <a:round/>
+                      <a:headEnd type="none" w="med" len="med"/>
+                      <a:tailEnd type="none" w="med" len="med"/>
+                    </a:lnL>
+                    <a:lnR w="6350" cap="flat" cmpd="sng" algn="ctr">
+                      <a:solidFill>
+                        <a:srgbClr val="000000"/>
+                      </a:solidFill>
+                      <a:prstDash val="solid"/>
+                      <a:round/>
+                      <a:headEnd type="none" w="med" len="med"/>
+                      <a:tailEnd type="none" w="med" len="med"/>
+                    </a:lnR>
+                    <a:lnT w="6350" cap="flat" cmpd="sng" algn="ctr">
+                      <a:solidFill>
+                        <a:srgbClr val="000000"/>
+                      </a:solidFill>
+                      <a:prstDash val="solid"/>
+                      <a:round/>
+                      <a:headEnd type="none" w="med" len="med"/>
+                      <a:tailEnd type="none" w="med" len="med"/>
+                    </a:lnT>
+                    <a:lnB w="6350" cap="flat" cmpd="sng" algn="ctr">
+                      <a:solidFill>
+                        <a:srgbClr val="000000"/>
+                      </a:solidFill>
+                      <a:prstDash val="solid"/>
+                      <a:round/>
+                      <a:headEnd type="none" w="med" len="med"/>
+                      <a:tailEnd type="none" w="med" len="med"/>
+                    </a:lnB>
+                  </a:tcPr>
+                </a:tc>
+                <a:tc>
+                  <a:txBody>
+                    <a:bodyPr/>
+                    <a:lstStyle/>
+                    <a:p>
+                      <a:pPr algn="l" fontAlgn="b"/>
+                      <a:r>
+                        <a:rPr lang="en-US" sz="1100" b="0" i="0" u="none" strike="noStrike" dirty="0">
+                          <a:solidFill>
+                            <a:srgbClr val="000000"/>
+                          </a:solidFill>
+                          <a:effectLst/>
+                          <a:latin typeface="Calibri" panose="020F0502020204030204" pitchFamily="34" charset="0"/>
+                        </a:rPr>
+                        <a:t>Pending</a:t>
+                      </a:r>
+                    </a:p>
+                  </a:txBody>
+                  <a:tcPr marL="6208" marR="6208" marT="6208" marB="0" anchor="b">
+                    <a:lnL w="6350" cap="flat" cmpd="sng" algn="ctr">
+                      <a:solidFill>
+                        <a:srgbClr val="000000"/>
+                      </a:solidFill>
+                      <a:prstDash val="solid"/>
+                      <a:round/>
+                      <a:headEnd type="none" w="med" len="med"/>
+                      <a:tailEnd type="none" w="med" len="med"/>
+                    </a:lnL>
+                    <a:lnR w="6350" cap="flat" cmpd="sng" algn="ctr">
+                      <a:solidFill>
+                        <a:srgbClr val="000000"/>
+                      </a:solidFill>
+                      <a:prstDash val="solid"/>
+                      <a:round/>
+                      <a:headEnd type="none" w="med" len="med"/>
+                      <a:tailEnd type="none" w="med" len="med"/>
+                    </a:lnR>
+                    <a:lnT w="6350" cap="flat" cmpd="sng" algn="ctr">
+                      <a:solidFill>
+                        <a:srgbClr val="000000"/>
+                      </a:solidFill>
+                      <a:prstDash val="solid"/>
+                      <a:round/>
+                      <a:headEnd type="none" w="med" len="med"/>
+                      <a:tailEnd type="none" w="med" len="med"/>
+                    </a:lnT>
+                    <a:lnB w="6350" cap="flat" cmpd="sng" algn="ctr">
+                      <a:solidFill>
+                        <a:srgbClr val="000000"/>
+                      </a:solidFill>
+                      <a:prstDash val="solid"/>
+                      <a:round/>
+                      <a:headEnd type="none" w="med" len="med"/>
+                      <a:tailEnd type="none" w="med" len="med"/>
+                    </a:lnB>
+                  </a:tcPr>
+                </a:tc>
+                <a:extLst>
+                  <a:ext uri="{0D108BD9-81ED-4DB2-BD59-A6C34878D82A}">
+                    <a16:rowId xmlns:a16="http://schemas.microsoft.com/office/drawing/2014/main" val="2109225052"/>
+                  </a:ext>
+                </a:extLst>
+              </a:tr>
+            </a:tbl>
+          </a:graphicData>
+        </a:graphic>
+      </p:graphicFrame>
     </p:spTree>
     <p:extLst>
       <p:ext uri="{BB962C8B-B14F-4D97-AF65-F5344CB8AC3E}">
-        <p14:creationId xmlns:p14="http://schemas.microsoft.com/office/powerpoint/2010/main" val="4072612"/>
+        <p14:creationId xmlns:p14="http://schemas.microsoft.com/office/powerpoint/2010/main" val="1065740104"/>
       </p:ext>
     </p:extLst>
   </p:cSld>
@@ -5654,7 +13845,7 @@
             <a:pPr algn="ctr"/>
             <a:r>
               <a:rPr lang="en-US" dirty="0"/>
-              <a:t>Task Allocation – segment-1</a:t>
+              <a:t>Task Allocation – segment-2</a:t>
             </a:r>
           </a:p>
         </p:txBody>
@@ -5662,7 +13853,7 @@
     </p:spTree>
     <p:extLst>
       <p:ext uri="{BB962C8B-B14F-4D97-AF65-F5344CB8AC3E}">
-        <p14:creationId xmlns:p14="http://schemas.microsoft.com/office/powerpoint/2010/main" val="1065740104"/>
+        <p14:creationId xmlns:p14="http://schemas.microsoft.com/office/powerpoint/2010/main" val="2077548443"/>
       </p:ext>
     </p:extLst>
   </p:cSld>
@@ -5733,7 +13924,7 @@
             <a:pPr algn="ctr"/>
             <a:r>
               <a:rPr lang="en-US" dirty="0"/>
-              <a:t>Task Allocation – segment-2</a:t>
+              <a:t>Task Allocation – segment-3</a:t>
             </a:r>
           </a:p>
         </p:txBody>
@@ -5741,7 +13932,7 @@
     </p:spTree>
     <p:extLst>
       <p:ext uri="{BB962C8B-B14F-4D97-AF65-F5344CB8AC3E}">
-        <p14:creationId xmlns:p14="http://schemas.microsoft.com/office/powerpoint/2010/main" val="2077548443"/>
+        <p14:creationId xmlns:p14="http://schemas.microsoft.com/office/powerpoint/2010/main" val="4216128763"/>
       </p:ext>
     </p:extLst>
   </p:cSld>
@@ -5812,7 +14003,7 @@
             <a:pPr algn="ctr"/>
             <a:r>
               <a:rPr lang="en-US" dirty="0"/>
-              <a:t>Task Allocation – segment-3</a:t>
+              <a:t>Task Allocation – segment-4</a:t>
             </a:r>
           </a:p>
         </p:txBody>
@@ -5820,7 +14011,7 @@
     </p:spTree>
     <p:extLst>
       <p:ext uri="{BB962C8B-B14F-4D97-AF65-F5344CB8AC3E}">
-        <p14:creationId xmlns:p14="http://schemas.microsoft.com/office/powerpoint/2010/main" val="4216128763"/>
+        <p14:creationId xmlns:p14="http://schemas.microsoft.com/office/powerpoint/2010/main" val="1802704647"/>
       </p:ext>
     </p:extLst>
   </p:cSld>
